--- a/功率预测模型校验系统.pptx
+++ b/功率预测模型校验系统.pptx
@@ -202,7 +202,7 @@
           <a:p>
             <a:fld id="{6644421C-1B0F-4B50-84FF-F0445BE29B36}" type="datetimeFigureOut">
               <a:rPr lang="zh-CN" altLang="en-US" smtClean="0"/>
-              <a:t>2025/4/24</a:t>
+              <a:t>2025/4/28</a:t>
             </a:fld>
             <a:endParaRPr lang="zh-CN" altLang="en-US"/>
           </a:p>
@@ -928,7 +928,7 @@
           <a:p>
             <a:fld id="{BC9B666E-7E1E-4769-A296-D6D54469AE25}" type="datetimeFigureOut">
               <a:rPr lang="zh-CN" altLang="en-US" smtClean="0"/>
-              <a:t>2025/4/24</a:t>
+              <a:t>2025/4/28</a:t>
             </a:fld>
             <a:endParaRPr lang="zh-CN" altLang="en-US"/>
           </a:p>
@@ -1126,7 +1126,7 @@
           <a:p>
             <a:fld id="{BC9B666E-7E1E-4769-A296-D6D54469AE25}" type="datetimeFigureOut">
               <a:rPr lang="zh-CN" altLang="en-US" smtClean="0"/>
-              <a:t>2025/4/24</a:t>
+              <a:t>2025/4/28</a:t>
             </a:fld>
             <a:endParaRPr lang="zh-CN" altLang="en-US"/>
           </a:p>
@@ -1334,7 +1334,7 @@
           <a:p>
             <a:fld id="{BC9B666E-7E1E-4769-A296-D6D54469AE25}" type="datetimeFigureOut">
               <a:rPr lang="zh-CN" altLang="en-US" smtClean="0"/>
-              <a:t>2025/4/24</a:t>
+              <a:t>2025/4/28</a:t>
             </a:fld>
             <a:endParaRPr lang="zh-CN" altLang="en-US"/>
           </a:p>
@@ -1532,7 +1532,7 @@
           <a:p>
             <a:fld id="{BC9B666E-7E1E-4769-A296-D6D54469AE25}" type="datetimeFigureOut">
               <a:rPr lang="zh-CN" altLang="en-US" smtClean="0"/>
-              <a:t>2025/4/24</a:t>
+              <a:t>2025/4/28</a:t>
             </a:fld>
             <a:endParaRPr lang="zh-CN" altLang="en-US"/>
           </a:p>
@@ -1807,7 +1807,7 @@
           <a:p>
             <a:fld id="{BC9B666E-7E1E-4769-A296-D6D54469AE25}" type="datetimeFigureOut">
               <a:rPr lang="zh-CN" altLang="en-US" smtClean="0"/>
-              <a:t>2025/4/24</a:t>
+              <a:t>2025/4/28</a:t>
             </a:fld>
             <a:endParaRPr lang="zh-CN" altLang="en-US"/>
           </a:p>
@@ -2072,7 +2072,7 @@
           <a:p>
             <a:fld id="{BC9B666E-7E1E-4769-A296-D6D54469AE25}" type="datetimeFigureOut">
               <a:rPr lang="zh-CN" altLang="en-US" smtClean="0"/>
-              <a:t>2025/4/24</a:t>
+              <a:t>2025/4/28</a:t>
             </a:fld>
             <a:endParaRPr lang="zh-CN" altLang="en-US"/>
           </a:p>
@@ -2484,7 +2484,7 @@
           <a:p>
             <a:fld id="{BC9B666E-7E1E-4769-A296-D6D54469AE25}" type="datetimeFigureOut">
               <a:rPr lang="zh-CN" altLang="en-US" smtClean="0"/>
-              <a:t>2025/4/24</a:t>
+              <a:t>2025/4/28</a:t>
             </a:fld>
             <a:endParaRPr lang="zh-CN" altLang="en-US"/>
           </a:p>
@@ -2625,7 +2625,7 @@
           <a:p>
             <a:fld id="{BC9B666E-7E1E-4769-A296-D6D54469AE25}" type="datetimeFigureOut">
               <a:rPr lang="zh-CN" altLang="en-US" smtClean="0"/>
-              <a:t>2025/4/24</a:t>
+              <a:t>2025/4/28</a:t>
             </a:fld>
             <a:endParaRPr lang="zh-CN" altLang="en-US"/>
           </a:p>
@@ -2738,7 +2738,7 @@
           <a:p>
             <a:fld id="{BC9B666E-7E1E-4769-A296-D6D54469AE25}" type="datetimeFigureOut">
               <a:rPr lang="zh-CN" altLang="en-US" smtClean="0"/>
-              <a:t>2025/4/24</a:t>
+              <a:t>2025/4/28</a:t>
             </a:fld>
             <a:endParaRPr lang="zh-CN" altLang="en-US"/>
           </a:p>
@@ -3049,7 +3049,7 @@
           <a:p>
             <a:fld id="{BC9B666E-7E1E-4769-A296-D6D54469AE25}" type="datetimeFigureOut">
               <a:rPr lang="zh-CN" altLang="en-US" smtClean="0"/>
-              <a:t>2025/4/24</a:t>
+              <a:t>2025/4/28</a:t>
             </a:fld>
             <a:endParaRPr lang="zh-CN" altLang="en-US"/>
           </a:p>
@@ -3337,7 +3337,7 @@
           <a:p>
             <a:fld id="{BC9B666E-7E1E-4769-A296-D6D54469AE25}" type="datetimeFigureOut">
               <a:rPr lang="zh-CN" altLang="en-US" smtClean="0"/>
-              <a:t>2025/4/24</a:t>
+              <a:t>2025/4/28</a:t>
             </a:fld>
             <a:endParaRPr lang="zh-CN" altLang="en-US"/>
           </a:p>
@@ -3578,7 +3578,7 @@
           <a:p>
             <a:fld id="{BC9B666E-7E1E-4769-A296-D6D54469AE25}" type="datetimeFigureOut">
               <a:rPr lang="zh-CN" altLang="en-US" smtClean="0"/>
-              <a:t>2025/4/24</a:t>
+              <a:t>2025/4/28</a:t>
             </a:fld>
             <a:endParaRPr lang="zh-CN" altLang="en-US"/>
           </a:p>
@@ -7234,7 +7234,7 @@
         <p:spPr>
           <a:xfrm>
             <a:off x="331809" y="885212"/>
-            <a:ext cx="4767090" cy="1385764"/>
+            <a:ext cx="8486514" cy="1170192"/>
           </a:xfrm>
           <a:prstGeom prst="rect">
             <a:avLst/>
@@ -7349,6 +7349,22 @@
               <a:t>\</a:t>
             </a:r>
             <a:r>
+              <a:rPr lang="zh-CN" altLang="en-US" sz="1401" dirty="0">
+                <a:latin typeface="Times New Roman" panose="02020603050405020304" pitchFamily="18" charset="0"/>
+                <a:ea typeface="宋体" panose="02010600030101010101" pitchFamily="2" charset="-122"/>
+                <a:cs typeface="Times New Roman" panose="02020603050405020304" pitchFamily="18" charset="0"/>
+              </a:rPr>
+              <a:t>用户名</a:t>
+            </a:r>
+            <a:r>
+              <a:rPr lang="en-US" altLang="zh-CN" sz="1401" dirty="0">
+                <a:latin typeface="Times New Roman" panose="02020603050405020304" pitchFamily="18" charset="0"/>
+                <a:ea typeface="宋体" panose="02010600030101010101" pitchFamily="2" charset="-122"/>
+                <a:cs typeface="Times New Roman" panose="02020603050405020304" pitchFamily="18" charset="0"/>
+              </a:rPr>
+              <a:t>_</a:t>
+            </a:r>
+            <a:r>
               <a:rPr lang="en-US" altLang="zh-CN" sz="1401" dirty="0" err="1">
                 <a:latin typeface="Times New Roman" panose="02020603050405020304" pitchFamily="18" charset="0"/>
                 <a:ea typeface="宋体" panose="02010600030101010101" pitchFamily="2" charset="-122"/>
@@ -7376,6 +7392,532 @@
               <a:ea typeface="宋体" panose="02010600030101010101" pitchFamily="2" charset="-122"/>
               <a:cs typeface="Times New Roman" panose="02020603050405020304" pitchFamily="18" charset="0"/>
             </a:endParaRPr>
+          </a:p>
+        </p:txBody>
+      </p:sp>
+      <p:sp>
+        <p:nvSpPr>
+          <p:cNvPr id="2" name="流程图: 磁盘 1">
+            <a:extLst>
+              <a:ext uri="{FF2B5EF4-FFF2-40B4-BE49-F238E27FC236}">
+                <a16:creationId xmlns:a16="http://schemas.microsoft.com/office/drawing/2014/main" id="{E3636533-1D94-4E72-20B0-C65AE3E7D2AA}"/>
+              </a:ext>
+            </a:extLst>
+          </p:cNvPr>
+          <p:cNvSpPr/>
+          <p:nvPr/>
+        </p:nvSpPr>
+        <p:spPr>
+          <a:xfrm>
+            <a:off x="619268" y="3811286"/>
+            <a:ext cx="1090245" cy="366050"/>
+          </a:xfrm>
+          <a:prstGeom prst="flowChartMagneticDisk">
+            <a:avLst/>
+          </a:prstGeom>
+          <a:solidFill>
+            <a:schemeClr val="accent3">
+              <a:lumMod val="20000"/>
+              <a:lumOff val="80000"/>
+            </a:schemeClr>
+          </a:solidFill>
+        </p:spPr>
+        <p:style>
+          <a:lnRef idx="2">
+            <a:schemeClr val="accent1">
+              <a:shade val="15000"/>
+            </a:schemeClr>
+          </a:lnRef>
+          <a:fillRef idx="1">
+            <a:schemeClr val="accent1"/>
+          </a:fillRef>
+          <a:effectRef idx="0">
+            <a:schemeClr val="accent1"/>
+          </a:effectRef>
+          <a:fontRef idx="minor">
+            <a:schemeClr val="lt1"/>
+          </a:fontRef>
+        </p:style>
+        <p:txBody>
+          <a:bodyPr rtlCol="0" anchor="ctr"/>
+          <a:lstStyle/>
+          <a:p>
+            <a:pPr algn="ctr"/>
+            <a:r>
+              <a:rPr lang="zh-CN" altLang="en-US" sz="1401" dirty="0">
+                <a:solidFill>
+                  <a:schemeClr val="tx1"/>
+                </a:solidFill>
+                <a:latin typeface="宋体" panose="02010600030101010101" pitchFamily="2" charset="-122"/>
+                <a:ea typeface="宋体" panose="02010600030101010101" pitchFamily="2" charset="-122"/>
+              </a:rPr>
+              <a:t>原始数据</a:t>
+            </a:r>
+          </a:p>
+        </p:txBody>
+      </p:sp>
+      <p:sp>
+        <p:nvSpPr>
+          <p:cNvPr id="3" name="流程图: 过程 2">
+            <a:extLst>
+              <a:ext uri="{FF2B5EF4-FFF2-40B4-BE49-F238E27FC236}">
+                <a16:creationId xmlns:a16="http://schemas.microsoft.com/office/drawing/2014/main" id="{B25098E8-DB45-0E26-1243-C847C1822CD2}"/>
+              </a:ext>
+            </a:extLst>
+          </p:cNvPr>
+          <p:cNvSpPr/>
+          <p:nvPr/>
+        </p:nvSpPr>
+        <p:spPr>
+          <a:xfrm>
+            <a:off x="2715724" y="3757531"/>
+            <a:ext cx="1023296" cy="473560"/>
+          </a:xfrm>
+          <a:prstGeom prst="flowChartProcess">
+            <a:avLst/>
+          </a:prstGeom>
+          <a:solidFill>
+            <a:schemeClr val="accent3">
+              <a:lumMod val="20000"/>
+              <a:lumOff val="80000"/>
+            </a:schemeClr>
+          </a:solidFill>
+          <a:ln>
+            <a:solidFill>
+              <a:schemeClr val="tx1"/>
+            </a:solidFill>
+          </a:ln>
+        </p:spPr>
+        <p:style>
+          <a:lnRef idx="2">
+            <a:schemeClr val="accent1">
+              <a:shade val="15000"/>
+            </a:schemeClr>
+          </a:lnRef>
+          <a:fillRef idx="1">
+            <a:schemeClr val="accent1"/>
+          </a:fillRef>
+          <a:effectRef idx="0">
+            <a:schemeClr val="accent1"/>
+          </a:effectRef>
+          <a:fontRef idx="minor">
+            <a:schemeClr val="lt1"/>
+          </a:fontRef>
+        </p:style>
+        <p:txBody>
+          <a:bodyPr rtlCol="0" anchor="ctr"/>
+          <a:lstStyle/>
+          <a:p>
+            <a:pPr algn="ctr"/>
+            <a:r>
+              <a:rPr lang="zh-CN" altLang="en-US" sz="1401" dirty="0">
+                <a:solidFill>
+                  <a:schemeClr val="tx1"/>
+                </a:solidFill>
+                <a:latin typeface="宋体" panose="02010600030101010101" pitchFamily="2" charset="-122"/>
+                <a:ea typeface="宋体" panose="02010600030101010101" pitchFamily="2" charset="-122"/>
+              </a:rPr>
+              <a:t>临时训练测试数据</a:t>
+            </a:r>
+          </a:p>
+        </p:txBody>
+      </p:sp>
+      <p:cxnSp>
+        <p:nvCxnSpPr>
+          <p:cNvPr id="6" name="直接箭头连接符 5">
+            <a:extLst>
+              <a:ext uri="{FF2B5EF4-FFF2-40B4-BE49-F238E27FC236}">
+                <a16:creationId xmlns:a16="http://schemas.microsoft.com/office/drawing/2014/main" id="{1E877034-6A26-D160-F1F0-C2B9426F7115}"/>
+              </a:ext>
+            </a:extLst>
+          </p:cNvPr>
+          <p:cNvCxnSpPr>
+            <a:cxnSpLocks/>
+            <a:stCxn id="2" idx="4"/>
+            <a:endCxn id="3" idx="1"/>
+          </p:cNvCxnSpPr>
+          <p:nvPr/>
+        </p:nvCxnSpPr>
+        <p:spPr>
+          <a:xfrm>
+            <a:off x="1709513" y="3994311"/>
+            <a:ext cx="1006211" cy="0"/>
+          </a:xfrm>
+          <a:prstGeom prst="straightConnector1">
+            <a:avLst/>
+          </a:prstGeom>
+          <a:ln>
+            <a:tailEnd type="triangle"/>
+          </a:ln>
+        </p:spPr>
+        <p:style>
+          <a:lnRef idx="1">
+            <a:schemeClr val="dk1"/>
+          </a:lnRef>
+          <a:fillRef idx="0">
+            <a:schemeClr val="dk1"/>
+          </a:fillRef>
+          <a:effectRef idx="0">
+            <a:schemeClr val="dk1"/>
+          </a:effectRef>
+          <a:fontRef idx="minor">
+            <a:schemeClr val="tx1"/>
+          </a:fontRef>
+        </p:style>
+      </p:cxnSp>
+      <p:sp>
+        <p:nvSpPr>
+          <p:cNvPr id="11" name="文本框 10">
+            <a:extLst>
+              <a:ext uri="{FF2B5EF4-FFF2-40B4-BE49-F238E27FC236}">
+                <a16:creationId xmlns:a16="http://schemas.microsoft.com/office/drawing/2014/main" id="{097B2B1D-B542-D77B-DF8F-7E5BFB16BF98}"/>
+              </a:ext>
+            </a:extLst>
+          </p:cNvPr>
+          <p:cNvSpPr txBox="1"/>
+          <p:nvPr/>
+        </p:nvSpPr>
+        <p:spPr>
+          <a:xfrm>
+            <a:off x="3322654" y="2456447"/>
+            <a:ext cx="1180453" cy="261610"/>
+          </a:xfrm>
+          <a:prstGeom prst="rect">
+            <a:avLst/>
+          </a:prstGeom>
+          <a:noFill/>
+        </p:spPr>
+        <p:txBody>
+          <a:bodyPr wrap="square">
+            <a:spAutoFit/>
+          </a:bodyPr>
+          <a:lstStyle/>
+          <a:p>
+            <a:r>
+              <a:rPr lang="en-US" altLang="zh-CN" sz="1050" dirty="0">
+                <a:solidFill>
+                  <a:srgbClr val="C00000"/>
+                </a:solidFill>
+                <a:latin typeface="Times New Roman" panose="02020603050405020304" pitchFamily="18" charset="0"/>
+                <a:ea typeface="宋体" panose="02010600030101010101" pitchFamily="2" charset="-122"/>
+                <a:cs typeface="Times New Roman" panose="02020603050405020304" pitchFamily="18" charset="0"/>
+              </a:rPr>
+              <a:t>prepare_data.cmd</a:t>
+            </a:r>
+            <a:endParaRPr lang="zh-CN" altLang="en-US" sz="1050" dirty="0">
+              <a:solidFill>
+                <a:srgbClr val="C00000"/>
+              </a:solidFill>
+              <a:latin typeface="Times New Roman" panose="02020603050405020304" pitchFamily="18" charset="0"/>
+              <a:ea typeface="宋体" panose="02010600030101010101" pitchFamily="2" charset="-122"/>
+              <a:cs typeface="Times New Roman" panose="02020603050405020304" pitchFamily="18" charset="0"/>
+            </a:endParaRPr>
+          </a:p>
+        </p:txBody>
+      </p:sp>
+      <p:sp>
+        <p:nvSpPr>
+          <p:cNvPr id="12" name="流程图: 过程 11">
+            <a:extLst>
+              <a:ext uri="{FF2B5EF4-FFF2-40B4-BE49-F238E27FC236}">
+                <a16:creationId xmlns:a16="http://schemas.microsoft.com/office/drawing/2014/main" id="{CD552499-AD93-6040-B66C-0AD1F2775816}"/>
+              </a:ext>
+            </a:extLst>
+          </p:cNvPr>
+          <p:cNvSpPr/>
+          <p:nvPr/>
+        </p:nvSpPr>
+        <p:spPr>
+          <a:xfrm>
+            <a:off x="4437521" y="3141259"/>
+            <a:ext cx="1288430" cy="370513"/>
+          </a:xfrm>
+          <a:prstGeom prst="flowChartProcess">
+            <a:avLst/>
+          </a:prstGeom>
+          <a:solidFill>
+            <a:schemeClr val="accent3">
+              <a:lumMod val="20000"/>
+              <a:lumOff val="80000"/>
+            </a:schemeClr>
+          </a:solidFill>
+          <a:ln>
+            <a:solidFill>
+              <a:schemeClr val="tx1"/>
+            </a:solidFill>
+          </a:ln>
+        </p:spPr>
+        <p:style>
+          <a:lnRef idx="2">
+            <a:schemeClr val="accent1">
+              <a:shade val="15000"/>
+            </a:schemeClr>
+          </a:lnRef>
+          <a:fillRef idx="1">
+            <a:schemeClr val="accent1"/>
+          </a:fillRef>
+          <a:effectRef idx="0">
+            <a:schemeClr val="accent1"/>
+          </a:effectRef>
+          <a:fontRef idx="minor">
+            <a:schemeClr val="lt1"/>
+          </a:fontRef>
+        </p:style>
+        <p:txBody>
+          <a:bodyPr rtlCol="0" anchor="ctr"/>
+          <a:lstStyle/>
+          <a:p>
+            <a:pPr algn="ctr"/>
+            <a:r>
+              <a:rPr lang="zh-CN" altLang="en-US" sz="1401" dirty="0">
+                <a:solidFill>
+                  <a:schemeClr val="tx1"/>
+                </a:solidFill>
+                <a:latin typeface="宋体" panose="02010600030101010101" pitchFamily="2" charset="-122"/>
+                <a:ea typeface="宋体" panose="02010600030101010101" pitchFamily="2" charset="-122"/>
+              </a:rPr>
+              <a:t>交互空间数据</a:t>
+            </a:r>
+          </a:p>
+        </p:txBody>
+      </p:sp>
+      <p:sp>
+        <p:nvSpPr>
+          <p:cNvPr id="13" name="流程图: 过程 12">
+            <a:extLst>
+              <a:ext uri="{FF2B5EF4-FFF2-40B4-BE49-F238E27FC236}">
+                <a16:creationId xmlns:a16="http://schemas.microsoft.com/office/drawing/2014/main" id="{8CDDB33F-3A98-8A7E-F2F3-5A6A10B9EE32}"/>
+              </a:ext>
+            </a:extLst>
+          </p:cNvPr>
+          <p:cNvSpPr/>
+          <p:nvPr/>
+        </p:nvSpPr>
+        <p:spPr>
+          <a:xfrm>
+            <a:off x="4437521" y="4499852"/>
+            <a:ext cx="1653567" cy="370513"/>
+          </a:xfrm>
+          <a:prstGeom prst="flowChartProcess">
+            <a:avLst/>
+          </a:prstGeom>
+          <a:solidFill>
+            <a:schemeClr val="accent3">
+              <a:lumMod val="20000"/>
+              <a:lumOff val="80000"/>
+            </a:schemeClr>
+          </a:solidFill>
+          <a:ln>
+            <a:solidFill>
+              <a:schemeClr val="tx1"/>
+            </a:solidFill>
+          </a:ln>
+        </p:spPr>
+        <p:style>
+          <a:lnRef idx="2">
+            <a:schemeClr val="accent1">
+              <a:shade val="15000"/>
+            </a:schemeClr>
+          </a:lnRef>
+          <a:fillRef idx="1">
+            <a:schemeClr val="accent1"/>
+          </a:fillRef>
+          <a:effectRef idx="0">
+            <a:schemeClr val="accent1"/>
+          </a:effectRef>
+          <a:fontRef idx="minor">
+            <a:schemeClr val="lt1"/>
+          </a:fontRef>
+        </p:style>
+        <p:txBody>
+          <a:bodyPr rtlCol="0" anchor="ctr"/>
+          <a:lstStyle/>
+          <a:p>
+            <a:pPr algn="ctr"/>
+            <a:r>
+              <a:rPr lang="zh-CN" altLang="en-US" sz="1401" dirty="0">
+                <a:solidFill>
+                  <a:schemeClr val="tx1"/>
+                </a:solidFill>
+                <a:latin typeface="宋体" panose="02010600030101010101" pitchFamily="2" charset="-122"/>
+                <a:ea typeface="宋体" panose="02010600030101010101" pitchFamily="2" charset="-122"/>
+              </a:rPr>
+              <a:t>系统长期备份数据</a:t>
+            </a:r>
+          </a:p>
+        </p:txBody>
+      </p:sp>
+      <p:cxnSp>
+        <p:nvCxnSpPr>
+          <p:cNvPr id="14" name="连接符: 肘形 13">
+            <a:extLst>
+              <a:ext uri="{FF2B5EF4-FFF2-40B4-BE49-F238E27FC236}">
+                <a16:creationId xmlns:a16="http://schemas.microsoft.com/office/drawing/2014/main" id="{887C9009-3F8F-C31C-AEC3-67DE88B6B9CB}"/>
+              </a:ext>
+            </a:extLst>
+          </p:cNvPr>
+          <p:cNvCxnSpPr>
+            <a:cxnSpLocks/>
+            <a:stCxn id="3" idx="3"/>
+            <a:endCxn id="12" idx="1"/>
+          </p:cNvCxnSpPr>
+          <p:nvPr/>
+        </p:nvCxnSpPr>
+        <p:spPr>
+          <a:xfrm flipV="1">
+            <a:off x="3739020" y="3326516"/>
+            <a:ext cx="698501" cy="667795"/>
+          </a:xfrm>
+          <a:prstGeom prst="bentConnector3">
+            <a:avLst>
+              <a:gd name="adj1" fmla="val 50000"/>
+            </a:avLst>
+          </a:prstGeom>
+          <a:ln>
+            <a:tailEnd type="triangle"/>
+          </a:ln>
+        </p:spPr>
+        <p:style>
+          <a:lnRef idx="1">
+            <a:schemeClr val="dk1"/>
+          </a:lnRef>
+          <a:fillRef idx="0">
+            <a:schemeClr val="dk1"/>
+          </a:fillRef>
+          <a:effectRef idx="0">
+            <a:schemeClr val="dk1"/>
+          </a:effectRef>
+          <a:fontRef idx="minor">
+            <a:schemeClr val="tx1"/>
+          </a:fontRef>
+        </p:style>
+      </p:cxnSp>
+      <p:cxnSp>
+        <p:nvCxnSpPr>
+          <p:cNvPr id="17" name="连接符: 肘形 16">
+            <a:extLst>
+              <a:ext uri="{FF2B5EF4-FFF2-40B4-BE49-F238E27FC236}">
+                <a16:creationId xmlns:a16="http://schemas.microsoft.com/office/drawing/2014/main" id="{A123BAEA-7CF6-85D0-0454-FD2145F6E314}"/>
+              </a:ext>
+            </a:extLst>
+          </p:cNvPr>
+          <p:cNvCxnSpPr>
+            <a:cxnSpLocks/>
+            <a:stCxn id="3" idx="3"/>
+            <a:endCxn id="13" idx="1"/>
+          </p:cNvCxnSpPr>
+          <p:nvPr/>
+        </p:nvCxnSpPr>
+        <p:spPr>
+          <a:xfrm>
+            <a:off x="3739020" y="3994311"/>
+            <a:ext cx="698501" cy="690798"/>
+          </a:xfrm>
+          <a:prstGeom prst="bentConnector3">
+            <a:avLst>
+              <a:gd name="adj1" fmla="val 50000"/>
+            </a:avLst>
+          </a:prstGeom>
+          <a:ln>
+            <a:tailEnd type="triangle"/>
+          </a:ln>
+        </p:spPr>
+        <p:style>
+          <a:lnRef idx="1">
+            <a:schemeClr val="dk1"/>
+          </a:lnRef>
+          <a:fillRef idx="0">
+            <a:schemeClr val="dk1"/>
+          </a:fillRef>
+          <a:effectRef idx="0">
+            <a:schemeClr val="dk1"/>
+          </a:effectRef>
+          <a:fontRef idx="minor">
+            <a:schemeClr val="tx1"/>
+          </a:fontRef>
+        </p:style>
+      </p:cxnSp>
+      <p:sp>
+        <p:nvSpPr>
+          <p:cNvPr id="22" name="文本框 21">
+            <a:extLst>
+              <a:ext uri="{FF2B5EF4-FFF2-40B4-BE49-F238E27FC236}">
+                <a16:creationId xmlns:a16="http://schemas.microsoft.com/office/drawing/2014/main" id="{2655F5DD-20C8-84A5-BB5D-86AB2EC2EF4E}"/>
+              </a:ext>
+            </a:extLst>
+          </p:cNvPr>
+          <p:cNvSpPr txBox="1"/>
+          <p:nvPr/>
+        </p:nvSpPr>
+        <p:spPr>
+          <a:xfrm>
+            <a:off x="4674077" y="3495921"/>
+            <a:ext cx="1180453" cy="261610"/>
+          </a:xfrm>
+          <a:prstGeom prst="rect">
+            <a:avLst/>
+          </a:prstGeom>
+          <a:noFill/>
+        </p:spPr>
+        <p:txBody>
+          <a:bodyPr wrap="square">
+            <a:spAutoFit/>
+          </a:bodyPr>
+          <a:lstStyle/>
+          <a:p>
+            <a:r>
+              <a:rPr lang="zh-CN" altLang="en-US" sz="1050" dirty="0">
+                <a:solidFill>
+                  <a:srgbClr val="C00000"/>
+                </a:solidFill>
+                <a:latin typeface="Times New Roman" panose="02020603050405020304" pitchFamily="18" charset="0"/>
+                <a:ea typeface="宋体" panose="02010600030101010101" pitchFamily="2" charset="-122"/>
+                <a:cs typeface="Times New Roman" panose="02020603050405020304" pitchFamily="18" charset="0"/>
+              </a:rPr>
+              <a:t>会自动销毁</a:t>
+            </a:r>
+          </a:p>
+        </p:txBody>
+      </p:sp>
+      <p:sp>
+        <p:nvSpPr>
+          <p:cNvPr id="23" name="文本框 22">
+            <a:extLst>
+              <a:ext uri="{FF2B5EF4-FFF2-40B4-BE49-F238E27FC236}">
+                <a16:creationId xmlns:a16="http://schemas.microsoft.com/office/drawing/2014/main" id="{6B4FDBA7-6C8C-D98A-46FF-4FABC2363060}"/>
+              </a:ext>
+            </a:extLst>
+          </p:cNvPr>
+          <p:cNvSpPr txBox="1"/>
+          <p:nvPr/>
+        </p:nvSpPr>
+        <p:spPr>
+          <a:xfrm>
+            <a:off x="4674077" y="4870365"/>
+            <a:ext cx="1260316" cy="253916"/>
+          </a:xfrm>
+          <a:prstGeom prst="rect">
+            <a:avLst/>
+          </a:prstGeom>
+          <a:noFill/>
+        </p:spPr>
+        <p:txBody>
+          <a:bodyPr wrap="square">
+            <a:spAutoFit/>
+          </a:bodyPr>
+          <a:lstStyle/>
+          <a:p>
+            <a:r>
+              <a:rPr lang="zh-CN" altLang="en-US" sz="1050" dirty="0">
+                <a:solidFill>
+                  <a:srgbClr val="C00000"/>
+                </a:solidFill>
+                <a:latin typeface="Times New Roman" panose="02020603050405020304" pitchFamily="18" charset="0"/>
+                <a:ea typeface="宋体" panose="02010600030101010101" pitchFamily="2" charset="-122"/>
+                <a:cs typeface="Times New Roman" panose="02020603050405020304" pitchFamily="18" charset="0"/>
+              </a:rPr>
+              <a:t>仅管理员手动销毁</a:t>
+            </a:r>
           </a:p>
         </p:txBody>
       </p:sp>

--- a/功率预测模型校验系统.pptx
+++ b/功率预测模型校验系统.pptx
@@ -5,7 +5,7 @@
     <p:sldMasterId id="2147483648" r:id="rId1"/>
   </p:sldMasterIdLst>
   <p:notesMasterIdLst>
-    <p:notesMasterId r:id="rId8"/>
+    <p:notesMasterId r:id="rId9"/>
   </p:notesMasterIdLst>
   <p:sldIdLst>
     <p:sldId id="260" r:id="rId2"/>
@@ -14,6 +14,7 @@
     <p:sldId id="258" r:id="rId5"/>
     <p:sldId id="261" r:id="rId6"/>
     <p:sldId id="262" r:id="rId7"/>
+    <p:sldId id="263" r:id="rId8"/>
   </p:sldIdLst>
   <p:sldSz cx="12192000" cy="6858000"/>
   <p:notesSz cx="6858000" cy="9144000"/>
@@ -202,7 +203,7 @@
           <a:p>
             <a:fld id="{6644421C-1B0F-4B50-84FF-F0445BE29B36}" type="datetimeFigureOut">
               <a:rPr lang="zh-CN" altLang="en-US" smtClean="0"/>
-              <a:t>2025/4/28</a:t>
+              <a:t>2025/5/7</a:t>
             </a:fld>
             <a:endParaRPr lang="zh-CN" altLang="en-US"/>
           </a:p>
@@ -928,7 +929,7 @@
           <a:p>
             <a:fld id="{BC9B666E-7E1E-4769-A296-D6D54469AE25}" type="datetimeFigureOut">
               <a:rPr lang="zh-CN" altLang="en-US" smtClean="0"/>
-              <a:t>2025/4/28</a:t>
+              <a:t>2025/5/7</a:t>
             </a:fld>
             <a:endParaRPr lang="zh-CN" altLang="en-US"/>
           </a:p>
@@ -1126,7 +1127,7 @@
           <a:p>
             <a:fld id="{BC9B666E-7E1E-4769-A296-D6D54469AE25}" type="datetimeFigureOut">
               <a:rPr lang="zh-CN" altLang="en-US" smtClean="0"/>
-              <a:t>2025/4/28</a:t>
+              <a:t>2025/5/7</a:t>
             </a:fld>
             <a:endParaRPr lang="zh-CN" altLang="en-US"/>
           </a:p>
@@ -1334,7 +1335,7 @@
           <a:p>
             <a:fld id="{BC9B666E-7E1E-4769-A296-D6D54469AE25}" type="datetimeFigureOut">
               <a:rPr lang="zh-CN" altLang="en-US" smtClean="0"/>
-              <a:t>2025/4/28</a:t>
+              <a:t>2025/5/7</a:t>
             </a:fld>
             <a:endParaRPr lang="zh-CN" altLang="en-US"/>
           </a:p>
@@ -1532,7 +1533,7 @@
           <a:p>
             <a:fld id="{BC9B666E-7E1E-4769-A296-D6D54469AE25}" type="datetimeFigureOut">
               <a:rPr lang="zh-CN" altLang="en-US" smtClean="0"/>
-              <a:t>2025/4/28</a:t>
+              <a:t>2025/5/7</a:t>
             </a:fld>
             <a:endParaRPr lang="zh-CN" altLang="en-US"/>
           </a:p>
@@ -1807,7 +1808,7 @@
           <a:p>
             <a:fld id="{BC9B666E-7E1E-4769-A296-D6D54469AE25}" type="datetimeFigureOut">
               <a:rPr lang="zh-CN" altLang="en-US" smtClean="0"/>
-              <a:t>2025/4/28</a:t>
+              <a:t>2025/5/7</a:t>
             </a:fld>
             <a:endParaRPr lang="zh-CN" altLang="en-US"/>
           </a:p>
@@ -2072,7 +2073,7 @@
           <a:p>
             <a:fld id="{BC9B666E-7E1E-4769-A296-D6D54469AE25}" type="datetimeFigureOut">
               <a:rPr lang="zh-CN" altLang="en-US" smtClean="0"/>
-              <a:t>2025/4/28</a:t>
+              <a:t>2025/5/7</a:t>
             </a:fld>
             <a:endParaRPr lang="zh-CN" altLang="en-US"/>
           </a:p>
@@ -2484,7 +2485,7 @@
           <a:p>
             <a:fld id="{BC9B666E-7E1E-4769-A296-D6D54469AE25}" type="datetimeFigureOut">
               <a:rPr lang="zh-CN" altLang="en-US" smtClean="0"/>
-              <a:t>2025/4/28</a:t>
+              <a:t>2025/5/7</a:t>
             </a:fld>
             <a:endParaRPr lang="zh-CN" altLang="en-US"/>
           </a:p>
@@ -2625,7 +2626,7 @@
           <a:p>
             <a:fld id="{BC9B666E-7E1E-4769-A296-D6D54469AE25}" type="datetimeFigureOut">
               <a:rPr lang="zh-CN" altLang="en-US" smtClean="0"/>
-              <a:t>2025/4/28</a:t>
+              <a:t>2025/5/7</a:t>
             </a:fld>
             <a:endParaRPr lang="zh-CN" altLang="en-US"/>
           </a:p>
@@ -2738,7 +2739,7 @@
           <a:p>
             <a:fld id="{BC9B666E-7E1E-4769-A296-D6D54469AE25}" type="datetimeFigureOut">
               <a:rPr lang="zh-CN" altLang="en-US" smtClean="0"/>
-              <a:t>2025/4/28</a:t>
+              <a:t>2025/5/7</a:t>
             </a:fld>
             <a:endParaRPr lang="zh-CN" altLang="en-US"/>
           </a:p>
@@ -3049,7 +3050,7 @@
           <a:p>
             <a:fld id="{BC9B666E-7E1E-4769-A296-D6D54469AE25}" type="datetimeFigureOut">
               <a:rPr lang="zh-CN" altLang="en-US" smtClean="0"/>
-              <a:t>2025/4/28</a:t>
+              <a:t>2025/5/7</a:t>
             </a:fld>
             <a:endParaRPr lang="zh-CN" altLang="en-US"/>
           </a:p>
@@ -3337,7 +3338,7 @@
           <a:p>
             <a:fld id="{BC9B666E-7E1E-4769-A296-D6D54469AE25}" type="datetimeFigureOut">
               <a:rPr lang="zh-CN" altLang="en-US" smtClean="0"/>
-              <a:t>2025/4/28</a:t>
+              <a:t>2025/5/7</a:t>
             </a:fld>
             <a:endParaRPr lang="zh-CN" altLang="en-US"/>
           </a:p>
@@ -3578,7 +3579,7 @@
           <a:p>
             <a:fld id="{BC9B666E-7E1E-4769-A296-D6D54469AE25}" type="datetimeFigureOut">
               <a:rPr lang="zh-CN" altLang="en-US" smtClean="0"/>
-              <a:t>2025/4/28</a:t>
+              <a:t>2025/5/7</a:t>
             </a:fld>
             <a:endParaRPr lang="zh-CN" altLang="en-US"/>
           </a:p>
@@ -7925,6 +7926,141 @@
     <p:extLst>
       <p:ext uri="{BB962C8B-B14F-4D97-AF65-F5344CB8AC3E}">
         <p14:creationId xmlns:p14="http://schemas.microsoft.com/office/powerpoint/2010/main" val="2230480382"/>
+      </p:ext>
+    </p:extLst>
+  </p:cSld>
+  <p:clrMapOvr>
+    <a:masterClrMapping/>
+  </p:clrMapOvr>
+</p:sld>
+</file>
+
+<file path=ppt/slides/slide7.xml><?xml version="1.0" encoding="utf-8"?>
+<p:sld xmlns:a="http://schemas.openxmlformats.org/drawingml/2006/main" xmlns:r="http://schemas.openxmlformats.org/officeDocument/2006/relationships" xmlns:p="http://schemas.openxmlformats.org/presentationml/2006/main">
+  <p:cSld>
+    <p:spTree>
+      <p:nvGrpSpPr>
+        <p:cNvPr id="1" name=""/>
+        <p:cNvGrpSpPr/>
+        <p:nvPr/>
+      </p:nvGrpSpPr>
+      <p:grpSpPr>
+        <a:xfrm>
+          <a:off x="0" y="0"/>
+          <a:ext cx="0" cy="0"/>
+          <a:chOff x="0" y="0"/>
+          <a:chExt cx="0" cy="0"/>
+        </a:xfrm>
+      </p:grpSpPr>
+      <p:pic>
+        <p:nvPicPr>
+          <p:cNvPr id="4" name="图片 3">
+            <a:extLst>
+              <a:ext uri="{FF2B5EF4-FFF2-40B4-BE49-F238E27FC236}">
+                <a16:creationId xmlns:a16="http://schemas.microsoft.com/office/drawing/2014/main" id="{AB8593DB-205F-BCEC-75F2-4E023F554798}"/>
+              </a:ext>
+            </a:extLst>
+          </p:cNvPr>
+          <p:cNvPicPr>
+            <a:picLocks noChangeAspect="1"/>
+          </p:cNvPicPr>
+          <p:nvPr/>
+        </p:nvPicPr>
+        <p:blipFill>
+          <a:blip r:embed="rId2"/>
+          <a:srcRect r="2856" b="39142"/>
+          <a:stretch/>
+        </p:blipFill>
+        <p:spPr>
+          <a:xfrm>
+            <a:off x="342287" y="2452050"/>
+            <a:ext cx="11507425" cy="3817227"/>
+          </a:xfrm>
+          <a:prstGeom prst="rect">
+            <a:avLst/>
+          </a:prstGeom>
+        </p:spPr>
+      </p:pic>
+      <p:sp>
+        <p:nvSpPr>
+          <p:cNvPr id="5" name="文本框 4">
+            <a:extLst>
+              <a:ext uri="{FF2B5EF4-FFF2-40B4-BE49-F238E27FC236}">
+                <a16:creationId xmlns:a16="http://schemas.microsoft.com/office/drawing/2014/main" id="{744DCFE0-A51E-E2C2-786A-8F979F78D0E1}"/>
+              </a:ext>
+            </a:extLst>
+          </p:cNvPr>
+          <p:cNvSpPr txBox="1"/>
+          <p:nvPr/>
+        </p:nvSpPr>
+        <p:spPr>
+          <a:xfrm>
+            <a:off x="3663732" y="1881031"/>
+            <a:ext cx="5267325" cy="307905"/>
+          </a:xfrm>
+          <a:prstGeom prst="rect">
+            <a:avLst/>
+          </a:prstGeom>
+          <a:noFill/>
+        </p:spPr>
+        <p:txBody>
+          <a:bodyPr wrap="square">
+            <a:spAutoFit/>
+          </a:bodyPr>
+          <a:lstStyle/>
+          <a:p>
+            <a:r>
+              <a:rPr lang="zh-CN" altLang="en-US" sz="1401" dirty="0">
+                <a:latin typeface="Times New Roman" panose="02020603050405020304" pitchFamily="18" charset="0"/>
+                <a:ea typeface="宋体" panose="02010600030101010101" pitchFamily="2" charset="-122"/>
+                <a:cs typeface="Times New Roman" panose="02020603050405020304" pitchFamily="18" charset="0"/>
+              </a:rPr>
+              <a:t>开发</a:t>
+            </a:r>
+            <a:r>
+              <a:rPr lang="en-US" altLang="zh-CN" sz="1401" dirty="0" err="1">
+                <a:latin typeface="Times New Roman" panose="02020603050405020304" pitchFamily="18" charset="0"/>
+                <a:ea typeface="宋体" panose="02010600030101010101" pitchFamily="2" charset="-122"/>
+                <a:cs typeface="Times New Roman" panose="02020603050405020304" pitchFamily="18" charset="0"/>
+              </a:rPr>
+              <a:t>cmd</a:t>
+            </a:r>
+            <a:r>
+              <a:rPr lang="zh-CN" altLang="en-US" sz="1401" dirty="0">
+                <a:latin typeface="Times New Roman" panose="02020603050405020304" pitchFamily="18" charset="0"/>
+                <a:ea typeface="宋体" panose="02010600030101010101" pitchFamily="2" charset="-122"/>
+                <a:cs typeface="Times New Roman" panose="02020603050405020304" pitchFamily="18" charset="0"/>
+              </a:rPr>
+              <a:t>程序驱动示例图，</a:t>
+            </a:r>
+            <a:r>
+              <a:rPr lang="en-US" altLang="zh-CN" sz="1401" dirty="0">
+                <a:latin typeface="Times New Roman" panose="02020603050405020304" pitchFamily="18" charset="0"/>
+                <a:ea typeface="宋体" panose="02010600030101010101" pitchFamily="2" charset="-122"/>
+                <a:cs typeface="Times New Roman" panose="02020603050405020304" pitchFamily="18" charset="0"/>
+              </a:rPr>
+              <a:t>log</a:t>
+            </a:r>
+            <a:r>
+              <a:rPr lang="zh-CN" altLang="en-US" sz="1401" dirty="0">
+                <a:latin typeface="Times New Roman" panose="02020603050405020304" pitchFamily="18" charset="0"/>
+                <a:ea typeface="宋体" panose="02010600030101010101" pitchFamily="2" charset="-122"/>
+                <a:cs typeface="Times New Roman" panose="02020603050405020304" pitchFamily="18" charset="0"/>
+              </a:rPr>
+              <a:t>文件应当给用户查看以便调试</a:t>
+            </a:r>
+            <a:endParaRPr lang="en-US" altLang="zh-CN" sz="1401" dirty="0">
+              <a:latin typeface="Times New Roman" panose="02020603050405020304" pitchFamily="18" charset="0"/>
+              <a:ea typeface="宋体" panose="02010600030101010101" pitchFamily="2" charset="-122"/>
+              <a:cs typeface="Times New Roman" panose="02020603050405020304" pitchFamily="18" charset="0"/>
+            </a:endParaRPr>
+          </a:p>
+        </p:txBody>
+      </p:sp>
+    </p:spTree>
+    <p:extLst>
+      <p:ext uri="{BB962C8B-B14F-4D97-AF65-F5344CB8AC3E}">
+        <p14:creationId xmlns:p14="http://schemas.microsoft.com/office/powerpoint/2010/main" val="4287997421"/>
       </p:ext>
     </p:extLst>
   </p:cSld>

--- a/功率预测模型校验系统.pptx
+++ b/功率预测模型校验系统.pptx
@@ -203,7 +203,7 @@
           <a:p>
             <a:fld id="{6644421C-1B0F-4B50-84FF-F0445BE29B36}" type="datetimeFigureOut">
               <a:rPr lang="zh-CN" altLang="en-US" smtClean="0"/>
-              <a:t>2025/5/7</a:t>
+              <a:t>2025/5/8</a:t>
             </a:fld>
             <a:endParaRPr lang="zh-CN" altLang="en-US"/>
           </a:p>
@@ -929,7 +929,7 @@
           <a:p>
             <a:fld id="{BC9B666E-7E1E-4769-A296-D6D54469AE25}" type="datetimeFigureOut">
               <a:rPr lang="zh-CN" altLang="en-US" smtClean="0"/>
-              <a:t>2025/5/7</a:t>
+              <a:t>2025/5/8</a:t>
             </a:fld>
             <a:endParaRPr lang="zh-CN" altLang="en-US"/>
           </a:p>
@@ -1127,7 +1127,7 @@
           <a:p>
             <a:fld id="{BC9B666E-7E1E-4769-A296-D6D54469AE25}" type="datetimeFigureOut">
               <a:rPr lang="zh-CN" altLang="en-US" smtClean="0"/>
-              <a:t>2025/5/7</a:t>
+              <a:t>2025/5/8</a:t>
             </a:fld>
             <a:endParaRPr lang="zh-CN" altLang="en-US"/>
           </a:p>
@@ -1335,7 +1335,7 @@
           <a:p>
             <a:fld id="{BC9B666E-7E1E-4769-A296-D6D54469AE25}" type="datetimeFigureOut">
               <a:rPr lang="zh-CN" altLang="en-US" smtClean="0"/>
-              <a:t>2025/5/7</a:t>
+              <a:t>2025/5/8</a:t>
             </a:fld>
             <a:endParaRPr lang="zh-CN" altLang="en-US"/>
           </a:p>
@@ -1533,7 +1533,7 @@
           <a:p>
             <a:fld id="{BC9B666E-7E1E-4769-A296-D6D54469AE25}" type="datetimeFigureOut">
               <a:rPr lang="zh-CN" altLang="en-US" smtClean="0"/>
-              <a:t>2025/5/7</a:t>
+              <a:t>2025/5/8</a:t>
             </a:fld>
             <a:endParaRPr lang="zh-CN" altLang="en-US"/>
           </a:p>
@@ -1808,7 +1808,7 @@
           <a:p>
             <a:fld id="{BC9B666E-7E1E-4769-A296-D6D54469AE25}" type="datetimeFigureOut">
               <a:rPr lang="zh-CN" altLang="en-US" smtClean="0"/>
-              <a:t>2025/5/7</a:t>
+              <a:t>2025/5/8</a:t>
             </a:fld>
             <a:endParaRPr lang="zh-CN" altLang="en-US"/>
           </a:p>
@@ -2073,7 +2073,7 @@
           <a:p>
             <a:fld id="{BC9B666E-7E1E-4769-A296-D6D54469AE25}" type="datetimeFigureOut">
               <a:rPr lang="zh-CN" altLang="en-US" smtClean="0"/>
-              <a:t>2025/5/7</a:t>
+              <a:t>2025/5/8</a:t>
             </a:fld>
             <a:endParaRPr lang="zh-CN" altLang="en-US"/>
           </a:p>
@@ -2485,7 +2485,7 @@
           <a:p>
             <a:fld id="{BC9B666E-7E1E-4769-A296-D6D54469AE25}" type="datetimeFigureOut">
               <a:rPr lang="zh-CN" altLang="en-US" smtClean="0"/>
-              <a:t>2025/5/7</a:t>
+              <a:t>2025/5/8</a:t>
             </a:fld>
             <a:endParaRPr lang="zh-CN" altLang="en-US"/>
           </a:p>
@@ -2626,7 +2626,7 @@
           <a:p>
             <a:fld id="{BC9B666E-7E1E-4769-A296-D6D54469AE25}" type="datetimeFigureOut">
               <a:rPr lang="zh-CN" altLang="en-US" smtClean="0"/>
-              <a:t>2025/5/7</a:t>
+              <a:t>2025/5/8</a:t>
             </a:fld>
             <a:endParaRPr lang="zh-CN" altLang="en-US"/>
           </a:p>
@@ -2739,7 +2739,7 @@
           <a:p>
             <a:fld id="{BC9B666E-7E1E-4769-A296-D6D54469AE25}" type="datetimeFigureOut">
               <a:rPr lang="zh-CN" altLang="en-US" smtClean="0"/>
-              <a:t>2025/5/7</a:t>
+              <a:t>2025/5/8</a:t>
             </a:fld>
             <a:endParaRPr lang="zh-CN" altLang="en-US"/>
           </a:p>
@@ -3050,7 +3050,7 @@
           <a:p>
             <a:fld id="{BC9B666E-7E1E-4769-A296-D6D54469AE25}" type="datetimeFigureOut">
               <a:rPr lang="zh-CN" altLang="en-US" smtClean="0"/>
-              <a:t>2025/5/7</a:t>
+              <a:t>2025/5/8</a:t>
             </a:fld>
             <a:endParaRPr lang="zh-CN" altLang="en-US"/>
           </a:p>
@@ -3338,7 +3338,7 @@
           <a:p>
             <a:fld id="{BC9B666E-7E1E-4769-A296-D6D54469AE25}" type="datetimeFigureOut">
               <a:rPr lang="zh-CN" altLang="en-US" smtClean="0"/>
-              <a:t>2025/5/7</a:t>
+              <a:t>2025/5/8</a:t>
             </a:fld>
             <a:endParaRPr lang="zh-CN" altLang="en-US"/>
           </a:p>
@@ -3579,7 +3579,7 @@
           <a:p>
             <a:fld id="{BC9B666E-7E1E-4769-A296-D6D54469AE25}" type="datetimeFigureOut">
               <a:rPr lang="zh-CN" altLang="en-US" smtClean="0"/>
-              <a:t>2025/5/7</a:t>
+              <a:t>2025/5/8</a:t>
             </a:fld>
             <a:endParaRPr lang="zh-CN" altLang="en-US"/>
           </a:p>
@@ -7046,99 +7046,163 @@
       </p:sp>
       <p:sp>
         <p:nvSpPr>
-          <p:cNvPr id="5" name="文本框 4">
-            <a:extLst>
-              <a:ext uri="{FF2B5EF4-FFF2-40B4-BE49-F238E27FC236}">
-                <a16:creationId xmlns:a16="http://schemas.microsoft.com/office/drawing/2014/main" id="{FCFAFB39-7B74-8CFF-39B8-994D015F3AD6}"/>
-              </a:ext>
-            </a:extLst>
-          </p:cNvPr>
-          <p:cNvSpPr txBox="1"/>
+          <p:cNvPr id="2" name="流程图: 过程 1">
+            <a:extLst>
+              <a:ext uri="{FF2B5EF4-FFF2-40B4-BE49-F238E27FC236}">
+                <a16:creationId xmlns:a16="http://schemas.microsoft.com/office/drawing/2014/main" id="{2D10ED6A-654A-6752-A58A-E7A99F37462A}"/>
+              </a:ext>
+            </a:extLst>
+          </p:cNvPr>
+          <p:cNvSpPr/>
           <p:nvPr/>
         </p:nvSpPr>
         <p:spPr>
           <a:xfrm>
-            <a:off x="331809" y="885212"/>
-            <a:ext cx="4767090" cy="739048"/>
+            <a:off x="775138" y="1041242"/>
+            <a:ext cx="1157307" cy="272955"/>
           </a:xfrm>
-          <a:prstGeom prst="rect">
+          <a:prstGeom prst="flowChartProcess">
             <a:avLst/>
           </a:prstGeom>
-          <a:noFill/>
+          <a:solidFill>
+            <a:schemeClr val="accent3">
+              <a:lumMod val="20000"/>
+              <a:lumOff val="80000"/>
+            </a:schemeClr>
+          </a:solidFill>
+          <a:ln>
+            <a:solidFill>
+              <a:schemeClr val="tx1"/>
+            </a:solidFill>
+          </a:ln>
         </p:spPr>
-        <p:txBody>
-          <a:bodyPr wrap="square">
-            <a:spAutoFit/>
-          </a:bodyPr>
-          <a:lstStyle/>
-          <a:p>
-            <a:r>
-              <a:rPr lang="zh-CN" altLang="en-US" sz="1401" dirty="0">
-                <a:latin typeface="Times New Roman" panose="02020603050405020304" pitchFamily="18" charset="0"/>
-                <a:ea typeface="宋体" panose="02010600030101010101" pitchFamily="2" charset="-122"/>
-                <a:cs typeface="Times New Roman" panose="02020603050405020304" pitchFamily="18" charset="0"/>
-              </a:rPr>
-              <a:t>打榜超短期任务：</a:t>
-            </a:r>
-            <a:endParaRPr lang="en-US" altLang="zh-CN" sz="1401" dirty="0">
-              <a:latin typeface="Times New Roman" panose="02020603050405020304" pitchFamily="18" charset="0"/>
-              <a:ea typeface="宋体" panose="02010600030101010101" pitchFamily="2" charset="-122"/>
-              <a:cs typeface="Times New Roman" panose="02020603050405020304" pitchFamily="18" charset="0"/>
-            </a:endParaRPr>
-          </a:p>
-          <a:p>
-            <a:r>
-              <a:rPr lang="en-US" altLang="zh-CN" sz="1401" dirty="0" err="1">
-                <a:latin typeface="Times New Roman" panose="02020603050405020304" pitchFamily="18" charset="0"/>
-                <a:ea typeface="宋体" panose="02010600030101010101" pitchFamily="2" charset="-122"/>
-                <a:cs typeface="Times New Roman" panose="02020603050405020304" pitchFamily="18" charset="0"/>
-              </a:rPr>
-              <a:t>data_send</a:t>
-            </a:r>
-            <a:r>
-              <a:rPr lang="zh-CN" altLang="en-US" sz="1401" dirty="0">
-                <a:latin typeface="Times New Roman" panose="02020603050405020304" pitchFamily="18" charset="0"/>
-                <a:ea typeface="宋体" panose="02010600030101010101" pitchFamily="2" charset="-122"/>
-                <a:cs typeface="Times New Roman" panose="02020603050405020304" pitchFamily="18" charset="0"/>
-              </a:rPr>
-              <a:t>代码中调用类实现。</a:t>
-            </a:r>
-            <a:endParaRPr lang="en-US" altLang="zh-CN" sz="1401" dirty="0">
-              <a:latin typeface="Times New Roman" panose="02020603050405020304" pitchFamily="18" charset="0"/>
-              <a:ea typeface="宋体" panose="02010600030101010101" pitchFamily="2" charset="-122"/>
-              <a:cs typeface="Times New Roman" panose="02020603050405020304" pitchFamily="18" charset="0"/>
-            </a:endParaRPr>
-          </a:p>
-          <a:p>
-            <a:r>
-              <a:rPr lang="zh-CN" altLang="en-US" sz="1401" dirty="0">
-                <a:latin typeface="Times New Roman" panose="02020603050405020304" pitchFamily="18" charset="0"/>
-                <a:ea typeface="宋体" panose="02010600030101010101" pitchFamily="2" charset="-122"/>
-                <a:cs typeface="Times New Roman" panose="02020603050405020304" pitchFamily="18" charset="0"/>
-              </a:rPr>
-              <a:t>超参数：用户名称（用于缓存数据标记</a:t>
-            </a:r>
-            <a:r>
-              <a:rPr lang="en-US" altLang="zh-CN" sz="1401" dirty="0">
-                <a:latin typeface="Times New Roman" panose="02020603050405020304" pitchFamily="18" charset="0"/>
-                <a:ea typeface="宋体" panose="02010600030101010101" pitchFamily="2" charset="-122"/>
-                <a:cs typeface="Times New Roman" panose="02020603050405020304" pitchFamily="18" charset="0"/>
-              </a:rPr>
-              <a:t>ID</a:t>
-            </a:r>
-            <a:r>
-              <a:rPr lang="zh-CN" altLang="en-US" sz="1401" dirty="0">
-                <a:latin typeface="Times New Roman" panose="02020603050405020304" pitchFamily="18" charset="0"/>
-                <a:ea typeface="宋体" panose="02010600030101010101" pitchFamily="2" charset="-122"/>
-                <a:cs typeface="Times New Roman" panose="02020603050405020304" pitchFamily="18" charset="0"/>
-              </a:rPr>
-              <a:t>），任务类型（）</a:t>
-            </a:r>
-            <a:endParaRPr lang="en-US" altLang="zh-CN" sz="1401" dirty="0">
-              <a:latin typeface="Times New Roman" panose="02020603050405020304" pitchFamily="18" charset="0"/>
-              <a:ea typeface="宋体" panose="02010600030101010101" pitchFamily="2" charset="-122"/>
-              <a:cs typeface="Times New Roman" panose="02020603050405020304" pitchFamily="18" charset="0"/>
-            </a:endParaRPr>
+        <p:style>
+          <a:lnRef idx="2">
+            <a:schemeClr val="accent1">
+              <a:shade val="15000"/>
+            </a:schemeClr>
+          </a:lnRef>
+          <a:fillRef idx="1">
+            <a:schemeClr val="accent1"/>
+          </a:fillRef>
+          <a:effectRef idx="0">
+            <a:schemeClr val="accent1"/>
+          </a:effectRef>
+          <a:fontRef idx="minor">
+            <a:schemeClr val="lt1"/>
+          </a:fontRef>
+        </p:style>
+        <p:txBody>
+          <a:bodyPr rtlCol="0" anchor="ctr"/>
+          <a:lstStyle/>
+          <a:p>
+            <a:pPr algn="ctr"/>
+            <a:r>
+              <a:rPr lang="en-US" altLang="zh-CN" sz="1200" dirty="0">
+                <a:solidFill>
+                  <a:schemeClr val="tx1"/>
+                </a:solidFill>
+                <a:latin typeface="宋体" panose="02010600030101010101" pitchFamily="2" charset="-122"/>
+                <a:ea typeface="宋体" panose="02010600030101010101" pitchFamily="2" charset="-122"/>
+              </a:rPr>
+              <a:t>web</a:t>
+            </a:r>
+            <a:r>
+              <a:rPr lang="zh-CN" altLang="en-US" sz="1200" dirty="0">
+                <a:solidFill>
+                  <a:schemeClr val="tx1"/>
+                </a:solidFill>
+                <a:latin typeface="宋体" panose="02010600030101010101" pitchFamily="2" charset="-122"/>
+                <a:ea typeface="宋体" panose="02010600030101010101" pitchFamily="2" charset="-122"/>
+              </a:rPr>
+              <a:t>创建任务</a:t>
+            </a:r>
+          </a:p>
+        </p:txBody>
+      </p:sp>
+      <p:sp>
+        <p:nvSpPr>
+          <p:cNvPr id="3" name="流程图: 过程 2">
+            <a:extLst>
+              <a:ext uri="{FF2B5EF4-FFF2-40B4-BE49-F238E27FC236}">
+                <a16:creationId xmlns:a16="http://schemas.microsoft.com/office/drawing/2014/main" id="{45D22EDE-0548-8F34-09D5-CBD240D02904}"/>
+              </a:ext>
+            </a:extLst>
+          </p:cNvPr>
+          <p:cNvSpPr/>
+          <p:nvPr/>
+        </p:nvSpPr>
+        <p:spPr>
+          <a:xfrm>
+            <a:off x="829561" y="2055774"/>
+            <a:ext cx="1048460" cy="606007"/>
+          </a:xfrm>
+          <a:prstGeom prst="flowChartProcess">
+            <a:avLst/>
+          </a:prstGeom>
+          <a:solidFill>
+            <a:schemeClr val="accent3">
+              <a:lumMod val="20000"/>
+              <a:lumOff val="80000"/>
+            </a:schemeClr>
+          </a:solidFill>
+          <a:ln>
+            <a:solidFill>
+              <a:schemeClr val="tx1"/>
+            </a:solidFill>
+          </a:ln>
+        </p:spPr>
+        <p:style>
+          <a:lnRef idx="2">
+            <a:schemeClr val="accent1">
+              <a:shade val="15000"/>
+            </a:schemeClr>
+          </a:lnRef>
+          <a:fillRef idx="1">
+            <a:schemeClr val="accent1"/>
+          </a:fillRef>
+          <a:effectRef idx="0">
+            <a:schemeClr val="accent1"/>
+          </a:effectRef>
+          <a:fontRef idx="minor">
+            <a:schemeClr val="lt1"/>
+          </a:fontRef>
+        </p:style>
+        <p:txBody>
+          <a:bodyPr rtlCol="0" anchor="ctr"/>
+          <a:lstStyle/>
+          <a:p>
+            <a:pPr algn="ctr"/>
+            <a:r>
+              <a:rPr lang="zh-CN" altLang="en-US" sz="1200" dirty="0">
+                <a:solidFill>
+                  <a:schemeClr val="tx1"/>
+                </a:solidFill>
+                <a:latin typeface="宋体" panose="02010600030101010101" pitchFamily="2" charset="-122"/>
+                <a:ea typeface="宋体" panose="02010600030101010101" pitchFamily="2" charset="-122"/>
+              </a:rPr>
+              <a:t>生成</a:t>
+            </a:r>
+            <a:r>
+              <a:rPr lang="en-US" altLang="zh-CN" sz="1200" dirty="0" err="1">
+                <a:solidFill>
+                  <a:schemeClr val="tx1"/>
+                </a:solidFill>
+                <a:latin typeface="宋体" panose="02010600030101010101" pitchFamily="2" charset="-122"/>
+                <a:ea typeface="宋体" panose="02010600030101010101" pitchFamily="2" charset="-122"/>
+              </a:rPr>
+              <a:t>job_params.json</a:t>
+            </a:r>
+            <a:r>
+              <a:rPr lang="zh-CN" altLang="en-US" sz="1200" dirty="0">
+                <a:solidFill>
+                  <a:schemeClr val="tx1"/>
+                </a:solidFill>
+                <a:latin typeface="宋体" panose="02010600030101010101" pitchFamily="2" charset="-122"/>
+                <a:ea typeface="宋体" panose="02010600030101010101" pitchFamily="2" charset="-122"/>
+              </a:rPr>
+              <a:t>文件</a:t>
+            </a:r>
           </a:p>
         </p:txBody>
       </p:sp>

--- a/功率预测模型校验系统.pptx
+++ b/功率预测模型校验系统.pptx
@@ -5,7 +5,7 @@
     <p:sldMasterId id="2147483648" r:id="rId1"/>
   </p:sldMasterIdLst>
   <p:notesMasterIdLst>
-    <p:notesMasterId r:id="rId9"/>
+    <p:notesMasterId r:id="rId10"/>
   </p:notesMasterIdLst>
   <p:sldIdLst>
     <p:sldId id="260" r:id="rId2"/>
@@ -14,7 +14,8 @@
     <p:sldId id="258" r:id="rId5"/>
     <p:sldId id="261" r:id="rId6"/>
     <p:sldId id="262" r:id="rId7"/>
-    <p:sldId id="263" r:id="rId8"/>
+    <p:sldId id="264" r:id="rId8"/>
+    <p:sldId id="263" r:id="rId9"/>
   </p:sldIdLst>
   <p:sldSz cx="12192000" cy="6858000"/>
   <p:notesSz cx="6858000" cy="9144000"/>
@@ -203,7 +204,7 @@
           <a:p>
             <a:fld id="{6644421C-1B0F-4B50-84FF-F0445BE29B36}" type="datetimeFigureOut">
               <a:rPr lang="zh-CN" altLang="en-US" smtClean="0"/>
-              <a:t>2025/5/8</a:t>
+              <a:t>2025/5/9</a:t>
             </a:fld>
             <a:endParaRPr lang="zh-CN" altLang="en-US"/>
           </a:p>
@@ -929,7 +930,7 @@
           <a:p>
             <a:fld id="{BC9B666E-7E1E-4769-A296-D6D54469AE25}" type="datetimeFigureOut">
               <a:rPr lang="zh-CN" altLang="en-US" smtClean="0"/>
-              <a:t>2025/5/8</a:t>
+              <a:t>2025/5/9</a:t>
             </a:fld>
             <a:endParaRPr lang="zh-CN" altLang="en-US"/>
           </a:p>
@@ -1127,7 +1128,7 @@
           <a:p>
             <a:fld id="{BC9B666E-7E1E-4769-A296-D6D54469AE25}" type="datetimeFigureOut">
               <a:rPr lang="zh-CN" altLang="en-US" smtClean="0"/>
-              <a:t>2025/5/8</a:t>
+              <a:t>2025/5/9</a:t>
             </a:fld>
             <a:endParaRPr lang="zh-CN" altLang="en-US"/>
           </a:p>
@@ -1268,7 +1269,7 @@
         </p:nvSpPr>
         <p:spPr>
           <a:xfrm>
-            <a:off x="838199" y="365125"/>
+            <a:off x="838200" y="365125"/>
             <a:ext cx="7734300" cy="5811838"/>
           </a:xfrm>
         </p:spPr>
@@ -1335,7 +1336,7 @@
           <a:p>
             <a:fld id="{BC9B666E-7E1E-4769-A296-D6D54469AE25}" type="datetimeFigureOut">
               <a:rPr lang="zh-CN" altLang="en-US" smtClean="0"/>
-              <a:t>2025/5/8</a:t>
+              <a:t>2025/5/9</a:t>
             </a:fld>
             <a:endParaRPr lang="zh-CN" altLang="en-US"/>
           </a:p>
@@ -1533,7 +1534,7 @@
           <a:p>
             <a:fld id="{BC9B666E-7E1E-4769-A296-D6D54469AE25}" type="datetimeFigureOut">
               <a:rPr lang="zh-CN" altLang="en-US" smtClean="0"/>
-              <a:t>2025/5/8</a:t>
+              <a:t>2025/5/9</a:t>
             </a:fld>
             <a:endParaRPr lang="zh-CN" altLang="en-US"/>
           </a:p>
@@ -1641,7 +1642,7 @@
         </p:nvSpPr>
         <p:spPr>
           <a:xfrm>
-            <a:off x="831853" y="1709738"/>
+            <a:off x="831853" y="1709740"/>
             <a:ext cx="10515600" cy="2852737"/>
           </a:xfrm>
         </p:spPr>
@@ -1678,7 +1679,7 @@
         </p:nvSpPr>
         <p:spPr>
           <a:xfrm>
-            <a:off x="831853" y="4589465"/>
+            <a:off x="831853" y="4589467"/>
             <a:ext cx="10515600" cy="1500187"/>
           </a:xfrm>
         </p:spPr>
@@ -1808,7 +1809,7 @@
           <a:p>
             <a:fld id="{BC9B666E-7E1E-4769-A296-D6D54469AE25}" type="datetimeFigureOut">
               <a:rPr lang="zh-CN" altLang="en-US" smtClean="0"/>
-              <a:t>2025/5/8</a:t>
+              <a:t>2025/5/9</a:t>
             </a:fld>
             <a:endParaRPr lang="zh-CN" altLang="en-US"/>
           </a:p>
@@ -1944,7 +1945,7 @@
         </p:nvSpPr>
         <p:spPr>
           <a:xfrm>
-            <a:off x="838201" y="1825625"/>
+            <a:off x="838202" y="1825625"/>
             <a:ext cx="5181600" cy="4351338"/>
           </a:xfrm>
         </p:spPr>
@@ -2006,7 +2007,7 @@
         </p:nvSpPr>
         <p:spPr>
           <a:xfrm>
-            <a:off x="6172201" y="1825625"/>
+            <a:off x="6172202" y="1825625"/>
             <a:ext cx="5181600" cy="4351338"/>
           </a:xfrm>
         </p:spPr>
@@ -2073,7 +2074,7 @@
           <a:p>
             <a:fld id="{BC9B666E-7E1E-4769-A296-D6D54469AE25}" type="datetimeFigureOut">
               <a:rPr lang="zh-CN" altLang="en-US" smtClean="0"/>
-              <a:t>2025/5/8</a:t>
+              <a:t>2025/5/9</a:t>
             </a:fld>
             <a:endParaRPr lang="zh-CN" altLang="en-US"/>
           </a:p>
@@ -2181,7 +2182,7 @@
         </p:nvSpPr>
         <p:spPr>
           <a:xfrm>
-            <a:off x="839789" y="365125"/>
+            <a:off x="839789" y="365127"/>
             <a:ext cx="10515600" cy="1325563"/>
           </a:xfrm>
         </p:spPr>
@@ -2214,7 +2215,7 @@
         </p:nvSpPr>
         <p:spPr>
           <a:xfrm>
-            <a:off x="839791" y="1681163"/>
+            <a:off x="839792" y="1681163"/>
             <a:ext cx="5157787" cy="823912"/>
           </a:xfrm>
         </p:spPr>
@@ -2285,7 +2286,7 @@
         </p:nvSpPr>
         <p:spPr>
           <a:xfrm>
-            <a:off x="839791" y="2505076"/>
+            <a:off x="839792" y="2505076"/>
             <a:ext cx="5157787" cy="3684588"/>
           </a:xfrm>
         </p:spPr>
@@ -2485,7 +2486,7 @@
           <a:p>
             <a:fld id="{BC9B666E-7E1E-4769-A296-D6D54469AE25}" type="datetimeFigureOut">
               <a:rPr lang="zh-CN" altLang="en-US" smtClean="0"/>
-              <a:t>2025/5/8</a:t>
+              <a:t>2025/5/9</a:t>
             </a:fld>
             <a:endParaRPr lang="zh-CN" altLang="en-US"/>
           </a:p>
@@ -2626,7 +2627,7 @@
           <a:p>
             <a:fld id="{BC9B666E-7E1E-4769-A296-D6D54469AE25}" type="datetimeFigureOut">
               <a:rPr lang="zh-CN" altLang="en-US" smtClean="0"/>
-              <a:t>2025/5/8</a:t>
+              <a:t>2025/5/9</a:t>
             </a:fld>
             <a:endParaRPr lang="zh-CN" altLang="en-US"/>
           </a:p>
@@ -2739,7 +2740,7 @@
           <a:p>
             <a:fld id="{BC9B666E-7E1E-4769-A296-D6D54469AE25}" type="datetimeFigureOut">
               <a:rPr lang="zh-CN" altLang="en-US" smtClean="0"/>
-              <a:t>2025/5/8</a:t>
+              <a:t>2025/5/9</a:t>
             </a:fld>
             <a:endParaRPr lang="zh-CN" altLang="en-US"/>
           </a:p>
@@ -2884,7 +2885,7 @@
         </p:nvSpPr>
         <p:spPr>
           <a:xfrm>
-            <a:off x="5183190" y="987425"/>
+            <a:off x="5183191" y="987427"/>
             <a:ext cx="6172201" cy="4873625"/>
           </a:xfrm>
         </p:spPr>
@@ -3050,7 +3051,7 @@
           <a:p>
             <a:fld id="{BC9B666E-7E1E-4769-A296-D6D54469AE25}" type="datetimeFigureOut">
               <a:rPr lang="zh-CN" altLang="en-US" smtClean="0"/>
-              <a:t>2025/5/8</a:t>
+              <a:t>2025/5/9</a:t>
             </a:fld>
             <a:endParaRPr lang="zh-CN" altLang="en-US"/>
           </a:p>
@@ -3195,7 +3196,7 @@
         </p:nvSpPr>
         <p:spPr>
           <a:xfrm>
-            <a:off x="5183190" y="987425"/>
+            <a:off x="5183191" y="987427"/>
             <a:ext cx="6172201" cy="4873625"/>
           </a:xfrm>
         </p:spPr>
@@ -3338,7 +3339,7 @@
           <a:p>
             <a:fld id="{BC9B666E-7E1E-4769-A296-D6D54469AE25}" type="datetimeFigureOut">
               <a:rPr lang="zh-CN" altLang="en-US" smtClean="0"/>
-              <a:t>2025/5/8</a:t>
+              <a:t>2025/5/9</a:t>
             </a:fld>
             <a:endParaRPr lang="zh-CN" altLang="en-US"/>
           </a:p>
@@ -3451,7 +3452,7 @@
         </p:nvSpPr>
         <p:spPr>
           <a:xfrm>
-            <a:off x="838204" y="365125"/>
+            <a:off x="838204" y="365127"/>
             <a:ext cx="10515600" cy="1325563"/>
           </a:xfrm>
           <a:prstGeom prst="rect">
@@ -3556,7 +3557,7 @@
         </p:nvSpPr>
         <p:spPr>
           <a:xfrm>
-            <a:off x="838201" y="6356352"/>
+            <a:off x="838201" y="6356354"/>
             <a:ext cx="2743200" cy="365125"/>
           </a:xfrm>
           <a:prstGeom prst="rect">
@@ -3579,7 +3580,7 @@
           <a:p>
             <a:fld id="{BC9B666E-7E1E-4769-A296-D6D54469AE25}" type="datetimeFigureOut">
               <a:rPr lang="zh-CN" altLang="en-US" smtClean="0"/>
-              <a:t>2025/5/8</a:t>
+              <a:t>2025/5/9</a:t>
             </a:fld>
             <a:endParaRPr lang="zh-CN" altLang="en-US"/>
           </a:p>
@@ -3603,7 +3604,7 @@
         </p:nvSpPr>
         <p:spPr>
           <a:xfrm>
-            <a:off x="4038604" y="6356352"/>
+            <a:off x="4038604" y="6356354"/>
             <a:ext cx="4114800" cy="365125"/>
           </a:xfrm>
           <a:prstGeom prst="rect">
@@ -3646,7 +3647,7 @@
         </p:nvSpPr>
         <p:spPr>
           <a:xfrm>
-            <a:off x="8610601" y="6356352"/>
+            <a:off x="8610601" y="6356354"/>
             <a:ext cx="2743200" cy="365125"/>
           </a:xfrm>
           <a:prstGeom prst="rect">
@@ -4014,7 +4015,7 @@
         </p:nvSpPr>
         <p:spPr>
           <a:xfrm>
-            <a:off x="635391" y="2103438"/>
+            <a:off x="635391" y="2103440"/>
             <a:ext cx="10515600" cy="1325563"/>
           </a:xfrm>
         </p:spPr>
@@ -4077,7 +4078,7 @@
         </p:nvSpPr>
         <p:spPr>
           <a:xfrm>
-            <a:off x="448573" y="775349"/>
+            <a:off x="448573" y="775351"/>
             <a:ext cx="4053090" cy="3110339"/>
           </a:xfrm>
           <a:prstGeom prst="rect">
@@ -4272,7 +4273,7 @@
         </p:nvSpPr>
         <p:spPr>
           <a:xfrm>
-            <a:off x="377818" y="204120"/>
+            <a:off x="377820" y="204120"/>
             <a:ext cx="2954655" cy="369460"/>
           </a:xfrm>
           <a:prstGeom prst="rect">
@@ -4598,7 +4599,7 @@
         </p:nvSpPr>
         <p:spPr>
           <a:xfrm>
-            <a:off x="3245327" y="1468827"/>
+            <a:off x="3245329" y="1468829"/>
             <a:ext cx="1364565" cy="272955"/>
           </a:xfrm>
           <a:prstGeom prst="flowChartProcess">
@@ -4664,7 +4665,7 @@
         </p:nvSpPr>
         <p:spPr>
           <a:xfrm>
-            <a:off x="583811" y="2300108"/>
+            <a:off x="583811" y="2300110"/>
             <a:ext cx="913790" cy="272955"/>
           </a:xfrm>
           <a:prstGeom prst="flowChartProcess">
@@ -4730,7 +4731,7 @@
         </p:nvSpPr>
         <p:spPr>
           <a:xfrm>
-            <a:off x="3444431" y="2298121"/>
+            <a:off x="3444433" y="2298123"/>
             <a:ext cx="966357" cy="272955"/>
           </a:xfrm>
           <a:prstGeom prst="flowChartProcess">
@@ -4800,7 +4801,7 @@
         </p:nvCxnSpPr>
         <p:spPr>
           <a:xfrm rot="5400000">
-            <a:off x="2204992" y="577491"/>
+            <a:off x="2204994" y="577493"/>
             <a:ext cx="558329" cy="2886901"/>
           </a:xfrm>
           <a:prstGeom prst="bentConnector3">
@@ -4843,7 +4844,7 @@
         </p:nvCxnSpPr>
         <p:spPr>
           <a:xfrm>
-            <a:off x="3927607" y="1741781"/>
+            <a:off x="3927607" y="1741783"/>
             <a:ext cx="0" cy="556341"/>
           </a:xfrm>
           <a:prstGeom prst="straightConnector1">
@@ -4884,7 +4885,7 @@
         </p:nvCxnSpPr>
         <p:spPr>
           <a:xfrm>
-            <a:off x="2757268" y="253221"/>
+            <a:off x="2757268" y="253223"/>
             <a:ext cx="0" cy="6372665"/>
           </a:xfrm>
           <a:prstGeom prst="line">
@@ -4923,7 +4924,7 @@
         </p:nvSpPr>
         <p:spPr>
           <a:xfrm>
-            <a:off x="384495" y="3456317"/>
+            <a:off x="384497" y="3456317"/>
             <a:ext cx="1312421" cy="454540"/>
           </a:xfrm>
           <a:prstGeom prst="ellipse">
@@ -5003,7 +5004,7 @@
         </p:blipFill>
         <p:spPr>
           <a:xfrm>
-            <a:off x="880755" y="930843"/>
+            <a:off x="880757" y="930845"/>
             <a:ext cx="372043" cy="372043"/>
           </a:xfrm>
           <a:prstGeom prst="rect">
@@ -5025,7 +5026,7 @@
         </p:nvSpPr>
         <p:spPr>
           <a:xfrm>
-            <a:off x="330014" y="5111932"/>
+            <a:off x="330016" y="5111932"/>
             <a:ext cx="1473525" cy="307778"/>
           </a:xfrm>
           <a:prstGeom prst="flowChartProcess">
@@ -5091,7 +5092,7 @@
         </p:nvSpPr>
         <p:spPr>
           <a:xfrm>
-            <a:off x="353031" y="4339413"/>
+            <a:off x="353033" y="4339413"/>
             <a:ext cx="1364565" cy="307778"/>
           </a:xfrm>
           <a:prstGeom prst="flowChartProcess">
@@ -5161,7 +5162,7 @@
         </p:nvCxnSpPr>
         <p:spPr>
           <a:xfrm>
-            <a:off x="1040706" y="2573062"/>
+            <a:off x="1040706" y="2573064"/>
             <a:ext cx="0" cy="883253"/>
           </a:xfrm>
           <a:prstGeom prst="straightConnector1">
@@ -5200,7 +5201,7 @@
         </p:nvSpPr>
         <p:spPr>
           <a:xfrm>
-            <a:off x="525264" y="628131"/>
+            <a:off x="525266" y="628133"/>
             <a:ext cx="1134553" cy="307905"/>
           </a:xfrm>
           <a:prstGeom prst="rect">
@@ -5282,7 +5283,7 @@
         </p:nvSpPr>
         <p:spPr>
           <a:xfrm>
-            <a:off x="3270252" y="4266032"/>
+            <a:off x="3270254" y="4266032"/>
             <a:ext cx="1312421" cy="454540"/>
           </a:xfrm>
           <a:prstGeom prst="ellipse">
@@ -5352,7 +5353,7 @@
         </p:nvCxnSpPr>
         <p:spPr>
           <a:xfrm>
-            <a:off x="1717598" y="4493301"/>
+            <a:off x="1717600" y="4493301"/>
             <a:ext cx="1552651" cy="2"/>
           </a:xfrm>
           <a:prstGeom prst="straightConnector1">
@@ -5394,7 +5395,7 @@
         </p:nvCxnSpPr>
         <p:spPr>
           <a:xfrm flipV="1">
-            <a:off x="1803539" y="4493302"/>
+            <a:off x="1803541" y="4493304"/>
             <a:ext cx="1403083" cy="772519"/>
           </a:xfrm>
           <a:prstGeom prst="bentConnector3">
@@ -5435,7 +5436,7 @@
         </p:nvSpPr>
         <p:spPr>
           <a:xfrm>
-            <a:off x="3469407" y="5950569"/>
+            <a:off x="3469407" y="5950571"/>
             <a:ext cx="913790" cy="272955"/>
           </a:xfrm>
           <a:prstGeom prst="flowChartProcess">
@@ -5501,7 +5502,7 @@
         </p:nvSpPr>
         <p:spPr>
           <a:xfrm>
-            <a:off x="5235109" y="1422277"/>
+            <a:off x="5235111" y="1422277"/>
             <a:ext cx="1090245" cy="366050"/>
           </a:xfrm>
           <a:prstGeom prst="flowChartMagneticDisk">
@@ -5566,7 +5567,7 @@
         </p:nvCxnSpPr>
         <p:spPr>
           <a:xfrm>
-            <a:off x="1252798" y="1116865"/>
+            <a:off x="1252800" y="1116865"/>
             <a:ext cx="4527431" cy="305412"/>
           </a:xfrm>
           <a:prstGeom prst="bentConnector2">
@@ -5605,7 +5606,7 @@
         </p:nvSpPr>
         <p:spPr>
           <a:xfrm>
-            <a:off x="1588236" y="828636"/>
+            <a:off x="1588236" y="828638"/>
             <a:ext cx="2124830" cy="307905"/>
           </a:xfrm>
           <a:prstGeom prst="rect">
@@ -5664,7 +5665,7 @@
         </p:nvCxnSpPr>
         <p:spPr>
           <a:xfrm rot="5400000">
-            <a:off x="3828963" y="2542037"/>
+            <a:off x="3828963" y="2542039"/>
             <a:ext cx="2704976" cy="1197557"/>
           </a:xfrm>
           <a:prstGeom prst="bentConnector2">
@@ -5746,7 +5747,7 @@
         </p:nvSpPr>
         <p:spPr>
           <a:xfrm>
-            <a:off x="6334137" y="3910859"/>
+            <a:off x="6334137" y="3910861"/>
             <a:ext cx="4767090" cy="2847061"/>
           </a:xfrm>
           <a:prstGeom prst="rect">
@@ -6191,7 +6192,7 @@
         </p:nvSpPr>
         <p:spPr>
           <a:xfrm>
-            <a:off x="3382445" y="5220125"/>
+            <a:off x="3382445" y="5220127"/>
             <a:ext cx="1087714" cy="272955"/>
           </a:xfrm>
           <a:prstGeom prst="flowChartProcess">
@@ -6566,7 +6567,7 @@
         </p:nvSpPr>
         <p:spPr>
           <a:xfrm>
-            <a:off x="459459" y="454221"/>
+            <a:off x="459461" y="454221"/>
             <a:ext cx="10590715" cy="5151410"/>
           </a:xfrm>
           <a:prstGeom prst="rect">
@@ -6917,7 +6918,7 @@
         </p:nvSpPr>
         <p:spPr>
           <a:xfrm>
-            <a:off x="638734" y="5703196"/>
+            <a:off x="638736" y="5703198"/>
             <a:ext cx="9000043" cy="626005"/>
           </a:xfrm>
           <a:prstGeom prst="rect">
@@ -7016,8 +7017,8 @@
         </p:nvSpPr>
         <p:spPr>
           <a:xfrm>
-            <a:off x="551200" y="195097"/>
-            <a:ext cx="1569660" cy="369460"/>
+            <a:off x="125932" y="95248"/>
+            <a:ext cx="2377574" cy="369460"/>
           </a:xfrm>
           <a:prstGeom prst="rect">
             <a:avLst/>
@@ -7035,7 +7036,21 @@
                 <a:latin typeface="黑体" panose="02010609060101010101" pitchFamily="49" charset="-122"/>
                 <a:ea typeface="黑体" panose="02010609060101010101" pitchFamily="49" charset="-122"/>
               </a:rPr>
-              <a:t>任务设计理念</a:t>
+              <a:t>任务</a:t>
+            </a:r>
+            <a:r>
+              <a:rPr lang="en-US" altLang="zh-CN" sz="1801" dirty="0">
+                <a:latin typeface="黑体" panose="02010609060101010101" pitchFamily="49" charset="-122"/>
+                <a:ea typeface="黑体" panose="02010609060101010101" pitchFamily="49" charset="-122"/>
+              </a:rPr>
+              <a:t>-</a:t>
+            </a:r>
+            <a:r>
+              <a:rPr lang="zh-CN" altLang="en-US" sz="1801" dirty="0">
+                <a:latin typeface="黑体" panose="02010609060101010101" pitchFamily="49" charset="-122"/>
+                <a:ea typeface="黑体" panose="02010609060101010101" pitchFamily="49" charset="-122"/>
+              </a:rPr>
+              <a:t>作业的后端流程</a:t>
             </a:r>
             <a:endParaRPr lang="en-US" altLang="zh-CN" sz="1801" dirty="0">
               <a:latin typeface="黑体" panose="02010609060101010101" pitchFamily="49" charset="-122"/>
@@ -7058,8 +7073,8 @@
         </p:nvSpPr>
         <p:spPr>
           <a:xfrm>
-            <a:off x="775138" y="1041242"/>
-            <a:ext cx="1157307" cy="272955"/>
+            <a:off x="1663732" y="1010946"/>
+            <a:ext cx="1272431" cy="272955"/>
           </a:xfrm>
           <a:prstGeom prst="flowChartProcess">
             <a:avLst/>
@@ -7115,7 +7130,7 @@
                 <a:latin typeface="宋体" panose="02010600030101010101" pitchFamily="2" charset="-122"/>
                 <a:ea typeface="宋体" panose="02010600030101010101" pitchFamily="2" charset="-122"/>
               </a:rPr>
-              <a:t>创建任务</a:t>
+              <a:t>端创建任务</a:t>
             </a:r>
           </a:p>
         </p:txBody>
@@ -7134,8 +7149,8 @@
         </p:nvSpPr>
         <p:spPr>
           <a:xfrm>
-            <a:off x="829561" y="2055774"/>
-            <a:ext cx="1048460" cy="606007"/>
+            <a:off x="1274235" y="1736361"/>
+            <a:ext cx="2051425" cy="369460"/>
           </a:xfrm>
           <a:prstGeom prst="flowChartProcess">
             <a:avLst/>
@@ -7206,6 +7221,2398 @@
           </a:p>
         </p:txBody>
       </p:sp>
+      <p:sp>
+        <p:nvSpPr>
+          <p:cNvPr id="5" name="流程图: 过程 4">
+            <a:extLst>
+              <a:ext uri="{FF2B5EF4-FFF2-40B4-BE49-F238E27FC236}">
+                <a16:creationId xmlns:a16="http://schemas.microsoft.com/office/drawing/2014/main" id="{357395A3-08D9-7507-D049-316BACC18C20}"/>
+              </a:ext>
+            </a:extLst>
+          </p:cNvPr>
+          <p:cNvSpPr/>
+          <p:nvPr/>
+        </p:nvSpPr>
+        <p:spPr>
+          <a:xfrm>
+            <a:off x="1274234" y="2641602"/>
+            <a:ext cx="2051425" cy="369460"/>
+          </a:xfrm>
+          <a:prstGeom prst="flowChartProcess">
+            <a:avLst/>
+          </a:prstGeom>
+          <a:solidFill>
+            <a:schemeClr val="accent3">
+              <a:lumMod val="20000"/>
+              <a:lumOff val="80000"/>
+            </a:schemeClr>
+          </a:solidFill>
+          <a:ln>
+            <a:solidFill>
+              <a:schemeClr val="tx1"/>
+            </a:solidFill>
+          </a:ln>
+        </p:spPr>
+        <p:style>
+          <a:lnRef idx="2">
+            <a:schemeClr val="accent1">
+              <a:shade val="15000"/>
+            </a:schemeClr>
+          </a:lnRef>
+          <a:fillRef idx="1">
+            <a:schemeClr val="accent1"/>
+          </a:fillRef>
+          <a:effectRef idx="0">
+            <a:schemeClr val="accent1"/>
+          </a:effectRef>
+          <a:fontRef idx="minor">
+            <a:schemeClr val="lt1"/>
+          </a:fontRef>
+        </p:style>
+        <p:txBody>
+          <a:bodyPr rtlCol="0" anchor="ctr"/>
+          <a:lstStyle/>
+          <a:p>
+            <a:pPr algn="ctr"/>
+            <a:r>
+              <a:rPr lang="zh-CN" altLang="en-US" sz="1200" dirty="0">
+                <a:solidFill>
+                  <a:schemeClr val="tx1"/>
+                </a:solidFill>
+                <a:latin typeface="宋体" panose="02010600030101010101" pitchFamily="2" charset="-122"/>
+                <a:ea typeface="宋体" panose="02010600030101010101" pitchFamily="2" charset="-122"/>
+              </a:rPr>
+              <a:t>执行</a:t>
+            </a:r>
+            <a:r>
+              <a:rPr lang="en-US" altLang="zh-CN" sz="1200" dirty="0">
+                <a:solidFill>
+                  <a:schemeClr val="tx1"/>
+                </a:solidFill>
+                <a:latin typeface="宋体" panose="02010600030101010101" pitchFamily="2" charset="-122"/>
+                <a:ea typeface="宋体" panose="02010600030101010101" pitchFamily="2" charset="-122"/>
+              </a:rPr>
+              <a:t>prepare_data.py</a:t>
+            </a:r>
+            <a:r>
+              <a:rPr lang="zh-CN" altLang="en-US" sz="1200" dirty="0">
+                <a:solidFill>
+                  <a:schemeClr val="tx1"/>
+                </a:solidFill>
+                <a:latin typeface="宋体" panose="02010600030101010101" pitchFamily="2" charset="-122"/>
+                <a:ea typeface="宋体" panose="02010600030101010101" pitchFamily="2" charset="-122"/>
+              </a:rPr>
+              <a:t>脚本</a:t>
+            </a:r>
+          </a:p>
+        </p:txBody>
+      </p:sp>
+      <p:cxnSp>
+        <p:nvCxnSpPr>
+          <p:cNvPr id="7" name="直接箭头连接符 6">
+            <a:extLst>
+              <a:ext uri="{FF2B5EF4-FFF2-40B4-BE49-F238E27FC236}">
+                <a16:creationId xmlns:a16="http://schemas.microsoft.com/office/drawing/2014/main" id="{35E14EAF-2518-CC8B-9246-3AA5600B282B}"/>
+              </a:ext>
+            </a:extLst>
+          </p:cNvPr>
+          <p:cNvCxnSpPr>
+            <a:stCxn id="3" idx="2"/>
+            <a:endCxn id="5" idx="0"/>
+          </p:cNvCxnSpPr>
+          <p:nvPr/>
+        </p:nvCxnSpPr>
+        <p:spPr>
+          <a:xfrm flipH="1">
+            <a:off x="2299947" y="2105823"/>
+            <a:ext cx="1" cy="535781"/>
+          </a:xfrm>
+          <a:prstGeom prst="straightConnector1">
+            <a:avLst/>
+          </a:prstGeom>
+          <a:ln>
+            <a:tailEnd type="triangle"/>
+          </a:ln>
+        </p:spPr>
+        <p:style>
+          <a:lnRef idx="1">
+            <a:schemeClr val="accent1"/>
+          </a:lnRef>
+          <a:fillRef idx="0">
+            <a:schemeClr val="accent1"/>
+          </a:fillRef>
+          <a:effectRef idx="0">
+            <a:schemeClr val="accent1"/>
+          </a:effectRef>
+          <a:fontRef idx="minor">
+            <a:schemeClr val="tx1"/>
+          </a:fontRef>
+        </p:style>
+      </p:cxnSp>
+      <p:sp>
+        <p:nvSpPr>
+          <p:cNvPr id="8" name="文本框 7">
+            <a:extLst>
+              <a:ext uri="{FF2B5EF4-FFF2-40B4-BE49-F238E27FC236}">
+                <a16:creationId xmlns:a16="http://schemas.microsoft.com/office/drawing/2014/main" id="{05F3E3CC-2CD7-2E52-1297-8747D3F15700}"/>
+              </a:ext>
+            </a:extLst>
+          </p:cNvPr>
+          <p:cNvSpPr txBox="1"/>
+          <p:nvPr/>
+        </p:nvSpPr>
+        <p:spPr>
+          <a:xfrm>
+            <a:off x="1532686" y="2250602"/>
+            <a:ext cx="553213" cy="246221"/>
+          </a:xfrm>
+          <a:prstGeom prst="rect">
+            <a:avLst/>
+          </a:prstGeom>
+          <a:noFill/>
+        </p:spPr>
+        <p:txBody>
+          <a:bodyPr wrap="square">
+            <a:spAutoFit/>
+          </a:bodyPr>
+          <a:lstStyle/>
+          <a:p>
+            <a:r>
+              <a:rPr lang="zh-CN" altLang="en-US" sz="1000" b="1" dirty="0">
+                <a:solidFill>
+                  <a:srgbClr val="C00000"/>
+                </a:solidFill>
+                <a:latin typeface="Times New Roman" panose="02020603050405020304" pitchFamily="18" charset="0"/>
+                <a:ea typeface="宋体" panose="02010600030101010101" pitchFamily="2" charset="-122"/>
+                <a:cs typeface="Times New Roman" panose="02020603050405020304" pitchFamily="18" charset="0"/>
+              </a:rPr>
+              <a:t>读入</a:t>
+            </a:r>
+            <a:endParaRPr lang="en-US" altLang="zh-CN" sz="1000" b="1" dirty="0">
+              <a:solidFill>
+                <a:srgbClr val="C00000"/>
+              </a:solidFill>
+              <a:latin typeface="Times New Roman" panose="02020603050405020304" pitchFamily="18" charset="0"/>
+              <a:ea typeface="宋体" panose="02010600030101010101" pitchFamily="2" charset="-122"/>
+              <a:cs typeface="Times New Roman" panose="02020603050405020304" pitchFamily="18" charset="0"/>
+            </a:endParaRPr>
+          </a:p>
+        </p:txBody>
+      </p:sp>
+      <p:sp>
+        <p:nvSpPr>
+          <p:cNvPr id="10" name="流程图: 过程 9">
+            <a:extLst>
+              <a:ext uri="{FF2B5EF4-FFF2-40B4-BE49-F238E27FC236}">
+                <a16:creationId xmlns:a16="http://schemas.microsoft.com/office/drawing/2014/main" id="{313B7B7E-2E78-C786-A9FB-F473B668A2F2}"/>
+              </a:ext>
+            </a:extLst>
+          </p:cNvPr>
+          <p:cNvSpPr/>
+          <p:nvPr/>
+        </p:nvSpPr>
+        <p:spPr>
+          <a:xfrm>
+            <a:off x="1469381" y="3846939"/>
+            <a:ext cx="679829" cy="249072"/>
+          </a:xfrm>
+          <a:prstGeom prst="flowChartProcess">
+            <a:avLst/>
+          </a:prstGeom>
+          <a:solidFill>
+            <a:schemeClr val="accent3">
+              <a:lumMod val="20000"/>
+              <a:lumOff val="80000"/>
+            </a:schemeClr>
+          </a:solidFill>
+          <a:ln>
+            <a:solidFill>
+              <a:schemeClr val="tx1"/>
+            </a:solidFill>
+          </a:ln>
+        </p:spPr>
+        <p:style>
+          <a:lnRef idx="2">
+            <a:schemeClr val="accent1">
+              <a:shade val="15000"/>
+            </a:schemeClr>
+          </a:lnRef>
+          <a:fillRef idx="1">
+            <a:schemeClr val="accent1"/>
+          </a:fillRef>
+          <a:effectRef idx="0">
+            <a:schemeClr val="accent1"/>
+          </a:effectRef>
+          <a:fontRef idx="minor">
+            <a:schemeClr val="lt1"/>
+          </a:fontRef>
+        </p:style>
+        <p:txBody>
+          <a:bodyPr rtlCol="0" anchor="ctr"/>
+          <a:lstStyle/>
+          <a:p>
+            <a:pPr algn="ctr"/>
+            <a:r>
+              <a:rPr lang="zh-CN" altLang="en-US" sz="1200" dirty="0">
+                <a:solidFill>
+                  <a:schemeClr val="tx1"/>
+                </a:solidFill>
+                <a:latin typeface="宋体" panose="02010600030101010101" pitchFamily="2" charset="-122"/>
+                <a:ea typeface="宋体" panose="02010600030101010101" pitchFamily="2" charset="-122"/>
+              </a:rPr>
+              <a:t>训练集</a:t>
+            </a:r>
+          </a:p>
+        </p:txBody>
+      </p:sp>
+      <p:sp>
+        <p:nvSpPr>
+          <p:cNvPr id="11" name="流程图: 磁盘 10">
+            <a:extLst>
+              <a:ext uri="{FF2B5EF4-FFF2-40B4-BE49-F238E27FC236}">
+                <a16:creationId xmlns:a16="http://schemas.microsoft.com/office/drawing/2014/main" id="{121D9153-D49E-8290-648D-044DA018522D}"/>
+              </a:ext>
+            </a:extLst>
+          </p:cNvPr>
+          <p:cNvSpPr/>
+          <p:nvPr/>
+        </p:nvSpPr>
+        <p:spPr>
+          <a:xfrm>
+            <a:off x="68895" y="4156573"/>
+            <a:ext cx="732773" cy="650781"/>
+          </a:xfrm>
+          <a:prstGeom prst="flowChartMagneticDisk">
+            <a:avLst/>
+          </a:prstGeom>
+          <a:solidFill>
+            <a:schemeClr val="accent3">
+              <a:lumMod val="20000"/>
+              <a:lumOff val="80000"/>
+            </a:schemeClr>
+          </a:solidFill>
+          <a:ln>
+            <a:solidFill>
+              <a:schemeClr val="tx1"/>
+            </a:solidFill>
+          </a:ln>
+        </p:spPr>
+        <p:style>
+          <a:lnRef idx="2">
+            <a:schemeClr val="accent1">
+              <a:shade val="15000"/>
+            </a:schemeClr>
+          </a:lnRef>
+          <a:fillRef idx="1">
+            <a:schemeClr val="accent1"/>
+          </a:fillRef>
+          <a:effectRef idx="0">
+            <a:schemeClr val="accent1"/>
+          </a:effectRef>
+          <a:fontRef idx="minor">
+            <a:schemeClr val="lt1"/>
+          </a:fontRef>
+        </p:style>
+        <p:txBody>
+          <a:bodyPr rtlCol="0" anchor="ctr"/>
+          <a:lstStyle/>
+          <a:p>
+            <a:pPr algn="ctr"/>
+            <a:r>
+              <a:rPr lang="zh-CN" altLang="en-US" sz="1200" dirty="0">
+                <a:solidFill>
+                  <a:schemeClr val="tx1"/>
+                </a:solidFill>
+                <a:latin typeface="宋体" panose="02010600030101010101" pitchFamily="2" charset="-122"/>
+                <a:ea typeface="宋体" panose="02010600030101010101" pitchFamily="2" charset="-122"/>
+              </a:rPr>
+              <a:t>任务数据库</a:t>
+            </a:r>
+          </a:p>
+        </p:txBody>
+      </p:sp>
+      <p:sp>
+        <p:nvSpPr>
+          <p:cNvPr id="12" name="流程图: 过程 11">
+            <a:extLst>
+              <a:ext uri="{FF2B5EF4-FFF2-40B4-BE49-F238E27FC236}">
+                <a16:creationId xmlns:a16="http://schemas.microsoft.com/office/drawing/2014/main" id="{FE999F72-BF15-FB4D-7091-AF9D849A1AA1}"/>
+              </a:ext>
+            </a:extLst>
+          </p:cNvPr>
+          <p:cNvSpPr/>
+          <p:nvPr/>
+        </p:nvSpPr>
+        <p:spPr>
+          <a:xfrm>
+            <a:off x="1469380" y="4807352"/>
+            <a:ext cx="679829" cy="249072"/>
+          </a:xfrm>
+          <a:prstGeom prst="flowChartProcess">
+            <a:avLst/>
+          </a:prstGeom>
+          <a:solidFill>
+            <a:schemeClr val="accent3">
+              <a:lumMod val="20000"/>
+              <a:lumOff val="80000"/>
+            </a:schemeClr>
+          </a:solidFill>
+          <a:ln>
+            <a:solidFill>
+              <a:schemeClr val="tx1"/>
+            </a:solidFill>
+          </a:ln>
+        </p:spPr>
+        <p:style>
+          <a:lnRef idx="2">
+            <a:schemeClr val="accent1">
+              <a:shade val="15000"/>
+            </a:schemeClr>
+          </a:lnRef>
+          <a:fillRef idx="1">
+            <a:schemeClr val="accent1"/>
+          </a:fillRef>
+          <a:effectRef idx="0">
+            <a:schemeClr val="accent1"/>
+          </a:effectRef>
+          <a:fontRef idx="minor">
+            <a:schemeClr val="lt1"/>
+          </a:fontRef>
+        </p:style>
+        <p:txBody>
+          <a:bodyPr rtlCol="0" anchor="ctr"/>
+          <a:lstStyle/>
+          <a:p>
+            <a:pPr algn="ctr"/>
+            <a:r>
+              <a:rPr lang="zh-CN" altLang="en-US" sz="1200" dirty="0">
+                <a:solidFill>
+                  <a:schemeClr val="tx1"/>
+                </a:solidFill>
+                <a:latin typeface="宋体" panose="02010600030101010101" pitchFamily="2" charset="-122"/>
+                <a:ea typeface="宋体" panose="02010600030101010101" pitchFamily="2" charset="-122"/>
+              </a:rPr>
+              <a:t>测试集</a:t>
+            </a:r>
+          </a:p>
+        </p:txBody>
+      </p:sp>
+      <p:sp>
+        <p:nvSpPr>
+          <p:cNvPr id="13" name="椭圆 12">
+            <a:extLst>
+              <a:ext uri="{FF2B5EF4-FFF2-40B4-BE49-F238E27FC236}">
+                <a16:creationId xmlns:a16="http://schemas.microsoft.com/office/drawing/2014/main" id="{08B23B6D-C688-FDC3-C35C-B3AF60BA4CC1}"/>
+              </a:ext>
+            </a:extLst>
+          </p:cNvPr>
+          <p:cNvSpPr/>
+          <p:nvPr/>
+        </p:nvSpPr>
+        <p:spPr>
+          <a:xfrm>
+            <a:off x="2791546" y="3747962"/>
+            <a:ext cx="1206310" cy="454540"/>
+          </a:xfrm>
+          <a:prstGeom prst="ellipse">
+            <a:avLst/>
+          </a:prstGeom>
+          <a:solidFill>
+            <a:schemeClr val="accent3">
+              <a:lumMod val="20000"/>
+              <a:lumOff val="80000"/>
+            </a:schemeClr>
+          </a:solidFill>
+          <a:ln>
+            <a:solidFill>
+              <a:schemeClr val="tx1"/>
+            </a:solidFill>
+          </a:ln>
+        </p:spPr>
+        <p:style>
+          <a:lnRef idx="2">
+            <a:schemeClr val="accent1">
+              <a:shade val="15000"/>
+            </a:schemeClr>
+          </a:lnRef>
+          <a:fillRef idx="1">
+            <a:schemeClr val="accent1"/>
+          </a:fillRef>
+          <a:effectRef idx="0">
+            <a:schemeClr val="accent1"/>
+          </a:effectRef>
+          <a:fontRef idx="minor">
+            <a:schemeClr val="lt1"/>
+          </a:fontRef>
+        </p:style>
+        <p:txBody>
+          <a:bodyPr rtlCol="0" anchor="ctr"/>
+          <a:lstStyle/>
+          <a:p>
+            <a:pPr algn="ctr"/>
+            <a:r>
+              <a:rPr lang="zh-CN" altLang="en-US" sz="1200" dirty="0">
+                <a:solidFill>
+                  <a:schemeClr val="tx1"/>
+                </a:solidFill>
+                <a:latin typeface="宋体" panose="02010600030101010101" pitchFamily="2" charset="-122"/>
+                <a:ea typeface="宋体" panose="02010600030101010101" pitchFamily="2" charset="-122"/>
+              </a:rPr>
+              <a:t>交互大厅</a:t>
+            </a:r>
+          </a:p>
+        </p:txBody>
+      </p:sp>
+      <p:cxnSp>
+        <p:nvCxnSpPr>
+          <p:cNvPr id="14" name="直接箭头连接符 13">
+            <a:extLst>
+              <a:ext uri="{FF2B5EF4-FFF2-40B4-BE49-F238E27FC236}">
+                <a16:creationId xmlns:a16="http://schemas.microsoft.com/office/drawing/2014/main" id="{2F5EE341-11F6-CE42-A04E-4D8E79385963}"/>
+              </a:ext>
+            </a:extLst>
+          </p:cNvPr>
+          <p:cNvCxnSpPr>
+            <a:cxnSpLocks/>
+            <a:stCxn id="11" idx="4"/>
+            <a:endCxn id="10" idx="1"/>
+          </p:cNvCxnSpPr>
+          <p:nvPr/>
+        </p:nvCxnSpPr>
+        <p:spPr>
+          <a:xfrm flipV="1">
+            <a:off x="801668" y="3971477"/>
+            <a:ext cx="667713" cy="510487"/>
+          </a:xfrm>
+          <a:prstGeom prst="straightConnector1">
+            <a:avLst/>
+          </a:prstGeom>
+          <a:ln>
+            <a:tailEnd type="triangle"/>
+          </a:ln>
+        </p:spPr>
+        <p:style>
+          <a:lnRef idx="1">
+            <a:schemeClr val="accent1"/>
+          </a:lnRef>
+          <a:fillRef idx="0">
+            <a:schemeClr val="accent1"/>
+          </a:fillRef>
+          <a:effectRef idx="0">
+            <a:schemeClr val="accent1"/>
+          </a:effectRef>
+          <a:fontRef idx="minor">
+            <a:schemeClr val="tx1"/>
+          </a:fontRef>
+        </p:style>
+      </p:cxnSp>
+      <p:cxnSp>
+        <p:nvCxnSpPr>
+          <p:cNvPr id="17" name="直接箭头连接符 16">
+            <a:extLst>
+              <a:ext uri="{FF2B5EF4-FFF2-40B4-BE49-F238E27FC236}">
+                <a16:creationId xmlns:a16="http://schemas.microsoft.com/office/drawing/2014/main" id="{E33C3E73-CD4F-7B6A-3BF4-DF8F36C4EAF9}"/>
+              </a:ext>
+            </a:extLst>
+          </p:cNvPr>
+          <p:cNvCxnSpPr>
+            <a:cxnSpLocks/>
+            <a:stCxn id="11" idx="4"/>
+            <a:endCxn id="12" idx="1"/>
+          </p:cNvCxnSpPr>
+          <p:nvPr/>
+        </p:nvCxnSpPr>
+        <p:spPr>
+          <a:xfrm>
+            <a:off x="801666" y="4481962"/>
+            <a:ext cx="667712" cy="449926"/>
+          </a:xfrm>
+          <a:prstGeom prst="straightConnector1">
+            <a:avLst/>
+          </a:prstGeom>
+          <a:ln>
+            <a:tailEnd type="triangle"/>
+          </a:ln>
+        </p:spPr>
+        <p:style>
+          <a:lnRef idx="1">
+            <a:schemeClr val="accent1"/>
+          </a:lnRef>
+          <a:fillRef idx="0">
+            <a:schemeClr val="accent1"/>
+          </a:fillRef>
+          <a:effectRef idx="0">
+            <a:schemeClr val="accent1"/>
+          </a:effectRef>
+          <a:fontRef idx="minor">
+            <a:schemeClr val="tx1"/>
+          </a:fontRef>
+        </p:style>
+      </p:cxnSp>
+      <p:cxnSp>
+        <p:nvCxnSpPr>
+          <p:cNvPr id="20" name="直接箭头连接符 19">
+            <a:extLst>
+              <a:ext uri="{FF2B5EF4-FFF2-40B4-BE49-F238E27FC236}">
+                <a16:creationId xmlns:a16="http://schemas.microsoft.com/office/drawing/2014/main" id="{554F3867-0275-8399-A5D6-C4DD5B1F1210}"/>
+              </a:ext>
+            </a:extLst>
+          </p:cNvPr>
+          <p:cNvCxnSpPr>
+            <a:cxnSpLocks/>
+            <a:stCxn id="10" idx="3"/>
+            <a:endCxn id="13" idx="2"/>
+          </p:cNvCxnSpPr>
+          <p:nvPr/>
+        </p:nvCxnSpPr>
+        <p:spPr>
+          <a:xfrm>
+            <a:off x="2149208" y="3971477"/>
+            <a:ext cx="642338" cy="3757"/>
+          </a:xfrm>
+          <a:prstGeom prst="straightConnector1">
+            <a:avLst/>
+          </a:prstGeom>
+          <a:ln>
+            <a:tailEnd type="triangle"/>
+          </a:ln>
+        </p:spPr>
+        <p:style>
+          <a:lnRef idx="1">
+            <a:schemeClr val="accent1"/>
+          </a:lnRef>
+          <a:fillRef idx="0">
+            <a:schemeClr val="accent1"/>
+          </a:fillRef>
+          <a:effectRef idx="0">
+            <a:schemeClr val="accent1"/>
+          </a:effectRef>
+          <a:fontRef idx="minor">
+            <a:schemeClr val="tx1"/>
+          </a:fontRef>
+        </p:style>
+      </p:cxnSp>
+      <p:sp>
+        <p:nvSpPr>
+          <p:cNvPr id="23" name="流程图: 磁盘 22">
+            <a:extLst>
+              <a:ext uri="{FF2B5EF4-FFF2-40B4-BE49-F238E27FC236}">
+                <a16:creationId xmlns:a16="http://schemas.microsoft.com/office/drawing/2014/main" id="{8B1C6DCA-E885-AD2A-37C8-640692B5F7B8}"/>
+              </a:ext>
+            </a:extLst>
+          </p:cNvPr>
+          <p:cNvSpPr/>
+          <p:nvPr/>
+        </p:nvSpPr>
+        <p:spPr>
+          <a:xfrm>
+            <a:off x="1258706" y="5593653"/>
+            <a:ext cx="1101175" cy="368012"/>
+          </a:xfrm>
+          <a:prstGeom prst="flowChartMagneticDisk">
+            <a:avLst/>
+          </a:prstGeom>
+          <a:solidFill>
+            <a:schemeClr val="accent3">
+              <a:lumMod val="20000"/>
+              <a:lumOff val="80000"/>
+            </a:schemeClr>
+          </a:solidFill>
+          <a:ln>
+            <a:solidFill>
+              <a:schemeClr val="tx1"/>
+            </a:solidFill>
+          </a:ln>
+        </p:spPr>
+        <p:style>
+          <a:lnRef idx="2">
+            <a:schemeClr val="accent1">
+              <a:shade val="15000"/>
+            </a:schemeClr>
+          </a:lnRef>
+          <a:fillRef idx="1">
+            <a:schemeClr val="accent1"/>
+          </a:fillRef>
+          <a:effectRef idx="0">
+            <a:schemeClr val="accent1"/>
+          </a:effectRef>
+          <a:fontRef idx="minor">
+            <a:schemeClr val="lt1"/>
+          </a:fontRef>
+        </p:style>
+        <p:txBody>
+          <a:bodyPr rtlCol="0" anchor="ctr"/>
+          <a:lstStyle/>
+          <a:p>
+            <a:pPr algn="ctr"/>
+            <a:r>
+              <a:rPr lang="zh-CN" altLang="en-US" sz="1200" dirty="0">
+                <a:solidFill>
+                  <a:schemeClr val="tx1"/>
+                </a:solidFill>
+                <a:latin typeface="宋体" panose="02010600030101010101" pitchFamily="2" charset="-122"/>
+                <a:ea typeface="宋体" panose="02010600030101010101" pitchFamily="2" charset="-122"/>
+              </a:rPr>
+              <a:t>用户数据备份</a:t>
+            </a:r>
+          </a:p>
+        </p:txBody>
+      </p:sp>
+      <p:cxnSp>
+        <p:nvCxnSpPr>
+          <p:cNvPr id="24" name="直接箭头连接符 23">
+            <a:extLst>
+              <a:ext uri="{FF2B5EF4-FFF2-40B4-BE49-F238E27FC236}">
+                <a16:creationId xmlns:a16="http://schemas.microsoft.com/office/drawing/2014/main" id="{5E80C034-3EF1-FD4D-16CA-866818DF7D6E}"/>
+              </a:ext>
+            </a:extLst>
+          </p:cNvPr>
+          <p:cNvCxnSpPr>
+            <a:cxnSpLocks/>
+            <a:stCxn id="12" idx="2"/>
+            <a:endCxn id="23" idx="1"/>
+          </p:cNvCxnSpPr>
+          <p:nvPr/>
+        </p:nvCxnSpPr>
+        <p:spPr>
+          <a:xfrm flipH="1">
+            <a:off x="1809294" y="5056426"/>
+            <a:ext cx="1" cy="537229"/>
+          </a:xfrm>
+          <a:prstGeom prst="straightConnector1">
+            <a:avLst/>
+          </a:prstGeom>
+          <a:ln>
+            <a:tailEnd type="triangle"/>
+          </a:ln>
+        </p:spPr>
+        <p:style>
+          <a:lnRef idx="1">
+            <a:schemeClr val="accent1"/>
+          </a:lnRef>
+          <a:fillRef idx="0">
+            <a:schemeClr val="accent1"/>
+          </a:fillRef>
+          <a:effectRef idx="0">
+            <a:schemeClr val="accent1"/>
+          </a:effectRef>
+          <a:fontRef idx="minor">
+            <a:schemeClr val="tx1"/>
+          </a:fontRef>
+        </p:style>
+      </p:cxnSp>
+      <p:cxnSp>
+        <p:nvCxnSpPr>
+          <p:cNvPr id="28" name="连接符: 肘形 27">
+            <a:extLst>
+              <a:ext uri="{FF2B5EF4-FFF2-40B4-BE49-F238E27FC236}">
+                <a16:creationId xmlns:a16="http://schemas.microsoft.com/office/drawing/2014/main" id="{D6095B9C-B9C1-2BC2-8A1A-98665DF81448}"/>
+              </a:ext>
+            </a:extLst>
+          </p:cNvPr>
+          <p:cNvCxnSpPr>
+            <a:stCxn id="10" idx="3"/>
+            <a:endCxn id="23" idx="4"/>
+          </p:cNvCxnSpPr>
+          <p:nvPr/>
+        </p:nvCxnSpPr>
+        <p:spPr>
+          <a:xfrm>
+            <a:off x="2149210" y="3971475"/>
+            <a:ext cx="210671" cy="1806184"/>
+          </a:xfrm>
+          <a:prstGeom prst="bentConnector3">
+            <a:avLst>
+              <a:gd name="adj1" fmla="val 208510"/>
+            </a:avLst>
+          </a:prstGeom>
+          <a:ln>
+            <a:tailEnd type="triangle"/>
+          </a:ln>
+        </p:spPr>
+        <p:style>
+          <a:lnRef idx="1">
+            <a:schemeClr val="accent1"/>
+          </a:lnRef>
+          <a:fillRef idx="0">
+            <a:schemeClr val="accent1"/>
+          </a:fillRef>
+          <a:effectRef idx="0">
+            <a:schemeClr val="accent1"/>
+          </a:effectRef>
+          <a:fontRef idx="minor">
+            <a:schemeClr val="tx1"/>
+          </a:fontRef>
+        </p:style>
+      </p:cxnSp>
+      <p:pic>
+        <p:nvPicPr>
+          <p:cNvPr id="29" name="图形 28" descr="用户 纯色填充">
+            <a:extLst>
+              <a:ext uri="{FF2B5EF4-FFF2-40B4-BE49-F238E27FC236}">
+                <a16:creationId xmlns:a16="http://schemas.microsoft.com/office/drawing/2014/main" id="{5CA3C8FE-F6C3-7113-DC00-21567A83C081}"/>
+              </a:ext>
+            </a:extLst>
+          </p:cNvPr>
+          <p:cNvPicPr>
+            <a:picLocks noChangeAspect="1"/>
+          </p:cNvPicPr>
+          <p:nvPr/>
+        </p:nvPicPr>
+        <p:blipFill>
+          <a:blip r:embed="rId2">
+            <a:extLst>
+              <a:ext uri="{96DAC541-7B7A-43D3-8B79-37D633B846F1}">
+                <asvg:svgBlip xmlns:asvg="http://schemas.microsoft.com/office/drawing/2016/SVG/main" r:embed="rId3"/>
+              </a:ext>
+            </a:extLst>
+          </a:blip>
+          <a:stretch>
+            <a:fillRect/>
+          </a:stretch>
+        </p:blipFill>
+        <p:spPr>
+          <a:xfrm>
+            <a:off x="5851153" y="397962"/>
+            <a:ext cx="372043" cy="372043"/>
+          </a:xfrm>
+          <a:prstGeom prst="rect">
+            <a:avLst/>
+          </a:prstGeom>
+        </p:spPr>
+      </p:pic>
+      <p:sp>
+        <p:nvSpPr>
+          <p:cNvPr id="30" name="文本框 29">
+            <a:extLst>
+              <a:ext uri="{FF2B5EF4-FFF2-40B4-BE49-F238E27FC236}">
+                <a16:creationId xmlns:a16="http://schemas.microsoft.com/office/drawing/2014/main" id="{4E996F67-873D-480D-0411-753027DB9922}"/>
+              </a:ext>
+            </a:extLst>
+          </p:cNvPr>
+          <p:cNvSpPr txBox="1"/>
+          <p:nvPr/>
+        </p:nvSpPr>
+        <p:spPr>
+          <a:xfrm>
+            <a:off x="5495662" y="95250"/>
+            <a:ext cx="1134553" cy="307905"/>
+          </a:xfrm>
+          <a:prstGeom prst="rect">
+            <a:avLst/>
+          </a:prstGeom>
+          <a:noFill/>
+        </p:spPr>
+        <p:txBody>
+          <a:bodyPr wrap="square">
+            <a:spAutoFit/>
+          </a:bodyPr>
+          <a:lstStyle/>
+          <a:p>
+            <a:r>
+              <a:rPr lang="zh-CN" altLang="en-US" sz="1401" b="1" dirty="0">
+                <a:latin typeface="Times New Roman" panose="02020603050405020304" pitchFamily="18" charset="0"/>
+                <a:ea typeface="宋体" panose="02010600030101010101" pitchFamily="2" charset="-122"/>
+                <a:cs typeface="Times New Roman" panose="02020603050405020304" pitchFamily="18" charset="0"/>
+              </a:rPr>
+              <a:t>研究生小王</a:t>
+            </a:r>
+          </a:p>
+        </p:txBody>
+      </p:sp>
+      <p:cxnSp>
+        <p:nvCxnSpPr>
+          <p:cNvPr id="32" name="连接符: 曲线 31">
+            <a:extLst>
+              <a:ext uri="{FF2B5EF4-FFF2-40B4-BE49-F238E27FC236}">
+                <a16:creationId xmlns:a16="http://schemas.microsoft.com/office/drawing/2014/main" id="{B2C15013-9B6C-A944-FAE9-EEA94CF1C659}"/>
+              </a:ext>
+            </a:extLst>
+          </p:cNvPr>
+          <p:cNvCxnSpPr>
+            <a:cxnSpLocks/>
+            <a:stCxn id="29" idx="1"/>
+            <a:endCxn id="2" idx="0"/>
+          </p:cNvCxnSpPr>
+          <p:nvPr/>
+        </p:nvCxnSpPr>
+        <p:spPr>
+          <a:xfrm rot="10800000" flipV="1">
+            <a:off x="2299949" y="583982"/>
+            <a:ext cx="3551205" cy="426962"/>
+          </a:xfrm>
+          <a:prstGeom prst="curvedConnector2">
+            <a:avLst/>
+          </a:prstGeom>
+          <a:ln>
+            <a:tailEnd type="triangle"/>
+          </a:ln>
+        </p:spPr>
+        <p:style>
+          <a:lnRef idx="1">
+            <a:schemeClr val="accent2"/>
+          </a:lnRef>
+          <a:fillRef idx="0">
+            <a:schemeClr val="accent2"/>
+          </a:fillRef>
+          <a:effectRef idx="0">
+            <a:schemeClr val="accent2"/>
+          </a:effectRef>
+          <a:fontRef idx="minor">
+            <a:schemeClr val="tx1"/>
+          </a:fontRef>
+        </p:style>
+      </p:cxnSp>
+      <p:sp>
+        <p:nvSpPr>
+          <p:cNvPr id="39" name="文本框 38">
+            <a:extLst>
+              <a:ext uri="{FF2B5EF4-FFF2-40B4-BE49-F238E27FC236}">
+                <a16:creationId xmlns:a16="http://schemas.microsoft.com/office/drawing/2014/main" id="{68240D80-B013-5400-7349-A1B2119B6185}"/>
+              </a:ext>
+            </a:extLst>
+          </p:cNvPr>
+          <p:cNvSpPr txBox="1"/>
+          <p:nvPr/>
+        </p:nvSpPr>
+        <p:spPr>
+          <a:xfrm>
+            <a:off x="3142575" y="370459"/>
+            <a:ext cx="1946066" cy="246221"/>
+          </a:xfrm>
+          <a:prstGeom prst="rect">
+            <a:avLst/>
+          </a:prstGeom>
+          <a:noFill/>
+        </p:spPr>
+        <p:txBody>
+          <a:bodyPr wrap="square">
+            <a:spAutoFit/>
+          </a:bodyPr>
+          <a:lstStyle/>
+          <a:p>
+            <a:r>
+              <a:rPr lang="zh-CN" altLang="en-US" sz="1000" b="1" dirty="0">
+                <a:solidFill>
+                  <a:srgbClr val="C00000"/>
+                </a:solidFill>
+                <a:latin typeface="Times New Roman" panose="02020603050405020304" pitchFamily="18" charset="0"/>
+                <a:ea typeface="宋体" panose="02010600030101010101" pitchFamily="2" charset="-122"/>
+                <a:cs typeface="Times New Roman" panose="02020603050405020304" pitchFamily="18" charset="0"/>
+              </a:rPr>
+              <a:t>确定任务类型、任务超参数</a:t>
+            </a:r>
+            <a:endParaRPr lang="en-US" altLang="zh-CN" sz="1000" b="1" dirty="0">
+              <a:solidFill>
+                <a:srgbClr val="C00000"/>
+              </a:solidFill>
+              <a:latin typeface="Times New Roman" panose="02020603050405020304" pitchFamily="18" charset="0"/>
+              <a:ea typeface="宋体" panose="02010600030101010101" pitchFamily="2" charset="-122"/>
+              <a:cs typeface="Times New Roman" panose="02020603050405020304" pitchFamily="18" charset="0"/>
+            </a:endParaRPr>
+          </a:p>
+        </p:txBody>
+      </p:sp>
+      <p:cxnSp>
+        <p:nvCxnSpPr>
+          <p:cNvPr id="45" name="直接箭头连接符 44">
+            <a:extLst>
+              <a:ext uri="{FF2B5EF4-FFF2-40B4-BE49-F238E27FC236}">
+                <a16:creationId xmlns:a16="http://schemas.microsoft.com/office/drawing/2014/main" id="{2FDFBFBB-021F-E5E5-4DE5-F9B9C792995C}"/>
+              </a:ext>
+            </a:extLst>
+          </p:cNvPr>
+          <p:cNvCxnSpPr>
+            <a:cxnSpLocks/>
+            <a:stCxn id="2" idx="2"/>
+            <a:endCxn id="3" idx="0"/>
+          </p:cNvCxnSpPr>
+          <p:nvPr/>
+        </p:nvCxnSpPr>
+        <p:spPr>
+          <a:xfrm>
+            <a:off x="2299946" y="1283899"/>
+            <a:ext cx="0" cy="452462"/>
+          </a:xfrm>
+          <a:prstGeom prst="straightConnector1">
+            <a:avLst/>
+          </a:prstGeom>
+          <a:ln>
+            <a:tailEnd type="triangle"/>
+          </a:ln>
+        </p:spPr>
+        <p:style>
+          <a:lnRef idx="1">
+            <a:schemeClr val="accent1"/>
+          </a:lnRef>
+          <a:fillRef idx="0">
+            <a:schemeClr val="accent1"/>
+          </a:fillRef>
+          <a:effectRef idx="0">
+            <a:schemeClr val="accent1"/>
+          </a:effectRef>
+          <a:fontRef idx="minor">
+            <a:schemeClr val="tx1"/>
+          </a:fontRef>
+        </p:style>
+      </p:cxnSp>
+      <p:cxnSp>
+        <p:nvCxnSpPr>
+          <p:cNvPr id="52" name="连接符: 曲线 51">
+            <a:extLst>
+              <a:ext uri="{FF2B5EF4-FFF2-40B4-BE49-F238E27FC236}">
+                <a16:creationId xmlns:a16="http://schemas.microsoft.com/office/drawing/2014/main" id="{B21A5491-14D7-73CC-5EF6-A643A385C510}"/>
+              </a:ext>
+            </a:extLst>
+          </p:cNvPr>
+          <p:cNvCxnSpPr>
+            <a:cxnSpLocks/>
+            <a:stCxn id="13" idx="0"/>
+            <a:endCxn id="29" idx="1"/>
+          </p:cNvCxnSpPr>
+          <p:nvPr/>
+        </p:nvCxnSpPr>
+        <p:spPr>
+          <a:xfrm rot="5400000" flipH="1" flipV="1">
+            <a:off x="3040936" y="937747"/>
+            <a:ext cx="3163980" cy="2456450"/>
+          </a:xfrm>
+          <a:prstGeom prst="curvedConnector2">
+            <a:avLst/>
+          </a:prstGeom>
+          <a:ln>
+            <a:tailEnd type="triangle"/>
+          </a:ln>
+        </p:spPr>
+        <p:style>
+          <a:lnRef idx="1">
+            <a:schemeClr val="accent2"/>
+          </a:lnRef>
+          <a:fillRef idx="0">
+            <a:schemeClr val="accent2"/>
+          </a:fillRef>
+          <a:effectRef idx="0">
+            <a:schemeClr val="accent2"/>
+          </a:effectRef>
+          <a:fontRef idx="minor">
+            <a:schemeClr val="tx1"/>
+          </a:fontRef>
+        </p:style>
+      </p:cxnSp>
+      <p:sp>
+        <p:nvSpPr>
+          <p:cNvPr id="55" name="文本框 54">
+            <a:extLst>
+              <a:ext uri="{FF2B5EF4-FFF2-40B4-BE49-F238E27FC236}">
+                <a16:creationId xmlns:a16="http://schemas.microsoft.com/office/drawing/2014/main" id="{07789688-26C7-7533-B16E-2A846C07F49F}"/>
+              </a:ext>
+            </a:extLst>
+          </p:cNvPr>
+          <p:cNvSpPr txBox="1"/>
+          <p:nvPr/>
+        </p:nvSpPr>
+        <p:spPr>
+          <a:xfrm>
+            <a:off x="4179175" y="929680"/>
+            <a:ext cx="1025774" cy="246221"/>
+          </a:xfrm>
+          <a:prstGeom prst="rect">
+            <a:avLst/>
+          </a:prstGeom>
+          <a:noFill/>
+        </p:spPr>
+        <p:txBody>
+          <a:bodyPr wrap="square">
+            <a:spAutoFit/>
+          </a:bodyPr>
+          <a:lstStyle/>
+          <a:p>
+            <a:r>
+              <a:rPr lang="zh-CN" altLang="en-US" sz="1000" b="1" dirty="0">
+                <a:solidFill>
+                  <a:srgbClr val="C00000"/>
+                </a:solidFill>
+                <a:latin typeface="Times New Roman" panose="02020603050405020304" pitchFamily="18" charset="0"/>
+                <a:ea typeface="宋体" panose="02010600030101010101" pitchFamily="2" charset="-122"/>
+                <a:cs typeface="Times New Roman" panose="02020603050405020304" pitchFamily="18" charset="0"/>
+              </a:rPr>
+              <a:t>所需数据下载</a:t>
+            </a:r>
+            <a:endParaRPr lang="en-US" altLang="zh-CN" sz="1000" b="1" dirty="0">
+              <a:solidFill>
+                <a:srgbClr val="C00000"/>
+              </a:solidFill>
+              <a:latin typeface="Times New Roman" panose="02020603050405020304" pitchFamily="18" charset="0"/>
+              <a:ea typeface="宋体" panose="02010600030101010101" pitchFamily="2" charset="-122"/>
+              <a:cs typeface="Times New Roman" panose="02020603050405020304" pitchFamily="18" charset="0"/>
+            </a:endParaRPr>
+          </a:p>
+        </p:txBody>
+      </p:sp>
+      <p:sp>
+        <p:nvSpPr>
+          <p:cNvPr id="56" name="流程图: 过程 55">
+            <a:extLst>
+              <a:ext uri="{FF2B5EF4-FFF2-40B4-BE49-F238E27FC236}">
+                <a16:creationId xmlns:a16="http://schemas.microsoft.com/office/drawing/2014/main" id="{67D246C2-1618-A89A-54B4-485B57E88DA9}"/>
+              </a:ext>
+            </a:extLst>
+          </p:cNvPr>
+          <p:cNvSpPr/>
+          <p:nvPr/>
+        </p:nvSpPr>
+        <p:spPr>
+          <a:xfrm>
+            <a:off x="5579901" y="1175901"/>
+            <a:ext cx="914544" cy="272955"/>
+          </a:xfrm>
+          <a:prstGeom prst="flowChartProcess">
+            <a:avLst/>
+          </a:prstGeom>
+          <a:solidFill>
+            <a:schemeClr val="accent3">
+              <a:lumMod val="20000"/>
+              <a:lumOff val="80000"/>
+            </a:schemeClr>
+          </a:solidFill>
+          <a:ln>
+            <a:solidFill>
+              <a:schemeClr val="tx1"/>
+            </a:solidFill>
+          </a:ln>
+        </p:spPr>
+        <p:style>
+          <a:lnRef idx="2">
+            <a:schemeClr val="accent1">
+              <a:shade val="15000"/>
+            </a:schemeClr>
+          </a:lnRef>
+          <a:fillRef idx="1">
+            <a:schemeClr val="accent1"/>
+          </a:fillRef>
+          <a:effectRef idx="0">
+            <a:schemeClr val="accent1"/>
+          </a:effectRef>
+          <a:fontRef idx="minor">
+            <a:schemeClr val="lt1"/>
+          </a:fontRef>
+        </p:style>
+        <p:txBody>
+          <a:bodyPr rtlCol="0" anchor="ctr"/>
+          <a:lstStyle/>
+          <a:p>
+            <a:pPr algn="ctr"/>
+            <a:r>
+              <a:rPr lang="zh-CN" altLang="en-US" sz="1200" dirty="0">
+                <a:solidFill>
+                  <a:schemeClr val="tx1"/>
+                </a:solidFill>
+                <a:latin typeface="宋体" panose="02010600030101010101" pitchFamily="2" charset="-122"/>
+                <a:ea typeface="宋体" panose="02010600030101010101" pitchFamily="2" charset="-122"/>
+              </a:rPr>
+              <a:t>作业结果</a:t>
+            </a:r>
+          </a:p>
+        </p:txBody>
+      </p:sp>
+      <p:cxnSp>
+        <p:nvCxnSpPr>
+          <p:cNvPr id="57" name="直接箭头连接符 56">
+            <a:extLst>
+              <a:ext uri="{FF2B5EF4-FFF2-40B4-BE49-F238E27FC236}">
+                <a16:creationId xmlns:a16="http://schemas.microsoft.com/office/drawing/2014/main" id="{6091163A-5052-2C7C-428D-7ECE0E9B344F}"/>
+              </a:ext>
+            </a:extLst>
+          </p:cNvPr>
+          <p:cNvCxnSpPr>
+            <a:cxnSpLocks/>
+            <a:stCxn id="29" idx="2"/>
+            <a:endCxn id="56" idx="0"/>
+          </p:cNvCxnSpPr>
+          <p:nvPr/>
+        </p:nvCxnSpPr>
+        <p:spPr>
+          <a:xfrm>
+            <a:off x="6037173" y="770003"/>
+            <a:ext cx="0" cy="405896"/>
+          </a:xfrm>
+          <a:prstGeom prst="straightConnector1">
+            <a:avLst/>
+          </a:prstGeom>
+          <a:ln>
+            <a:tailEnd type="triangle"/>
+          </a:ln>
+        </p:spPr>
+        <p:style>
+          <a:lnRef idx="1">
+            <a:schemeClr val="dk1"/>
+          </a:lnRef>
+          <a:fillRef idx="0">
+            <a:schemeClr val="dk1"/>
+          </a:fillRef>
+          <a:effectRef idx="0">
+            <a:schemeClr val="dk1"/>
+          </a:effectRef>
+          <a:fontRef idx="minor">
+            <a:schemeClr val="tx1"/>
+          </a:fontRef>
+        </p:style>
+      </p:cxnSp>
+      <p:cxnSp>
+        <p:nvCxnSpPr>
+          <p:cNvPr id="60" name="连接符: 曲线 59">
+            <a:extLst>
+              <a:ext uri="{FF2B5EF4-FFF2-40B4-BE49-F238E27FC236}">
+                <a16:creationId xmlns:a16="http://schemas.microsoft.com/office/drawing/2014/main" id="{356C500D-16C8-19C8-2FEA-83A9E760B4A6}"/>
+              </a:ext>
+            </a:extLst>
+          </p:cNvPr>
+          <p:cNvCxnSpPr>
+            <a:cxnSpLocks/>
+            <a:stCxn id="56" idx="1"/>
+            <a:endCxn id="13" idx="0"/>
+          </p:cNvCxnSpPr>
+          <p:nvPr/>
+        </p:nvCxnSpPr>
+        <p:spPr>
+          <a:xfrm rot="10800000" flipV="1">
+            <a:off x="3394701" y="1312378"/>
+            <a:ext cx="2185200" cy="2435585"/>
+          </a:xfrm>
+          <a:prstGeom prst="curvedConnector2">
+            <a:avLst/>
+          </a:prstGeom>
+          <a:ln>
+            <a:tailEnd type="triangle"/>
+          </a:ln>
+        </p:spPr>
+        <p:style>
+          <a:lnRef idx="1">
+            <a:schemeClr val="accent2"/>
+          </a:lnRef>
+          <a:fillRef idx="0">
+            <a:schemeClr val="accent2"/>
+          </a:fillRef>
+          <a:effectRef idx="0">
+            <a:schemeClr val="accent2"/>
+          </a:effectRef>
+          <a:fontRef idx="minor">
+            <a:schemeClr val="tx1"/>
+          </a:fontRef>
+        </p:style>
+      </p:cxnSp>
+      <p:sp>
+        <p:nvSpPr>
+          <p:cNvPr id="80" name="文本框 79">
+            <a:extLst>
+              <a:ext uri="{FF2B5EF4-FFF2-40B4-BE49-F238E27FC236}">
+                <a16:creationId xmlns:a16="http://schemas.microsoft.com/office/drawing/2014/main" id="{AC91AF45-AB4C-A060-97D1-387F7CE23F95}"/>
+              </a:ext>
+            </a:extLst>
+          </p:cNvPr>
+          <p:cNvSpPr txBox="1"/>
+          <p:nvPr/>
+        </p:nvSpPr>
+        <p:spPr>
+          <a:xfrm>
+            <a:off x="4296098" y="1490142"/>
+            <a:ext cx="799709" cy="246221"/>
+          </a:xfrm>
+          <a:prstGeom prst="rect">
+            <a:avLst/>
+          </a:prstGeom>
+          <a:noFill/>
+        </p:spPr>
+        <p:txBody>
+          <a:bodyPr wrap="square">
+            <a:spAutoFit/>
+          </a:bodyPr>
+          <a:lstStyle/>
+          <a:p>
+            <a:r>
+              <a:rPr lang="en-US" altLang="zh-CN" sz="1000" b="1" dirty="0">
+                <a:solidFill>
+                  <a:srgbClr val="C00000"/>
+                </a:solidFill>
+                <a:latin typeface="Times New Roman" panose="02020603050405020304" pitchFamily="18" charset="0"/>
+                <a:ea typeface="宋体" panose="02010600030101010101" pitchFamily="2" charset="-122"/>
+                <a:cs typeface="Times New Roman" panose="02020603050405020304" pitchFamily="18" charset="0"/>
+              </a:rPr>
+              <a:t>SFTP</a:t>
+            </a:r>
+            <a:r>
+              <a:rPr lang="zh-CN" altLang="en-US" sz="1000" b="1" dirty="0">
+                <a:solidFill>
+                  <a:srgbClr val="C00000"/>
+                </a:solidFill>
+                <a:latin typeface="Times New Roman" panose="02020603050405020304" pitchFamily="18" charset="0"/>
+                <a:ea typeface="宋体" panose="02010600030101010101" pitchFamily="2" charset="-122"/>
+                <a:cs typeface="Times New Roman" panose="02020603050405020304" pitchFamily="18" charset="0"/>
+              </a:rPr>
+              <a:t>上传</a:t>
+            </a:r>
+            <a:endParaRPr lang="en-US" altLang="zh-CN" sz="1000" b="1" dirty="0">
+              <a:solidFill>
+                <a:srgbClr val="C00000"/>
+              </a:solidFill>
+              <a:latin typeface="Times New Roman" panose="02020603050405020304" pitchFamily="18" charset="0"/>
+              <a:ea typeface="宋体" panose="02010600030101010101" pitchFamily="2" charset="-122"/>
+              <a:cs typeface="Times New Roman" panose="02020603050405020304" pitchFamily="18" charset="0"/>
+            </a:endParaRPr>
+          </a:p>
+        </p:txBody>
+      </p:sp>
+      <p:sp>
+        <p:nvSpPr>
+          <p:cNvPr id="82" name="流程图: 过程 81">
+            <a:extLst>
+              <a:ext uri="{FF2B5EF4-FFF2-40B4-BE49-F238E27FC236}">
+                <a16:creationId xmlns:a16="http://schemas.microsoft.com/office/drawing/2014/main" id="{0AE8F123-EE64-23D1-0DC9-2757327C91D8}"/>
+              </a:ext>
+            </a:extLst>
+          </p:cNvPr>
+          <p:cNvSpPr/>
+          <p:nvPr/>
+        </p:nvSpPr>
+        <p:spPr>
+          <a:xfrm>
+            <a:off x="7101976" y="1736361"/>
+            <a:ext cx="2051425" cy="369460"/>
+          </a:xfrm>
+          <a:prstGeom prst="flowChartProcess">
+            <a:avLst/>
+          </a:prstGeom>
+          <a:solidFill>
+            <a:schemeClr val="accent3">
+              <a:lumMod val="20000"/>
+              <a:lumOff val="80000"/>
+            </a:schemeClr>
+          </a:solidFill>
+          <a:ln>
+            <a:solidFill>
+              <a:schemeClr val="tx1"/>
+            </a:solidFill>
+          </a:ln>
+        </p:spPr>
+        <p:style>
+          <a:lnRef idx="2">
+            <a:schemeClr val="accent1">
+              <a:shade val="15000"/>
+            </a:schemeClr>
+          </a:lnRef>
+          <a:fillRef idx="1">
+            <a:schemeClr val="accent1"/>
+          </a:fillRef>
+          <a:effectRef idx="0">
+            <a:schemeClr val="accent1"/>
+          </a:effectRef>
+          <a:fontRef idx="minor">
+            <a:schemeClr val="lt1"/>
+          </a:fontRef>
+        </p:style>
+        <p:txBody>
+          <a:bodyPr rtlCol="0" anchor="ctr"/>
+          <a:lstStyle/>
+          <a:p>
+            <a:pPr algn="ctr"/>
+            <a:r>
+              <a:rPr lang="zh-CN" altLang="en-US" sz="1200" dirty="0">
+                <a:solidFill>
+                  <a:schemeClr val="tx1"/>
+                </a:solidFill>
+                <a:latin typeface="宋体" panose="02010600030101010101" pitchFamily="2" charset="-122"/>
+                <a:ea typeface="宋体" panose="02010600030101010101" pitchFamily="2" charset="-122"/>
+              </a:rPr>
+              <a:t>执行</a:t>
+            </a:r>
+            <a:r>
+              <a:rPr lang="en-US" altLang="zh-CN" sz="1200" dirty="0">
+                <a:solidFill>
+                  <a:schemeClr val="tx1"/>
+                </a:solidFill>
+                <a:latin typeface="宋体" panose="02010600030101010101" pitchFamily="2" charset="-122"/>
+                <a:ea typeface="宋体" panose="02010600030101010101" pitchFamily="2" charset="-122"/>
+              </a:rPr>
+              <a:t>task_evaluate.py</a:t>
+            </a:r>
+            <a:r>
+              <a:rPr lang="zh-CN" altLang="en-US" sz="1200" dirty="0">
+                <a:solidFill>
+                  <a:schemeClr val="tx1"/>
+                </a:solidFill>
+                <a:latin typeface="宋体" panose="02010600030101010101" pitchFamily="2" charset="-122"/>
+                <a:ea typeface="宋体" panose="02010600030101010101" pitchFamily="2" charset="-122"/>
+              </a:rPr>
+              <a:t>脚本</a:t>
+            </a:r>
+          </a:p>
+        </p:txBody>
+      </p:sp>
+      <p:sp>
+        <p:nvSpPr>
+          <p:cNvPr id="83" name="流程图: 过程 82">
+            <a:extLst>
+              <a:ext uri="{FF2B5EF4-FFF2-40B4-BE49-F238E27FC236}">
+                <a16:creationId xmlns:a16="http://schemas.microsoft.com/office/drawing/2014/main" id="{717240A9-C919-97E9-F7C8-B08A308438BF}"/>
+              </a:ext>
+            </a:extLst>
+          </p:cNvPr>
+          <p:cNvSpPr/>
+          <p:nvPr/>
+        </p:nvSpPr>
+        <p:spPr>
+          <a:xfrm>
+            <a:off x="7491474" y="1006748"/>
+            <a:ext cx="1272431" cy="272955"/>
+          </a:xfrm>
+          <a:prstGeom prst="flowChartProcess">
+            <a:avLst/>
+          </a:prstGeom>
+          <a:solidFill>
+            <a:schemeClr val="accent3">
+              <a:lumMod val="20000"/>
+              <a:lumOff val="80000"/>
+            </a:schemeClr>
+          </a:solidFill>
+          <a:ln>
+            <a:solidFill>
+              <a:schemeClr val="tx1"/>
+            </a:solidFill>
+          </a:ln>
+        </p:spPr>
+        <p:style>
+          <a:lnRef idx="2">
+            <a:schemeClr val="accent1">
+              <a:shade val="15000"/>
+            </a:schemeClr>
+          </a:lnRef>
+          <a:fillRef idx="1">
+            <a:schemeClr val="accent1"/>
+          </a:fillRef>
+          <a:effectRef idx="0">
+            <a:schemeClr val="accent1"/>
+          </a:effectRef>
+          <a:fontRef idx="minor">
+            <a:schemeClr val="lt1"/>
+          </a:fontRef>
+        </p:style>
+        <p:txBody>
+          <a:bodyPr rtlCol="0" anchor="ctr"/>
+          <a:lstStyle/>
+          <a:p>
+            <a:pPr algn="ctr"/>
+            <a:r>
+              <a:rPr lang="en-US" altLang="zh-CN" sz="1200" dirty="0">
+                <a:solidFill>
+                  <a:schemeClr val="tx1"/>
+                </a:solidFill>
+                <a:latin typeface="宋体" panose="02010600030101010101" pitchFamily="2" charset="-122"/>
+                <a:ea typeface="宋体" panose="02010600030101010101" pitchFamily="2" charset="-122"/>
+              </a:rPr>
+              <a:t>web</a:t>
+            </a:r>
+            <a:r>
+              <a:rPr lang="zh-CN" altLang="en-US" sz="1200" dirty="0">
+                <a:solidFill>
+                  <a:schemeClr val="tx1"/>
+                </a:solidFill>
+                <a:latin typeface="宋体" panose="02010600030101010101" pitchFamily="2" charset="-122"/>
+                <a:ea typeface="宋体" panose="02010600030101010101" pitchFamily="2" charset="-122"/>
+              </a:rPr>
+              <a:t>端确认提交</a:t>
+            </a:r>
+          </a:p>
+        </p:txBody>
+      </p:sp>
+      <p:cxnSp>
+        <p:nvCxnSpPr>
+          <p:cNvPr id="84" name="直接箭头连接符 83">
+            <a:extLst>
+              <a:ext uri="{FF2B5EF4-FFF2-40B4-BE49-F238E27FC236}">
+                <a16:creationId xmlns:a16="http://schemas.microsoft.com/office/drawing/2014/main" id="{971F43E0-4C9E-D464-7B89-D8A2EBCFFB81}"/>
+              </a:ext>
+            </a:extLst>
+          </p:cNvPr>
+          <p:cNvCxnSpPr>
+            <a:cxnSpLocks/>
+            <a:stCxn id="83" idx="2"/>
+            <a:endCxn id="82" idx="0"/>
+          </p:cNvCxnSpPr>
+          <p:nvPr/>
+        </p:nvCxnSpPr>
+        <p:spPr>
+          <a:xfrm flipH="1">
+            <a:off x="8127689" y="1279701"/>
+            <a:ext cx="1" cy="456660"/>
+          </a:xfrm>
+          <a:prstGeom prst="straightConnector1">
+            <a:avLst/>
+          </a:prstGeom>
+          <a:ln>
+            <a:tailEnd type="triangle"/>
+          </a:ln>
+        </p:spPr>
+        <p:style>
+          <a:lnRef idx="1">
+            <a:schemeClr val="accent1"/>
+          </a:lnRef>
+          <a:fillRef idx="0">
+            <a:schemeClr val="accent1"/>
+          </a:fillRef>
+          <a:effectRef idx="0">
+            <a:schemeClr val="accent1"/>
+          </a:effectRef>
+          <a:fontRef idx="minor">
+            <a:schemeClr val="tx1"/>
+          </a:fontRef>
+        </p:style>
+      </p:cxnSp>
+      <p:cxnSp>
+        <p:nvCxnSpPr>
+          <p:cNvPr id="87" name="连接符: 曲线 86">
+            <a:extLst>
+              <a:ext uri="{FF2B5EF4-FFF2-40B4-BE49-F238E27FC236}">
+                <a16:creationId xmlns:a16="http://schemas.microsoft.com/office/drawing/2014/main" id="{AF41528F-9F6D-E3FA-2411-0AE94FCD7383}"/>
+              </a:ext>
+            </a:extLst>
+          </p:cNvPr>
+          <p:cNvCxnSpPr>
+            <a:cxnSpLocks/>
+            <a:stCxn id="29" idx="3"/>
+            <a:endCxn id="83" idx="0"/>
+          </p:cNvCxnSpPr>
+          <p:nvPr/>
+        </p:nvCxnSpPr>
+        <p:spPr>
+          <a:xfrm>
+            <a:off x="6223196" y="583984"/>
+            <a:ext cx="1904494" cy="422764"/>
+          </a:xfrm>
+          <a:prstGeom prst="curvedConnector2">
+            <a:avLst/>
+          </a:prstGeom>
+          <a:ln>
+            <a:tailEnd type="triangle"/>
+          </a:ln>
+        </p:spPr>
+        <p:style>
+          <a:lnRef idx="1">
+            <a:schemeClr val="accent2"/>
+          </a:lnRef>
+          <a:fillRef idx="0">
+            <a:schemeClr val="accent2"/>
+          </a:fillRef>
+          <a:effectRef idx="0">
+            <a:schemeClr val="accent2"/>
+          </a:effectRef>
+          <a:fontRef idx="minor">
+            <a:schemeClr val="tx1"/>
+          </a:fontRef>
+        </p:style>
+      </p:cxnSp>
+      <p:sp>
+        <p:nvSpPr>
+          <p:cNvPr id="90" name="文本框 89">
+            <a:extLst>
+              <a:ext uri="{FF2B5EF4-FFF2-40B4-BE49-F238E27FC236}">
+                <a16:creationId xmlns:a16="http://schemas.microsoft.com/office/drawing/2014/main" id="{CE334FB0-6613-6112-00CB-BCAC9AA074E8}"/>
+              </a:ext>
+            </a:extLst>
+          </p:cNvPr>
+          <p:cNvSpPr txBox="1"/>
+          <p:nvPr/>
+        </p:nvSpPr>
+        <p:spPr>
+          <a:xfrm>
+            <a:off x="4933139" y="382027"/>
+            <a:ext cx="311004" cy="246221"/>
+          </a:xfrm>
+          <a:prstGeom prst="rect">
+            <a:avLst/>
+          </a:prstGeom>
+          <a:noFill/>
+        </p:spPr>
+        <p:txBody>
+          <a:bodyPr wrap="square">
+            <a:spAutoFit/>
+          </a:bodyPr>
+          <a:lstStyle/>
+          <a:p>
+            <a:r>
+              <a:rPr lang="zh-CN" altLang="en-US" sz="1000" b="1" dirty="0">
+                <a:latin typeface="Times New Roman" panose="02020603050405020304" pitchFamily="18" charset="0"/>
+                <a:ea typeface="宋体" panose="02010600030101010101" pitchFamily="2" charset="-122"/>
+                <a:cs typeface="Times New Roman" panose="02020603050405020304" pitchFamily="18" charset="0"/>
+              </a:rPr>
+              <a:t>①</a:t>
+            </a:r>
+            <a:endParaRPr lang="en-US" altLang="zh-CN" sz="1000" b="1" dirty="0">
+              <a:latin typeface="Times New Roman" panose="02020603050405020304" pitchFamily="18" charset="0"/>
+              <a:ea typeface="宋体" panose="02010600030101010101" pitchFamily="2" charset="-122"/>
+              <a:cs typeface="Times New Roman" panose="02020603050405020304" pitchFamily="18" charset="0"/>
+            </a:endParaRPr>
+          </a:p>
+        </p:txBody>
+      </p:sp>
+      <p:sp>
+        <p:nvSpPr>
+          <p:cNvPr id="91" name="文本框 90">
+            <a:extLst>
+              <a:ext uri="{FF2B5EF4-FFF2-40B4-BE49-F238E27FC236}">
+                <a16:creationId xmlns:a16="http://schemas.microsoft.com/office/drawing/2014/main" id="{9D7845D1-BD9A-3D9E-687A-D08289B059C2}"/>
+              </a:ext>
+            </a:extLst>
+          </p:cNvPr>
+          <p:cNvSpPr txBox="1"/>
+          <p:nvPr/>
+        </p:nvSpPr>
+        <p:spPr>
+          <a:xfrm>
+            <a:off x="6013757" y="783512"/>
+            <a:ext cx="311004" cy="246221"/>
+          </a:xfrm>
+          <a:prstGeom prst="rect">
+            <a:avLst/>
+          </a:prstGeom>
+          <a:noFill/>
+        </p:spPr>
+        <p:txBody>
+          <a:bodyPr wrap="square">
+            <a:spAutoFit/>
+          </a:bodyPr>
+          <a:lstStyle/>
+          <a:p>
+            <a:r>
+              <a:rPr lang="zh-CN" altLang="en-US" sz="1000" b="1" dirty="0">
+                <a:latin typeface="Times New Roman" panose="02020603050405020304" pitchFamily="18" charset="0"/>
+                <a:ea typeface="宋体" panose="02010600030101010101" pitchFamily="2" charset="-122"/>
+                <a:cs typeface="Times New Roman" panose="02020603050405020304" pitchFamily="18" charset="0"/>
+              </a:rPr>
+              <a:t>②</a:t>
+            </a:r>
+            <a:endParaRPr lang="en-US" altLang="zh-CN" sz="1000" b="1" dirty="0">
+              <a:latin typeface="Times New Roman" panose="02020603050405020304" pitchFamily="18" charset="0"/>
+              <a:ea typeface="宋体" panose="02010600030101010101" pitchFamily="2" charset="-122"/>
+              <a:cs typeface="Times New Roman" panose="02020603050405020304" pitchFamily="18" charset="0"/>
+            </a:endParaRPr>
+          </a:p>
+        </p:txBody>
+      </p:sp>
+      <p:sp>
+        <p:nvSpPr>
+          <p:cNvPr id="92" name="文本框 91">
+            <a:extLst>
+              <a:ext uri="{FF2B5EF4-FFF2-40B4-BE49-F238E27FC236}">
+                <a16:creationId xmlns:a16="http://schemas.microsoft.com/office/drawing/2014/main" id="{7C56CCD0-C0DD-3E55-86F2-E7C9417E5815}"/>
+              </a:ext>
+            </a:extLst>
+          </p:cNvPr>
+          <p:cNvSpPr txBox="1"/>
+          <p:nvPr/>
+        </p:nvSpPr>
+        <p:spPr>
+          <a:xfrm>
+            <a:off x="6782279" y="370458"/>
+            <a:ext cx="311004" cy="246221"/>
+          </a:xfrm>
+          <a:prstGeom prst="rect">
+            <a:avLst/>
+          </a:prstGeom>
+          <a:noFill/>
+        </p:spPr>
+        <p:txBody>
+          <a:bodyPr wrap="square">
+            <a:spAutoFit/>
+          </a:bodyPr>
+          <a:lstStyle/>
+          <a:p>
+            <a:r>
+              <a:rPr lang="zh-CN" altLang="en-US" sz="1000" b="1" dirty="0">
+                <a:latin typeface="Times New Roman" panose="02020603050405020304" pitchFamily="18" charset="0"/>
+                <a:ea typeface="宋体" panose="02010600030101010101" pitchFamily="2" charset="-122"/>
+                <a:cs typeface="Times New Roman" panose="02020603050405020304" pitchFamily="18" charset="0"/>
+              </a:rPr>
+              <a:t>③</a:t>
+            </a:r>
+            <a:endParaRPr lang="en-US" altLang="zh-CN" sz="1000" b="1" dirty="0">
+              <a:latin typeface="Times New Roman" panose="02020603050405020304" pitchFamily="18" charset="0"/>
+              <a:ea typeface="宋体" panose="02010600030101010101" pitchFamily="2" charset="-122"/>
+              <a:cs typeface="Times New Roman" panose="02020603050405020304" pitchFamily="18" charset="0"/>
+            </a:endParaRPr>
+          </a:p>
+        </p:txBody>
+      </p:sp>
+      <p:sp>
+        <p:nvSpPr>
+          <p:cNvPr id="94" name="流程图: 过程 93">
+            <a:extLst>
+              <a:ext uri="{FF2B5EF4-FFF2-40B4-BE49-F238E27FC236}">
+                <a16:creationId xmlns:a16="http://schemas.microsoft.com/office/drawing/2014/main" id="{5F226C38-2934-4D63-C9DB-D06CFE898E8C}"/>
+              </a:ext>
+            </a:extLst>
+          </p:cNvPr>
+          <p:cNvSpPr/>
+          <p:nvPr/>
+        </p:nvSpPr>
+        <p:spPr>
+          <a:xfrm>
+            <a:off x="6937781" y="3846939"/>
+            <a:ext cx="1083844" cy="249072"/>
+          </a:xfrm>
+          <a:prstGeom prst="flowChartProcess">
+            <a:avLst/>
+          </a:prstGeom>
+          <a:solidFill>
+            <a:schemeClr val="accent3">
+              <a:lumMod val="20000"/>
+              <a:lumOff val="80000"/>
+            </a:schemeClr>
+          </a:solidFill>
+          <a:ln>
+            <a:solidFill>
+              <a:schemeClr val="tx1"/>
+            </a:solidFill>
+          </a:ln>
+        </p:spPr>
+        <p:style>
+          <a:lnRef idx="2">
+            <a:schemeClr val="accent1">
+              <a:shade val="15000"/>
+            </a:schemeClr>
+          </a:lnRef>
+          <a:fillRef idx="1">
+            <a:schemeClr val="accent1"/>
+          </a:fillRef>
+          <a:effectRef idx="0">
+            <a:schemeClr val="accent1"/>
+          </a:effectRef>
+          <a:fontRef idx="minor">
+            <a:schemeClr val="lt1"/>
+          </a:fontRef>
+        </p:style>
+        <p:txBody>
+          <a:bodyPr rtlCol="0" anchor="ctr"/>
+          <a:lstStyle/>
+          <a:p>
+            <a:pPr algn="ctr"/>
+            <a:r>
+              <a:rPr lang="zh-CN" altLang="en-US" sz="1200" dirty="0">
+                <a:solidFill>
+                  <a:schemeClr val="tx1"/>
+                </a:solidFill>
+                <a:latin typeface="宋体" panose="02010600030101010101" pitchFamily="2" charset="-122"/>
+                <a:ea typeface="宋体" panose="02010600030101010101" pitchFamily="2" charset="-122"/>
+              </a:rPr>
+              <a:t>结果报告</a:t>
+            </a:r>
+          </a:p>
+        </p:txBody>
+      </p:sp>
+      <p:sp>
+        <p:nvSpPr>
+          <p:cNvPr id="95" name="流程图: 磁盘 94">
+            <a:extLst>
+              <a:ext uri="{FF2B5EF4-FFF2-40B4-BE49-F238E27FC236}">
+                <a16:creationId xmlns:a16="http://schemas.microsoft.com/office/drawing/2014/main" id="{5C929E97-F577-E793-C722-75A9208D0097}"/>
+              </a:ext>
+            </a:extLst>
+          </p:cNvPr>
+          <p:cNvSpPr/>
+          <p:nvPr/>
+        </p:nvSpPr>
+        <p:spPr>
+          <a:xfrm>
+            <a:off x="2844116" y="5593653"/>
+            <a:ext cx="1101175" cy="368012"/>
+          </a:xfrm>
+          <a:prstGeom prst="flowChartMagneticDisk">
+            <a:avLst/>
+          </a:prstGeom>
+          <a:solidFill>
+            <a:schemeClr val="accent3">
+              <a:lumMod val="20000"/>
+              <a:lumOff val="80000"/>
+            </a:schemeClr>
+          </a:solidFill>
+          <a:ln>
+            <a:solidFill>
+              <a:schemeClr val="tx1"/>
+            </a:solidFill>
+          </a:ln>
+        </p:spPr>
+        <p:style>
+          <a:lnRef idx="2">
+            <a:schemeClr val="accent1">
+              <a:shade val="15000"/>
+            </a:schemeClr>
+          </a:lnRef>
+          <a:fillRef idx="1">
+            <a:schemeClr val="accent1"/>
+          </a:fillRef>
+          <a:effectRef idx="0">
+            <a:schemeClr val="accent1"/>
+          </a:effectRef>
+          <a:fontRef idx="minor">
+            <a:schemeClr val="lt1"/>
+          </a:fontRef>
+        </p:style>
+        <p:txBody>
+          <a:bodyPr rtlCol="0" anchor="ctr"/>
+          <a:lstStyle/>
+          <a:p>
+            <a:pPr algn="ctr"/>
+            <a:r>
+              <a:rPr lang="zh-CN" altLang="en-US" sz="1200" dirty="0">
+                <a:solidFill>
+                  <a:schemeClr val="tx1"/>
+                </a:solidFill>
+                <a:latin typeface="宋体" panose="02010600030101010101" pitchFamily="2" charset="-122"/>
+                <a:ea typeface="宋体" panose="02010600030101010101" pitchFamily="2" charset="-122"/>
+              </a:rPr>
+              <a:t>临时数据库</a:t>
+            </a:r>
+          </a:p>
+        </p:txBody>
+      </p:sp>
+      <p:cxnSp>
+        <p:nvCxnSpPr>
+          <p:cNvPr id="96" name="连接符: 肘形 95">
+            <a:extLst>
+              <a:ext uri="{FF2B5EF4-FFF2-40B4-BE49-F238E27FC236}">
+                <a16:creationId xmlns:a16="http://schemas.microsoft.com/office/drawing/2014/main" id="{787B949B-B1AD-D7DD-4298-00C65A3369B4}"/>
+              </a:ext>
+            </a:extLst>
+          </p:cNvPr>
+          <p:cNvCxnSpPr>
+            <a:cxnSpLocks/>
+            <a:stCxn id="10" idx="3"/>
+            <a:endCxn id="95" idx="2"/>
+          </p:cNvCxnSpPr>
+          <p:nvPr/>
+        </p:nvCxnSpPr>
+        <p:spPr>
+          <a:xfrm>
+            <a:off x="2149208" y="3971475"/>
+            <a:ext cx="694906" cy="1806184"/>
+          </a:xfrm>
+          <a:prstGeom prst="bentConnector3">
+            <a:avLst>
+              <a:gd name="adj1" fmla="val 64421"/>
+            </a:avLst>
+          </a:prstGeom>
+          <a:ln>
+            <a:tailEnd type="triangle"/>
+          </a:ln>
+        </p:spPr>
+        <p:style>
+          <a:lnRef idx="1">
+            <a:schemeClr val="accent1"/>
+          </a:lnRef>
+          <a:fillRef idx="0">
+            <a:schemeClr val="accent1"/>
+          </a:fillRef>
+          <a:effectRef idx="0">
+            <a:schemeClr val="accent1"/>
+          </a:effectRef>
+          <a:fontRef idx="minor">
+            <a:schemeClr val="tx1"/>
+          </a:fontRef>
+        </p:style>
+      </p:cxnSp>
+      <p:cxnSp>
+        <p:nvCxnSpPr>
+          <p:cNvPr id="105" name="连接符: 肘形 104">
+            <a:extLst>
+              <a:ext uri="{FF2B5EF4-FFF2-40B4-BE49-F238E27FC236}">
+                <a16:creationId xmlns:a16="http://schemas.microsoft.com/office/drawing/2014/main" id="{E0C7A1A0-8965-89C5-6350-E4AFE0879DA2}"/>
+              </a:ext>
+            </a:extLst>
+          </p:cNvPr>
+          <p:cNvCxnSpPr>
+            <a:cxnSpLocks/>
+            <a:stCxn id="12" idx="3"/>
+            <a:endCxn id="95" idx="2"/>
+          </p:cNvCxnSpPr>
+          <p:nvPr/>
+        </p:nvCxnSpPr>
+        <p:spPr>
+          <a:xfrm>
+            <a:off x="2149209" y="4931890"/>
+            <a:ext cx="694907" cy="845771"/>
+          </a:xfrm>
+          <a:prstGeom prst="bentConnector3">
+            <a:avLst>
+              <a:gd name="adj1" fmla="val 63519"/>
+            </a:avLst>
+          </a:prstGeom>
+          <a:ln>
+            <a:tailEnd type="triangle"/>
+          </a:ln>
+        </p:spPr>
+        <p:style>
+          <a:lnRef idx="1">
+            <a:schemeClr val="accent1"/>
+          </a:lnRef>
+          <a:fillRef idx="0">
+            <a:schemeClr val="accent1"/>
+          </a:fillRef>
+          <a:effectRef idx="0">
+            <a:schemeClr val="accent1"/>
+          </a:effectRef>
+          <a:fontRef idx="minor">
+            <a:schemeClr val="tx1"/>
+          </a:fontRef>
+        </p:style>
+      </p:cxnSp>
+      <p:sp>
+        <p:nvSpPr>
+          <p:cNvPr id="112" name="流程图: 过程 111">
+            <a:extLst>
+              <a:ext uri="{FF2B5EF4-FFF2-40B4-BE49-F238E27FC236}">
+                <a16:creationId xmlns:a16="http://schemas.microsoft.com/office/drawing/2014/main" id="{365530E0-C84B-870B-FD96-E4B1AA2530E7}"/>
+              </a:ext>
+            </a:extLst>
+          </p:cNvPr>
+          <p:cNvSpPr/>
+          <p:nvPr/>
+        </p:nvSpPr>
+        <p:spPr>
+          <a:xfrm>
+            <a:off x="8471316" y="4985298"/>
+            <a:ext cx="1083844" cy="249072"/>
+          </a:xfrm>
+          <a:prstGeom prst="flowChartProcess">
+            <a:avLst/>
+          </a:prstGeom>
+          <a:solidFill>
+            <a:schemeClr val="accent3">
+              <a:lumMod val="20000"/>
+              <a:lumOff val="80000"/>
+            </a:schemeClr>
+          </a:solidFill>
+          <a:ln>
+            <a:solidFill>
+              <a:schemeClr val="tx1"/>
+            </a:solidFill>
+          </a:ln>
+        </p:spPr>
+        <p:style>
+          <a:lnRef idx="2">
+            <a:schemeClr val="accent1">
+              <a:shade val="15000"/>
+            </a:schemeClr>
+          </a:lnRef>
+          <a:fillRef idx="1">
+            <a:schemeClr val="accent1"/>
+          </a:fillRef>
+          <a:effectRef idx="0">
+            <a:schemeClr val="accent1"/>
+          </a:effectRef>
+          <a:fontRef idx="minor">
+            <a:schemeClr val="lt1"/>
+          </a:fontRef>
+        </p:style>
+        <p:txBody>
+          <a:bodyPr rtlCol="0" anchor="ctr"/>
+          <a:lstStyle/>
+          <a:p>
+            <a:pPr algn="ctr"/>
+            <a:r>
+              <a:rPr lang="zh-CN" altLang="en-US" sz="1200" dirty="0">
+                <a:solidFill>
+                  <a:schemeClr val="tx1"/>
+                </a:solidFill>
+                <a:latin typeface="宋体" panose="02010600030101010101" pitchFamily="2" charset="-122"/>
+                <a:ea typeface="宋体" panose="02010600030101010101" pitchFamily="2" charset="-122"/>
+              </a:rPr>
+              <a:t>格式化结果</a:t>
+            </a:r>
+          </a:p>
+        </p:txBody>
+      </p:sp>
+      <p:cxnSp>
+        <p:nvCxnSpPr>
+          <p:cNvPr id="113" name="连接符: 肘形 112">
+            <a:extLst>
+              <a:ext uri="{FF2B5EF4-FFF2-40B4-BE49-F238E27FC236}">
+                <a16:creationId xmlns:a16="http://schemas.microsoft.com/office/drawing/2014/main" id="{A970B488-67CE-6A54-B910-3549079BA32A}"/>
+              </a:ext>
+            </a:extLst>
+          </p:cNvPr>
+          <p:cNvCxnSpPr>
+            <a:cxnSpLocks/>
+            <a:stCxn id="95" idx="4"/>
+            <a:endCxn id="112" idx="2"/>
+          </p:cNvCxnSpPr>
+          <p:nvPr/>
+        </p:nvCxnSpPr>
+        <p:spPr>
+          <a:xfrm flipV="1">
+            <a:off x="3945291" y="5234372"/>
+            <a:ext cx="5067949" cy="543289"/>
+          </a:xfrm>
+          <a:prstGeom prst="bentConnector2">
+            <a:avLst/>
+          </a:prstGeom>
+          <a:ln>
+            <a:tailEnd type="triangle"/>
+          </a:ln>
+        </p:spPr>
+        <p:style>
+          <a:lnRef idx="1">
+            <a:schemeClr val="accent1"/>
+          </a:lnRef>
+          <a:fillRef idx="0">
+            <a:schemeClr val="accent1"/>
+          </a:fillRef>
+          <a:effectRef idx="0">
+            <a:schemeClr val="accent1"/>
+          </a:effectRef>
+          <a:fontRef idx="minor">
+            <a:schemeClr val="tx1"/>
+          </a:fontRef>
+        </p:style>
+      </p:cxnSp>
+      <p:sp>
+        <p:nvSpPr>
+          <p:cNvPr id="119" name="文本框 118">
+            <a:extLst>
+              <a:ext uri="{FF2B5EF4-FFF2-40B4-BE49-F238E27FC236}">
+                <a16:creationId xmlns:a16="http://schemas.microsoft.com/office/drawing/2014/main" id="{189FF11B-2C5E-FBDB-1826-E6BA13D29223}"/>
+              </a:ext>
+            </a:extLst>
+          </p:cNvPr>
+          <p:cNvSpPr txBox="1"/>
+          <p:nvPr/>
+        </p:nvSpPr>
+        <p:spPr>
+          <a:xfrm>
+            <a:off x="5781339" y="5500910"/>
+            <a:ext cx="1101175" cy="246221"/>
+          </a:xfrm>
+          <a:prstGeom prst="rect">
+            <a:avLst/>
+          </a:prstGeom>
+          <a:noFill/>
+        </p:spPr>
+        <p:txBody>
+          <a:bodyPr wrap="square">
+            <a:spAutoFit/>
+          </a:bodyPr>
+          <a:lstStyle/>
+          <a:p>
+            <a:r>
+              <a:rPr lang="zh-CN" altLang="en-US" sz="1000" b="1" dirty="0">
+                <a:solidFill>
+                  <a:srgbClr val="C00000"/>
+                </a:solidFill>
+                <a:latin typeface="Times New Roman" panose="02020603050405020304" pitchFamily="18" charset="0"/>
+                <a:ea typeface="宋体" panose="02010600030101010101" pitchFamily="2" charset="-122"/>
+                <a:cs typeface="Times New Roman" panose="02020603050405020304" pitchFamily="18" charset="0"/>
+              </a:rPr>
+              <a:t>调用对应测试集</a:t>
+            </a:r>
+            <a:endParaRPr lang="en-US" altLang="zh-CN" sz="1000" b="1" dirty="0">
+              <a:solidFill>
+                <a:srgbClr val="C00000"/>
+              </a:solidFill>
+              <a:latin typeface="Times New Roman" panose="02020603050405020304" pitchFamily="18" charset="0"/>
+              <a:ea typeface="宋体" panose="02010600030101010101" pitchFamily="2" charset="-122"/>
+              <a:cs typeface="Times New Roman" panose="02020603050405020304" pitchFamily="18" charset="0"/>
+            </a:endParaRPr>
+          </a:p>
+        </p:txBody>
+      </p:sp>
+      <p:cxnSp>
+        <p:nvCxnSpPr>
+          <p:cNvPr id="120" name="直接箭头连接符 119">
+            <a:extLst>
+              <a:ext uri="{FF2B5EF4-FFF2-40B4-BE49-F238E27FC236}">
+                <a16:creationId xmlns:a16="http://schemas.microsoft.com/office/drawing/2014/main" id="{935D7EFC-4022-9897-7E4F-2503398EF308}"/>
+              </a:ext>
+            </a:extLst>
+          </p:cNvPr>
+          <p:cNvCxnSpPr>
+            <a:cxnSpLocks/>
+            <a:stCxn id="13" idx="4"/>
+            <a:endCxn id="95" idx="1"/>
+          </p:cNvCxnSpPr>
+          <p:nvPr/>
+        </p:nvCxnSpPr>
+        <p:spPr>
+          <a:xfrm>
+            <a:off x="3394703" y="4202504"/>
+            <a:ext cx="1" cy="1391151"/>
+          </a:xfrm>
+          <a:prstGeom prst="straightConnector1">
+            <a:avLst/>
+          </a:prstGeom>
+          <a:ln>
+            <a:tailEnd type="triangle"/>
+          </a:ln>
+        </p:spPr>
+        <p:style>
+          <a:lnRef idx="1">
+            <a:schemeClr val="accent1"/>
+          </a:lnRef>
+          <a:fillRef idx="0">
+            <a:schemeClr val="accent1"/>
+          </a:fillRef>
+          <a:effectRef idx="0">
+            <a:schemeClr val="accent1"/>
+          </a:effectRef>
+          <a:fontRef idx="minor">
+            <a:schemeClr val="tx1"/>
+          </a:fontRef>
+        </p:style>
+      </p:cxnSp>
+      <p:sp>
+        <p:nvSpPr>
+          <p:cNvPr id="125" name="文本框 124">
+            <a:extLst>
+              <a:ext uri="{FF2B5EF4-FFF2-40B4-BE49-F238E27FC236}">
+                <a16:creationId xmlns:a16="http://schemas.microsoft.com/office/drawing/2014/main" id="{B09C3F7C-D4AA-A3E1-8C63-07D1359F2726}"/>
+              </a:ext>
+            </a:extLst>
+          </p:cNvPr>
+          <p:cNvSpPr txBox="1"/>
+          <p:nvPr/>
+        </p:nvSpPr>
+        <p:spPr>
+          <a:xfrm>
+            <a:off x="5774175" y="5780512"/>
+            <a:ext cx="1101175" cy="246221"/>
+          </a:xfrm>
+          <a:prstGeom prst="rect">
+            <a:avLst/>
+          </a:prstGeom>
+          <a:noFill/>
+        </p:spPr>
+        <p:txBody>
+          <a:bodyPr wrap="square">
+            <a:spAutoFit/>
+          </a:bodyPr>
+          <a:lstStyle/>
+          <a:p>
+            <a:r>
+              <a:rPr lang="zh-CN" altLang="en-US" sz="1000" b="1" dirty="0">
+                <a:solidFill>
+                  <a:srgbClr val="C00000"/>
+                </a:solidFill>
+                <a:latin typeface="Times New Roman" panose="02020603050405020304" pitchFamily="18" charset="0"/>
+                <a:ea typeface="宋体" panose="02010600030101010101" pitchFamily="2" charset="-122"/>
+                <a:cs typeface="Times New Roman" panose="02020603050405020304" pitchFamily="18" charset="0"/>
+              </a:rPr>
+              <a:t>调用作业结果</a:t>
+            </a:r>
+            <a:endParaRPr lang="en-US" altLang="zh-CN" sz="1000" b="1" dirty="0">
+              <a:solidFill>
+                <a:srgbClr val="C00000"/>
+              </a:solidFill>
+              <a:latin typeface="Times New Roman" panose="02020603050405020304" pitchFamily="18" charset="0"/>
+              <a:ea typeface="宋体" panose="02010600030101010101" pitchFamily="2" charset="-122"/>
+              <a:cs typeface="Times New Roman" panose="02020603050405020304" pitchFamily="18" charset="0"/>
+            </a:endParaRPr>
+          </a:p>
+        </p:txBody>
+      </p:sp>
+      <p:cxnSp>
+        <p:nvCxnSpPr>
+          <p:cNvPr id="138" name="连接符: 肘形 137">
+            <a:extLst>
+              <a:ext uri="{FF2B5EF4-FFF2-40B4-BE49-F238E27FC236}">
+                <a16:creationId xmlns:a16="http://schemas.microsoft.com/office/drawing/2014/main" id="{5358EA11-D17F-0A5E-2C6B-D70BF2A9431C}"/>
+              </a:ext>
+            </a:extLst>
+          </p:cNvPr>
+          <p:cNvCxnSpPr>
+            <a:cxnSpLocks/>
+            <a:stCxn id="112" idx="1"/>
+            <a:endCxn id="94" idx="2"/>
+          </p:cNvCxnSpPr>
+          <p:nvPr/>
+        </p:nvCxnSpPr>
+        <p:spPr>
+          <a:xfrm rot="10800000">
+            <a:off x="7479706" y="4096014"/>
+            <a:ext cx="991613" cy="1013823"/>
+          </a:xfrm>
+          <a:prstGeom prst="bentConnector2">
+            <a:avLst/>
+          </a:prstGeom>
+          <a:ln>
+            <a:tailEnd type="triangle"/>
+          </a:ln>
+        </p:spPr>
+        <p:style>
+          <a:lnRef idx="1">
+            <a:schemeClr val="accent1"/>
+          </a:lnRef>
+          <a:fillRef idx="0">
+            <a:schemeClr val="accent1"/>
+          </a:fillRef>
+          <a:effectRef idx="0">
+            <a:schemeClr val="accent1"/>
+          </a:effectRef>
+          <a:fontRef idx="minor">
+            <a:schemeClr val="tx1"/>
+          </a:fontRef>
+        </p:style>
+      </p:cxnSp>
+      <p:cxnSp>
+        <p:nvCxnSpPr>
+          <p:cNvPr id="141" name="连接符: 肘形 140">
+            <a:extLst>
+              <a:ext uri="{FF2B5EF4-FFF2-40B4-BE49-F238E27FC236}">
+                <a16:creationId xmlns:a16="http://schemas.microsoft.com/office/drawing/2014/main" id="{FAF4459C-6819-D63A-59CA-33DF93F7605F}"/>
+              </a:ext>
+            </a:extLst>
+          </p:cNvPr>
+          <p:cNvCxnSpPr>
+            <a:cxnSpLocks/>
+            <a:stCxn id="125" idx="2"/>
+            <a:endCxn id="23" idx="3"/>
+          </p:cNvCxnSpPr>
+          <p:nvPr/>
+        </p:nvCxnSpPr>
+        <p:spPr>
+          <a:xfrm rot="5400000" flipH="1">
+            <a:off x="4034494" y="3736466"/>
+            <a:ext cx="65066" cy="4515469"/>
+          </a:xfrm>
+          <a:prstGeom prst="bentConnector3">
+            <a:avLst>
+              <a:gd name="adj1" fmla="val -351336"/>
+            </a:avLst>
+          </a:prstGeom>
+          <a:ln>
+            <a:tailEnd type="triangle"/>
+          </a:ln>
+        </p:spPr>
+        <p:style>
+          <a:lnRef idx="1">
+            <a:schemeClr val="accent1"/>
+          </a:lnRef>
+          <a:fillRef idx="0">
+            <a:schemeClr val="accent1"/>
+          </a:fillRef>
+          <a:effectRef idx="0">
+            <a:schemeClr val="accent1"/>
+          </a:effectRef>
+          <a:fontRef idx="minor">
+            <a:schemeClr val="tx1"/>
+          </a:fontRef>
+        </p:style>
+      </p:cxnSp>
+      <p:sp>
+        <p:nvSpPr>
+          <p:cNvPr id="145" name="文本框 144">
+            <a:extLst>
+              <a:ext uri="{FF2B5EF4-FFF2-40B4-BE49-F238E27FC236}">
+                <a16:creationId xmlns:a16="http://schemas.microsoft.com/office/drawing/2014/main" id="{7397DA67-9D87-586D-DB77-713C534E194C}"/>
+              </a:ext>
+            </a:extLst>
+          </p:cNvPr>
+          <p:cNvSpPr txBox="1"/>
+          <p:nvPr/>
+        </p:nvSpPr>
+        <p:spPr>
+          <a:xfrm>
+            <a:off x="3628589" y="6274020"/>
+            <a:ext cx="1101175" cy="246221"/>
+          </a:xfrm>
+          <a:prstGeom prst="rect">
+            <a:avLst/>
+          </a:prstGeom>
+          <a:noFill/>
+        </p:spPr>
+        <p:txBody>
+          <a:bodyPr wrap="square">
+            <a:spAutoFit/>
+          </a:bodyPr>
+          <a:lstStyle/>
+          <a:p>
+            <a:r>
+              <a:rPr lang="zh-CN" altLang="en-US" sz="1000" b="1" dirty="0">
+                <a:solidFill>
+                  <a:srgbClr val="C00000"/>
+                </a:solidFill>
+                <a:latin typeface="Times New Roman" panose="02020603050405020304" pitchFamily="18" charset="0"/>
+                <a:ea typeface="宋体" panose="02010600030101010101" pitchFamily="2" charset="-122"/>
+                <a:cs typeface="Times New Roman" panose="02020603050405020304" pitchFamily="18" charset="0"/>
+              </a:rPr>
+              <a:t>作业结果备份</a:t>
+            </a:r>
+            <a:endParaRPr lang="en-US" altLang="zh-CN" sz="1000" b="1" dirty="0">
+              <a:solidFill>
+                <a:srgbClr val="C00000"/>
+              </a:solidFill>
+              <a:latin typeface="Times New Roman" panose="02020603050405020304" pitchFamily="18" charset="0"/>
+              <a:ea typeface="宋体" panose="02010600030101010101" pitchFamily="2" charset="-122"/>
+              <a:cs typeface="Times New Roman" panose="02020603050405020304" pitchFamily="18" charset="0"/>
+            </a:endParaRPr>
+          </a:p>
+        </p:txBody>
+      </p:sp>
+      <p:sp>
+        <p:nvSpPr>
+          <p:cNvPr id="146" name="文本框 145">
+            <a:extLst>
+              <a:ext uri="{FF2B5EF4-FFF2-40B4-BE49-F238E27FC236}">
+                <a16:creationId xmlns:a16="http://schemas.microsoft.com/office/drawing/2014/main" id="{73FB6066-F1B3-6BC0-E449-5718CB86A832}"/>
+              </a:ext>
+            </a:extLst>
+          </p:cNvPr>
+          <p:cNvSpPr txBox="1"/>
+          <p:nvPr/>
+        </p:nvSpPr>
+        <p:spPr>
+          <a:xfrm>
+            <a:off x="8980221" y="5201929"/>
+            <a:ext cx="1101175" cy="246221"/>
+          </a:xfrm>
+          <a:prstGeom prst="rect">
+            <a:avLst/>
+          </a:prstGeom>
+          <a:noFill/>
+        </p:spPr>
+        <p:txBody>
+          <a:bodyPr wrap="square">
+            <a:spAutoFit/>
+          </a:bodyPr>
+          <a:lstStyle/>
+          <a:p>
+            <a:r>
+              <a:rPr lang="zh-CN" altLang="en-US" sz="1000" b="1" dirty="0">
+                <a:solidFill>
+                  <a:srgbClr val="C00000"/>
+                </a:solidFill>
+                <a:latin typeface="Times New Roman" panose="02020603050405020304" pitchFamily="18" charset="0"/>
+                <a:ea typeface="宋体" panose="02010600030101010101" pitchFamily="2" charset="-122"/>
+                <a:cs typeface="Times New Roman" panose="02020603050405020304" pitchFamily="18" charset="0"/>
+              </a:rPr>
+              <a:t>执行后处理脚本</a:t>
+            </a:r>
+            <a:endParaRPr lang="en-US" altLang="zh-CN" sz="1000" b="1" dirty="0">
+              <a:solidFill>
+                <a:srgbClr val="C00000"/>
+              </a:solidFill>
+              <a:latin typeface="Times New Roman" panose="02020603050405020304" pitchFamily="18" charset="0"/>
+              <a:ea typeface="宋体" panose="02010600030101010101" pitchFamily="2" charset="-122"/>
+              <a:cs typeface="Times New Roman" panose="02020603050405020304" pitchFamily="18" charset="0"/>
+            </a:endParaRPr>
+          </a:p>
+        </p:txBody>
+      </p:sp>
+      <p:sp>
+        <p:nvSpPr>
+          <p:cNvPr id="147" name="椭圆 146">
+            <a:extLst>
+              <a:ext uri="{FF2B5EF4-FFF2-40B4-BE49-F238E27FC236}">
+                <a16:creationId xmlns:a16="http://schemas.microsoft.com/office/drawing/2014/main" id="{7710DBDB-7769-9187-DDF5-9451EA058570}"/>
+              </a:ext>
+            </a:extLst>
+          </p:cNvPr>
+          <p:cNvSpPr/>
+          <p:nvPr/>
+        </p:nvSpPr>
+        <p:spPr>
+          <a:xfrm>
+            <a:off x="8410083" y="3747962"/>
+            <a:ext cx="1206310" cy="454540"/>
+          </a:xfrm>
+          <a:prstGeom prst="ellipse">
+            <a:avLst/>
+          </a:prstGeom>
+          <a:solidFill>
+            <a:schemeClr val="accent3">
+              <a:lumMod val="20000"/>
+              <a:lumOff val="80000"/>
+            </a:schemeClr>
+          </a:solidFill>
+          <a:ln>
+            <a:solidFill>
+              <a:schemeClr val="tx1"/>
+            </a:solidFill>
+          </a:ln>
+        </p:spPr>
+        <p:style>
+          <a:lnRef idx="2">
+            <a:schemeClr val="accent1">
+              <a:shade val="15000"/>
+            </a:schemeClr>
+          </a:lnRef>
+          <a:fillRef idx="1">
+            <a:schemeClr val="accent1"/>
+          </a:fillRef>
+          <a:effectRef idx="0">
+            <a:schemeClr val="accent1"/>
+          </a:effectRef>
+          <a:fontRef idx="minor">
+            <a:schemeClr val="lt1"/>
+          </a:fontRef>
+        </p:style>
+        <p:txBody>
+          <a:bodyPr rtlCol="0" anchor="ctr"/>
+          <a:lstStyle/>
+          <a:p>
+            <a:pPr algn="ctr"/>
+            <a:r>
+              <a:rPr lang="zh-CN" altLang="en-US" sz="1200" dirty="0">
+                <a:solidFill>
+                  <a:schemeClr val="tx1"/>
+                </a:solidFill>
+                <a:latin typeface="宋体" panose="02010600030101010101" pitchFamily="2" charset="-122"/>
+                <a:ea typeface="宋体" panose="02010600030101010101" pitchFamily="2" charset="-122"/>
+              </a:rPr>
+              <a:t>排行榜单更新</a:t>
+            </a:r>
+          </a:p>
+        </p:txBody>
+      </p:sp>
+      <p:cxnSp>
+        <p:nvCxnSpPr>
+          <p:cNvPr id="148" name="直接箭头连接符 147">
+            <a:extLst>
+              <a:ext uri="{FF2B5EF4-FFF2-40B4-BE49-F238E27FC236}">
+                <a16:creationId xmlns:a16="http://schemas.microsoft.com/office/drawing/2014/main" id="{DD80BF89-8715-92A9-F4C8-C531B10CF8E2}"/>
+              </a:ext>
+            </a:extLst>
+          </p:cNvPr>
+          <p:cNvCxnSpPr>
+            <a:cxnSpLocks/>
+            <a:stCxn id="112" idx="0"/>
+            <a:endCxn id="147" idx="4"/>
+          </p:cNvCxnSpPr>
+          <p:nvPr/>
+        </p:nvCxnSpPr>
+        <p:spPr>
+          <a:xfrm flipV="1">
+            <a:off x="9013238" y="4202502"/>
+            <a:ext cx="0" cy="782796"/>
+          </a:xfrm>
+          <a:prstGeom prst="straightConnector1">
+            <a:avLst/>
+          </a:prstGeom>
+          <a:ln>
+            <a:tailEnd type="triangle"/>
+          </a:ln>
+        </p:spPr>
+        <p:style>
+          <a:lnRef idx="1">
+            <a:schemeClr val="accent1"/>
+          </a:lnRef>
+          <a:fillRef idx="0">
+            <a:schemeClr val="accent1"/>
+          </a:fillRef>
+          <a:effectRef idx="0">
+            <a:schemeClr val="accent1"/>
+          </a:effectRef>
+          <a:fontRef idx="minor">
+            <a:schemeClr val="tx1"/>
+          </a:fontRef>
+        </p:style>
+      </p:cxnSp>
     </p:spTree>
     <p:extLst>
       <p:ext uri="{BB962C8B-B14F-4D97-AF65-F5344CB8AC3E}">
@@ -7474,7 +9881,7 @@
         </p:nvSpPr>
         <p:spPr>
           <a:xfrm>
-            <a:off x="619268" y="3811286"/>
+            <a:off x="619270" y="3811286"/>
             <a:ext cx="1090245" cy="366050"/>
           </a:xfrm>
           <a:prstGeom prst="flowChartMagneticDisk">
@@ -7605,7 +10012,7 @@
         </p:nvCxnSpPr>
         <p:spPr>
           <a:xfrm>
-            <a:off x="1709513" y="3994311"/>
+            <a:off x="1709515" y="3994311"/>
             <a:ext cx="1006211" cy="0"/>
           </a:xfrm>
           <a:prstGeom prst="straightConnector1">
@@ -7644,7 +10051,7 @@
         </p:nvSpPr>
         <p:spPr>
           <a:xfrm>
-            <a:off x="3322654" y="2456447"/>
+            <a:off x="3322656" y="2456447"/>
             <a:ext cx="1180453" cy="261610"/>
           </a:xfrm>
           <a:prstGeom prst="rect">
@@ -7694,7 +10101,7 @@
         </p:nvSpPr>
         <p:spPr>
           <a:xfrm>
-            <a:off x="4437521" y="3141259"/>
+            <a:off x="4437521" y="3141261"/>
             <a:ext cx="1288430" cy="370513"/>
           </a:xfrm>
           <a:prstGeom prst="flowChartProcess">
@@ -7760,7 +10167,7 @@
         </p:nvSpPr>
         <p:spPr>
           <a:xfrm>
-            <a:off x="4437521" y="4499852"/>
+            <a:off x="4437523" y="4499854"/>
             <a:ext cx="1653567" cy="370513"/>
           </a:xfrm>
           <a:prstGeom prst="flowChartProcess">
@@ -7830,7 +10237,7 @@
         </p:nvCxnSpPr>
         <p:spPr>
           <a:xfrm flipV="1">
-            <a:off x="3739020" y="3326516"/>
+            <a:off x="3739022" y="3326518"/>
             <a:ext cx="698501" cy="667795"/>
           </a:xfrm>
           <a:prstGeom prst="bentConnector3">
@@ -7875,7 +10282,7 @@
         </p:nvCxnSpPr>
         <p:spPr>
           <a:xfrm>
-            <a:off x="3739020" y="3994311"/>
+            <a:off x="3739022" y="3994311"/>
             <a:ext cx="698501" cy="690798"/>
           </a:xfrm>
           <a:prstGeom prst="bentConnector3">
@@ -7916,7 +10323,7 @@
         </p:nvSpPr>
         <p:spPr>
           <a:xfrm>
-            <a:off x="4674077" y="3495921"/>
+            <a:off x="4674079" y="3495921"/>
             <a:ext cx="1180453" cy="261610"/>
           </a:xfrm>
           <a:prstGeom prst="rect">
@@ -8016,6 +10423,134 @@
           <a:chExt cx="0" cy="0"/>
         </a:xfrm>
       </p:grpSpPr>
+      <p:sp>
+        <p:nvSpPr>
+          <p:cNvPr id="4" name="矩形 3">
+            <a:extLst>
+              <a:ext uri="{FF2B5EF4-FFF2-40B4-BE49-F238E27FC236}">
+                <a16:creationId xmlns:a16="http://schemas.microsoft.com/office/drawing/2014/main" id="{ED46B471-88E9-D916-A783-F7CF59FBA3D0}"/>
+              </a:ext>
+            </a:extLst>
+          </p:cNvPr>
+          <p:cNvSpPr/>
+          <p:nvPr/>
+        </p:nvSpPr>
+        <p:spPr>
+          <a:xfrm>
+            <a:off x="4722312" y="4841312"/>
+            <a:ext cx="1853852" cy="663878"/>
+          </a:xfrm>
+          <a:prstGeom prst="rect">
+            <a:avLst/>
+          </a:prstGeom>
+        </p:spPr>
+        <p:style>
+          <a:lnRef idx="2">
+            <a:schemeClr val="accent1">
+              <a:shade val="15000"/>
+            </a:schemeClr>
+          </a:lnRef>
+          <a:fillRef idx="1">
+            <a:schemeClr val="accent1"/>
+          </a:fillRef>
+          <a:effectRef idx="0">
+            <a:schemeClr val="accent1"/>
+          </a:effectRef>
+          <a:fontRef idx="minor">
+            <a:schemeClr val="lt1"/>
+          </a:fontRef>
+        </p:style>
+        <p:txBody>
+          <a:bodyPr rtlCol="0" anchor="ctr"/>
+          <a:lstStyle/>
+          <a:p>
+            <a:pPr algn="ctr"/>
+            <a:r>
+              <a:rPr lang="zh-CN" altLang="en-US" dirty="0"/>
+              <a:t>创建任务</a:t>
+            </a:r>
+          </a:p>
+        </p:txBody>
+      </p:sp>
+      <p:sp>
+        <p:nvSpPr>
+          <p:cNvPr id="5" name="矩形 4">
+            <a:extLst>
+              <a:ext uri="{FF2B5EF4-FFF2-40B4-BE49-F238E27FC236}">
+                <a16:creationId xmlns:a16="http://schemas.microsoft.com/office/drawing/2014/main" id="{8316316E-1422-0CFB-FDB5-C4F4F5061186}"/>
+              </a:ext>
+            </a:extLst>
+          </p:cNvPr>
+          <p:cNvSpPr/>
+          <p:nvPr/>
+        </p:nvSpPr>
+        <p:spPr>
+          <a:xfrm>
+            <a:off x="4722312" y="3709794"/>
+            <a:ext cx="1626296" cy="473900"/>
+          </a:xfrm>
+          <a:prstGeom prst="rect">
+            <a:avLst/>
+          </a:prstGeom>
+        </p:spPr>
+        <p:style>
+          <a:lnRef idx="2">
+            <a:schemeClr val="accent1">
+              <a:shade val="15000"/>
+            </a:schemeClr>
+          </a:lnRef>
+          <a:fillRef idx="1">
+            <a:schemeClr val="accent1"/>
+          </a:fillRef>
+          <a:effectRef idx="0">
+            <a:schemeClr val="accent1"/>
+          </a:effectRef>
+          <a:fontRef idx="minor">
+            <a:schemeClr val="lt1"/>
+          </a:fontRef>
+        </p:style>
+        <p:txBody>
+          <a:bodyPr rtlCol="0" anchor="ctr"/>
+          <a:lstStyle/>
+          <a:p>
+            <a:pPr algn="ctr"/>
+            <a:r>
+              <a:rPr lang="zh-CN" altLang="en-US" dirty="0"/>
+              <a:t>现有任务</a:t>
+            </a:r>
+          </a:p>
+        </p:txBody>
+      </p:sp>
+    </p:spTree>
+    <p:extLst>
+      <p:ext uri="{BB962C8B-B14F-4D97-AF65-F5344CB8AC3E}">
+        <p14:creationId xmlns:p14="http://schemas.microsoft.com/office/powerpoint/2010/main" val="3060638920"/>
+      </p:ext>
+    </p:extLst>
+  </p:cSld>
+  <p:clrMapOvr>
+    <a:masterClrMapping/>
+  </p:clrMapOvr>
+</p:sld>
+</file>
+
+<file path=ppt/slides/slide8.xml><?xml version="1.0" encoding="utf-8"?>
+<p:sld xmlns:a="http://schemas.openxmlformats.org/drawingml/2006/main" xmlns:r="http://schemas.openxmlformats.org/officeDocument/2006/relationships" xmlns:p="http://schemas.openxmlformats.org/presentationml/2006/main">
+  <p:cSld>
+    <p:spTree>
+      <p:nvGrpSpPr>
+        <p:cNvPr id="1" name=""/>
+        <p:cNvGrpSpPr/>
+        <p:nvPr/>
+      </p:nvGrpSpPr>
+      <p:grpSpPr>
+        <a:xfrm>
+          <a:off x="0" y="0"/>
+          <a:ext cx="0" cy="0"/>
+          <a:chOff x="0" y="0"/>
+          <a:chExt cx="0" cy="0"/>
+        </a:xfrm>
+      </p:grpSpPr>
       <p:pic>
         <p:nvPicPr>
           <p:cNvPr id="4" name="图片 3">
@@ -8037,7 +10572,7 @@
         </p:blipFill>
         <p:spPr>
           <a:xfrm>
-            <a:off x="342287" y="2452050"/>
+            <a:off x="342289" y="2452052"/>
             <a:ext cx="11507425" cy="3817227"/>
           </a:xfrm>
           <a:prstGeom prst="rect">
@@ -8059,7 +10594,7 @@
         </p:nvSpPr>
         <p:spPr>
           <a:xfrm>
-            <a:off x="3663732" y="1881031"/>
+            <a:off x="3663734" y="1881033"/>
             <a:ext cx="5267325" cy="307905"/>
           </a:xfrm>
           <a:prstGeom prst="rect">

--- a/功率预测模型校验系统.pptx
+++ b/功率预测模型校验系统.pptx
@@ -204,7 +204,7 @@
           <a:p>
             <a:fld id="{6644421C-1B0F-4B50-84FF-F0445BE29B36}" type="datetimeFigureOut">
               <a:rPr lang="zh-CN" altLang="en-US" smtClean="0"/>
-              <a:t>2025/5/9</a:t>
+              <a:t>2025/5/10</a:t>
             </a:fld>
             <a:endParaRPr lang="zh-CN" altLang="en-US"/>
           </a:p>
@@ -930,7 +930,7 @@
           <a:p>
             <a:fld id="{BC9B666E-7E1E-4769-A296-D6D54469AE25}" type="datetimeFigureOut">
               <a:rPr lang="zh-CN" altLang="en-US" smtClean="0"/>
-              <a:t>2025/5/9</a:t>
+              <a:t>2025/5/10</a:t>
             </a:fld>
             <a:endParaRPr lang="zh-CN" altLang="en-US"/>
           </a:p>
@@ -1128,7 +1128,7 @@
           <a:p>
             <a:fld id="{BC9B666E-7E1E-4769-A296-D6D54469AE25}" type="datetimeFigureOut">
               <a:rPr lang="zh-CN" altLang="en-US" smtClean="0"/>
-              <a:t>2025/5/9</a:t>
+              <a:t>2025/5/10</a:t>
             </a:fld>
             <a:endParaRPr lang="zh-CN" altLang="en-US"/>
           </a:p>
@@ -1336,7 +1336,7 @@
           <a:p>
             <a:fld id="{BC9B666E-7E1E-4769-A296-D6D54469AE25}" type="datetimeFigureOut">
               <a:rPr lang="zh-CN" altLang="en-US" smtClean="0"/>
-              <a:t>2025/5/9</a:t>
+              <a:t>2025/5/10</a:t>
             </a:fld>
             <a:endParaRPr lang="zh-CN" altLang="en-US"/>
           </a:p>
@@ -1534,7 +1534,7 @@
           <a:p>
             <a:fld id="{BC9B666E-7E1E-4769-A296-D6D54469AE25}" type="datetimeFigureOut">
               <a:rPr lang="zh-CN" altLang="en-US" smtClean="0"/>
-              <a:t>2025/5/9</a:t>
+              <a:t>2025/5/10</a:t>
             </a:fld>
             <a:endParaRPr lang="zh-CN" altLang="en-US"/>
           </a:p>
@@ -1809,7 +1809,7 @@
           <a:p>
             <a:fld id="{BC9B666E-7E1E-4769-A296-D6D54469AE25}" type="datetimeFigureOut">
               <a:rPr lang="zh-CN" altLang="en-US" smtClean="0"/>
-              <a:t>2025/5/9</a:t>
+              <a:t>2025/5/10</a:t>
             </a:fld>
             <a:endParaRPr lang="zh-CN" altLang="en-US"/>
           </a:p>
@@ -2074,7 +2074,7 @@
           <a:p>
             <a:fld id="{BC9B666E-7E1E-4769-A296-D6D54469AE25}" type="datetimeFigureOut">
               <a:rPr lang="zh-CN" altLang="en-US" smtClean="0"/>
-              <a:t>2025/5/9</a:t>
+              <a:t>2025/5/10</a:t>
             </a:fld>
             <a:endParaRPr lang="zh-CN" altLang="en-US"/>
           </a:p>
@@ -2486,7 +2486,7 @@
           <a:p>
             <a:fld id="{BC9B666E-7E1E-4769-A296-D6D54469AE25}" type="datetimeFigureOut">
               <a:rPr lang="zh-CN" altLang="en-US" smtClean="0"/>
-              <a:t>2025/5/9</a:t>
+              <a:t>2025/5/10</a:t>
             </a:fld>
             <a:endParaRPr lang="zh-CN" altLang="en-US"/>
           </a:p>
@@ -2627,7 +2627,7 @@
           <a:p>
             <a:fld id="{BC9B666E-7E1E-4769-A296-D6D54469AE25}" type="datetimeFigureOut">
               <a:rPr lang="zh-CN" altLang="en-US" smtClean="0"/>
-              <a:t>2025/5/9</a:t>
+              <a:t>2025/5/10</a:t>
             </a:fld>
             <a:endParaRPr lang="zh-CN" altLang="en-US"/>
           </a:p>
@@ -2740,7 +2740,7 @@
           <a:p>
             <a:fld id="{BC9B666E-7E1E-4769-A296-D6D54469AE25}" type="datetimeFigureOut">
               <a:rPr lang="zh-CN" altLang="en-US" smtClean="0"/>
-              <a:t>2025/5/9</a:t>
+              <a:t>2025/5/10</a:t>
             </a:fld>
             <a:endParaRPr lang="zh-CN" altLang="en-US"/>
           </a:p>
@@ -3051,7 +3051,7 @@
           <a:p>
             <a:fld id="{BC9B666E-7E1E-4769-A296-D6D54469AE25}" type="datetimeFigureOut">
               <a:rPr lang="zh-CN" altLang="en-US" smtClean="0"/>
-              <a:t>2025/5/9</a:t>
+              <a:t>2025/5/10</a:t>
             </a:fld>
             <a:endParaRPr lang="zh-CN" altLang="en-US"/>
           </a:p>
@@ -3339,7 +3339,7 @@
           <a:p>
             <a:fld id="{BC9B666E-7E1E-4769-A296-D6D54469AE25}" type="datetimeFigureOut">
               <a:rPr lang="zh-CN" altLang="en-US" smtClean="0"/>
-              <a:t>2025/5/9</a:t>
+              <a:t>2025/5/10</a:t>
             </a:fld>
             <a:endParaRPr lang="zh-CN" altLang="en-US"/>
           </a:p>
@@ -3580,7 +3580,7 @@
           <a:p>
             <a:fld id="{BC9B666E-7E1E-4769-A296-D6D54469AE25}" type="datetimeFigureOut">
               <a:rPr lang="zh-CN" altLang="en-US" smtClean="0"/>
-              <a:t>2025/5/9</a:t>
+              <a:t>2025/5/10</a:t>
             </a:fld>
             <a:endParaRPr lang="zh-CN" altLang="en-US"/>
           </a:p>
@@ -9651,10 +9651,10 @@
       </p:grpSpPr>
       <p:sp>
         <p:nvSpPr>
-          <p:cNvPr id="4" name="文本框 3">
-            <a:extLst>
-              <a:ext uri="{FF2B5EF4-FFF2-40B4-BE49-F238E27FC236}">
-                <a16:creationId xmlns:a16="http://schemas.microsoft.com/office/drawing/2014/main" id="{D6B6DC4C-B07F-9CF5-D439-7710488432FF}"/>
+          <p:cNvPr id="7" name="文本框 6">
+            <a:extLst>
+              <a:ext uri="{FF2B5EF4-FFF2-40B4-BE49-F238E27FC236}">
+                <a16:creationId xmlns:a16="http://schemas.microsoft.com/office/drawing/2014/main" id="{8E6017F4-D3FD-68D0-1E23-9BA0D239C65F}"/>
               </a:ext>
             </a:extLst>
           </p:cNvPr>
@@ -9663,7 +9663,7 @@
         </p:nvSpPr>
         <p:spPr>
           <a:xfrm>
-            <a:off x="551200" y="195097"/>
+            <a:off x="125932" y="95248"/>
             <a:ext cx="1569660" cy="369460"/>
           </a:xfrm>
           <a:prstGeom prst="rect">
@@ -9682,7 +9682,7 @@
                 <a:latin typeface="黑体" panose="02010609060101010101" pitchFamily="49" charset="-122"/>
                 <a:ea typeface="黑体" panose="02010609060101010101" pitchFamily="49" charset="-122"/>
               </a:rPr>
-              <a:t>文件传输设计</a:t>
+              <a:t>用户注册流程</a:t>
             </a:r>
             <a:endParaRPr lang="en-US" altLang="zh-CN" sz="1801" dirty="0">
               <a:latin typeface="黑体" panose="02010609060101010101" pitchFamily="49" charset="-122"/>
@@ -9693,10 +9693,10 @@
       </p:sp>
       <p:sp>
         <p:nvSpPr>
-          <p:cNvPr id="5" name="文本框 4">
-            <a:extLst>
-              <a:ext uri="{FF2B5EF4-FFF2-40B4-BE49-F238E27FC236}">
-                <a16:creationId xmlns:a16="http://schemas.microsoft.com/office/drawing/2014/main" id="{8B013AD2-5B78-DE80-6FA4-B6ACDD56D89E}"/>
+          <p:cNvPr id="8" name="文本框 7">
+            <a:extLst>
+              <a:ext uri="{FF2B5EF4-FFF2-40B4-BE49-F238E27FC236}">
+                <a16:creationId xmlns:a16="http://schemas.microsoft.com/office/drawing/2014/main" id="{8F38ECA5-5967-BFD4-40B8-17E5F05C62ED}"/>
               </a:ext>
             </a:extLst>
           </p:cNvPr>
@@ -9705,8 +9705,8 @@
         </p:nvSpPr>
         <p:spPr>
           <a:xfrm>
-            <a:off x="331809" y="885212"/>
-            <a:ext cx="8486514" cy="1170192"/>
+            <a:off x="270125" y="832271"/>
+            <a:ext cx="4834231" cy="1385764"/>
           </a:xfrm>
           <a:prstGeom prst="rect">
             <a:avLst/>
@@ -9720,20 +9720,12 @@
           <a:lstStyle/>
           <a:p>
             <a:r>
-              <a:rPr lang="en-US" altLang="zh-CN" sz="1401" dirty="0">
-                <a:latin typeface="Times New Roman" panose="02020603050405020304" pitchFamily="18" charset="0"/>
-                <a:ea typeface="宋体" panose="02010600030101010101" pitchFamily="2" charset="-122"/>
-                <a:cs typeface="Times New Roman" panose="02020603050405020304" pitchFamily="18" charset="0"/>
-              </a:rPr>
-              <a:t>SFTP</a:t>
-            </a:r>
-            <a:r>
               <a:rPr lang="zh-CN" altLang="en-US" sz="1401" dirty="0">
                 <a:latin typeface="Times New Roman" panose="02020603050405020304" pitchFamily="18" charset="0"/>
                 <a:ea typeface="宋体" panose="02010600030101010101" pitchFamily="2" charset="-122"/>
                 <a:cs typeface="Times New Roman" panose="02020603050405020304" pitchFamily="18" charset="0"/>
               </a:rPr>
-              <a:t>应用，通过权限设置管理不同用户能够访问的文件。</a:t>
+              <a:t>注册后生成用户文件夹：</a:t>
             </a:r>
             <a:endParaRPr lang="en-US" altLang="zh-CN" sz="1401" dirty="0">
               <a:latin typeface="Times New Roman" panose="02020603050405020304" pitchFamily="18" charset="0"/>
@@ -9743,20 +9735,44 @@
           </a:p>
           <a:p>
             <a:r>
+              <a:rPr lang="en-US" altLang="zh-CN" sz="1401" dirty="0">
+                <a:latin typeface="Times New Roman" panose="02020603050405020304" pitchFamily="18" charset="0"/>
+                <a:ea typeface="宋体" panose="02010600030101010101" pitchFamily="2" charset="-122"/>
+                <a:cs typeface="Times New Roman" panose="02020603050405020304" pitchFamily="18" charset="0"/>
+              </a:rPr>
+              <a:t>Forecaster\data\</a:t>
+            </a:r>
+            <a:r>
+              <a:rPr lang="en-US" altLang="zh-CN" sz="1401" dirty="0" err="1">
+                <a:latin typeface="Times New Roman" panose="02020603050405020304" pitchFamily="18" charset="0"/>
+                <a:ea typeface="宋体" panose="02010600030101010101" pitchFamily="2" charset="-122"/>
+                <a:cs typeface="Times New Roman" panose="02020603050405020304" pitchFamily="18" charset="0"/>
+              </a:rPr>
+              <a:t>user_data</a:t>
+            </a:r>
+            <a:r>
+              <a:rPr lang="en-US" altLang="zh-CN" sz="1401" dirty="0">
+                <a:latin typeface="Times New Roman" panose="02020603050405020304" pitchFamily="18" charset="0"/>
+                <a:ea typeface="宋体" panose="02010600030101010101" pitchFamily="2" charset="-122"/>
+                <a:cs typeface="Times New Roman" panose="02020603050405020304" pitchFamily="18" charset="0"/>
+              </a:rPr>
+              <a:t>\</a:t>
+            </a:r>
+            <a:r>
+              <a:rPr lang="en-US" altLang="zh-CN" sz="1401" dirty="0" err="1">
+                <a:latin typeface="Times New Roman" panose="02020603050405020304" pitchFamily="18" charset="0"/>
+                <a:ea typeface="宋体" panose="02010600030101010101" pitchFamily="2" charset="-122"/>
+                <a:cs typeface="Times New Roman" panose="02020603050405020304" pitchFamily="18" charset="0"/>
+              </a:rPr>
+              <a:t>xiaowang</a:t>
+            </a:r>
+            <a:r>
               <a:rPr lang="zh-CN" altLang="en-US" sz="1401" dirty="0">
                 <a:latin typeface="Times New Roman" panose="02020603050405020304" pitchFamily="18" charset="0"/>
                 <a:ea typeface="宋体" panose="02010600030101010101" pitchFamily="2" charset="-122"/>
                 <a:cs typeface="Times New Roman" panose="02020603050405020304" pitchFamily="18" charset="0"/>
               </a:rPr>
-              <a:t>普通用户：</a:t>
-            </a:r>
-            <a:r>
-              <a:rPr lang="en-US" altLang="zh-CN" sz="1401" dirty="0">
-                <a:latin typeface="Times New Roman" panose="02020603050405020304" pitchFamily="18" charset="0"/>
-                <a:ea typeface="宋体" panose="02010600030101010101" pitchFamily="2" charset="-122"/>
-                <a:cs typeface="Times New Roman" panose="02020603050405020304" pitchFamily="18" charset="0"/>
-              </a:rPr>
-              <a:t>Forecaster\data\</a:t>
+              <a:t>下生成</a:t>
             </a:r>
             <a:r>
               <a:rPr lang="en-US" altLang="zh-CN" sz="1401" dirty="0" err="1">
@@ -9764,7 +9780,7 @@
                 <a:ea typeface="宋体" panose="02010600030101010101" pitchFamily="2" charset="-122"/>
                 <a:cs typeface="Times New Roman" panose="02020603050405020304" pitchFamily="18" charset="0"/>
               </a:rPr>
-              <a:t>user_data</a:t>
+              <a:t>download_data</a:t>
             </a:r>
             <a:r>
               <a:rPr lang="zh-CN" altLang="en-US" sz="1401" dirty="0">
@@ -9772,7 +9788,39 @@
                 <a:ea typeface="宋体" panose="02010600030101010101" pitchFamily="2" charset="-122"/>
                 <a:cs typeface="Times New Roman" panose="02020603050405020304" pitchFamily="18" charset="0"/>
               </a:rPr>
-              <a:t>下的数据</a:t>
+              <a:t>、</a:t>
+            </a:r>
+            <a:r>
+              <a:rPr lang="en-US" altLang="zh-CN" sz="1401" dirty="0" err="1">
+                <a:latin typeface="Times New Roman" panose="02020603050405020304" pitchFamily="18" charset="0"/>
+                <a:ea typeface="宋体" panose="02010600030101010101" pitchFamily="2" charset="-122"/>
+                <a:cs typeface="Times New Roman" panose="02020603050405020304" pitchFamily="18" charset="0"/>
+              </a:rPr>
+              <a:t>test_job_data</a:t>
+            </a:r>
+            <a:r>
+              <a:rPr lang="zh-CN" altLang="en-US" sz="1401" dirty="0">
+                <a:latin typeface="Times New Roman" panose="02020603050405020304" pitchFamily="18" charset="0"/>
+                <a:ea typeface="宋体" panose="02010600030101010101" pitchFamily="2" charset="-122"/>
+                <a:cs typeface="Times New Roman" panose="02020603050405020304" pitchFamily="18" charset="0"/>
+              </a:rPr>
+              <a:t>、</a:t>
+            </a:r>
+            <a:r>
+              <a:rPr lang="en-US" altLang="zh-CN" sz="1401" dirty="0" err="1">
+                <a:latin typeface="Times New Roman" panose="02020603050405020304" pitchFamily="18" charset="0"/>
+                <a:ea typeface="宋体" panose="02010600030101010101" pitchFamily="2" charset="-122"/>
+                <a:cs typeface="Times New Roman" panose="02020603050405020304" pitchFamily="18" charset="0"/>
+              </a:rPr>
+              <a:t>upload_data</a:t>
+            </a:r>
+            <a:r>
+              <a:rPr lang="zh-CN" altLang="en-US" sz="1401" dirty="0">
+                <a:latin typeface="Times New Roman" panose="02020603050405020304" pitchFamily="18" charset="0"/>
+                <a:ea typeface="宋体" panose="02010600030101010101" pitchFamily="2" charset="-122"/>
+                <a:cs typeface="Times New Roman" panose="02020603050405020304" pitchFamily="18" charset="0"/>
+              </a:rPr>
+              <a:t>。</a:t>
             </a:r>
             <a:endParaRPr lang="en-US" altLang="zh-CN" sz="1401" dirty="0">
               <a:latin typeface="Times New Roman" panose="02020603050405020304" pitchFamily="18" charset="0"/>
@@ -9781,6 +9829,78 @@
             </a:endParaRPr>
           </a:p>
           <a:p>
+            <a:r>
+              <a:rPr lang="en-US" altLang="zh-CN" sz="1401" dirty="0">
+                <a:latin typeface="Times New Roman" panose="02020603050405020304" pitchFamily="18" charset="0"/>
+                <a:ea typeface="宋体" panose="02010600030101010101" pitchFamily="2" charset="-122"/>
+                <a:cs typeface="Times New Roman" panose="02020603050405020304" pitchFamily="18" charset="0"/>
+              </a:rPr>
+              <a:t>Forecaster\</a:t>
+            </a:r>
+            <a:r>
+              <a:rPr lang="en-US" altLang="zh-CN" sz="1401" dirty="0" err="1">
+                <a:latin typeface="Times New Roman" panose="02020603050405020304" pitchFamily="18" charset="0"/>
+                <a:ea typeface="宋体" panose="02010600030101010101" pitchFamily="2" charset="-122"/>
+                <a:cs typeface="Times New Roman" panose="02020603050405020304" pitchFamily="18" charset="0"/>
+              </a:rPr>
+              <a:t>interactive_space</a:t>
+            </a:r>
+            <a:r>
+              <a:rPr lang="en-US" altLang="zh-CN" sz="1401" dirty="0">
+                <a:latin typeface="Times New Roman" panose="02020603050405020304" pitchFamily="18" charset="0"/>
+                <a:ea typeface="宋体" panose="02010600030101010101" pitchFamily="2" charset="-122"/>
+                <a:cs typeface="Times New Roman" panose="02020603050405020304" pitchFamily="18" charset="0"/>
+              </a:rPr>
+              <a:t>\</a:t>
+            </a:r>
+            <a:r>
+              <a:rPr lang="en-US" altLang="zh-CN" sz="1401" dirty="0" err="1">
+                <a:latin typeface="Times New Roman" panose="02020603050405020304" pitchFamily="18" charset="0"/>
+                <a:ea typeface="宋体" panose="02010600030101010101" pitchFamily="2" charset="-122"/>
+                <a:cs typeface="Times New Roman" panose="02020603050405020304" pitchFamily="18" charset="0"/>
+              </a:rPr>
+              <a:t>xiaowang</a:t>
+            </a:r>
+            <a:r>
+              <a:rPr lang="zh-CN" altLang="en-US" sz="1401" dirty="0">
+                <a:latin typeface="Times New Roman" panose="02020603050405020304" pitchFamily="18" charset="0"/>
+                <a:ea typeface="宋体" panose="02010600030101010101" pitchFamily="2" charset="-122"/>
+                <a:cs typeface="Times New Roman" panose="02020603050405020304" pitchFamily="18" charset="0"/>
+              </a:rPr>
+              <a:t>下生成</a:t>
+            </a:r>
+            <a:r>
+              <a:rPr lang="en-US" altLang="zh-CN" sz="1401" dirty="0" err="1">
+                <a:latin typeface="Times New Roman" panose="02020603050405020304" pitchFamily="18" charset="0"/>
+                <a:ea typeface="宋体" panose="02010600030101010101" pitchFamily="2" charset="-122"/>
+                <a:cs typeface="Times New Roman" panose="02020603050405020304" pitchFamily="18" charset="0"/>
+              </a:rPr>
+              <a:t>download_data</a:t>
+            </a:r>
+            <a:r>
+              <a:rPr lang="zh-CN" altLang="en-US" sz="1401" dirty="0">
+                <a:latin typeface="Times New Roman" panose="02020603050405020304" pitchFamily="18" charset="0"/>
+                <a:ea typeface="宋体" panose="02010600030101010101" pitchFamily="2" charset="-122"/>
+                <a:cs typeface="Times New Roman" panose="02020603050405020304" pitchFamily="18" charset="0"/>
+              </a:rPr>
+              <a:t>、</a:t>
+            </a:r>
+            <a:r>
+              <a:rPr lang="en-US" altLang="zh-CN" sz="1401" dirty="0" err="1">
+                <a:latin typeface="Times New Roman" panose="02020603050405020304" pitchFamily="18" charset="0"/>
+                <a:ea typeface="宋体" panose="02010600030101010101" pitchFamily="2" charset="-122"/>
+                <a:cs typeface="Times New Roman" panose="02020603050405020304" pitchFamily="18" charset="0"/>
+              </a:rPr>
+              <a:t>upload_data</a:t>
+            </a:r>
+            <a:r>
+              <a:rPr lang="zh-CN" altLang="en-US" sz="1401" dirty="0">
+                <a:latin typeface="Times New Roman" panose="02020603050405020304" pitchFamily="18" charset="0"/>
+                <a:ea typeface="宋体" panose="02010600030101010101" pitchFamily="2" charset="-122"/>
+                <a:cs typeface="Times New Roman" panose="02020603050405020304" pitchFamily="18" charset="0"/>
+              </a:rPr>
+              <a:t>。</a:t>
+            </a:r>
             <a:endParaRPr lang="en-US" altLang="zh-CN" sz="1401" dirty="0">
               <a:latin typeface="Times New Roman" panose="02020603050405020304" pitchFamily="18" charset="0"/>
               <a:ea typeface="宋体" panose="02010600030101010101" pitchFamily="2" charset="-122"/>
@@ -9788,608 +9908,11 @@
             </a:endParaRPr>
           </a:p>
           <a:p>
-            <a:r>
-              <a:rPr lang="zh-CN" altLang="en-US" sz="1401" dirty="0">
-                <a:latin typeface="Times New Roman" panose="02020603050405020304" pitchFamily="18" charset="0"/>
-                <a:ea typeface="宋体" panose="02010600030101010101" pitchFamily="2" charset="-122"/>
-                <a:cs typeface="Times New Roman" panose="02020603050405020304" pitchFamily="18" charset="0"/>
-              </a:rPr>
-              <a:t>目前普通任务的训练集数据在</a:t>
-            </a:r>
-            <a:r>
-              <a:rPr lang="en-US" altLang="zh-CN" sz="1401" dirty="0">
-                <a:latin typeface="Times New Roman" panose="02020603050405020304" pitchFamily="18" charset="0"/>
-                <a:ea typeface="宋体" panose="02010600030101010101" pitchFamily="2" charset="-122"/>
-                <a:cs typeface="Times New Roman" panose="02020603050405020304" pitchFamily="18" charset="0"/>
-              </a:rPr>
-              <a:t>Forecaster\</a:t>
-            </a:r>
-            <a:r>
-              <a:rPr lang="en-US" altLang="zh-CN" sz="1401" dirty="0" err="1">
-                <a:latin typeface="Times New Roman" panose="02020603050405020304" pitchFamily="18" charset="0"/>
-                <a:ea typeface="宋体" panose="02010600030101010101" pitchFamily="2" charset="-122"/>
-                <a:cs typeface="Times New Roman" panose="02020603050405020304" pitchFamily="18" charset="0"/>
-              </a:rPr>
-              <a:t>interactive_space</a:t>
-            </a:r>
-            <a:r>
-              <a:rPr lang="en-US" altLang="zh-CN" sz="1401" dirty="0">
-                <a:latin typeface="Times New Roman" panose="02020603050405020304" pitchFamily="18" charset="0"/>
-                <a:ea typeface="宋体" panose="02010600030101010101" pitchFamily="2" charset="-122"/>
-                <a:cs typeface="Times New Roman" panose="02020603050405020304" pitchFamily="18" charset="0"/>
-              </a:rPr>
-              <a:t>\</a:t>
-            </a:r>
-            <a:r>
-              <a:rPr lang="zh-CN" altLang="en-US" sz="1401" dirty="0">
-                <a:latin typeface="Times New Roman" panose="02020603050405020304" pitchFamily="18" charset="0"/>
-                <a:ea typeface="宋体" panose="02010600030101010101" pitchFamily="2" charset="-122"/>
-                <a:cs typeface="Times New Roman" panose="02020603050405020304" pitchFamily="18" charset="0"/>
-              </a:rPr>
-              <a:t>用户名</a:t>
-            </a:r>
-            <a:r>
-              <a:rPr lang="en-US" altLang="zh-CN" sz="1401" dirty="0">
-                <a:latin typeface="Times New Roman" panose="02020603050405020304" pitchFamily="18" charset="0"/>
-                <a:ea typeface="宋体" panose="02010600030101010101" pitchFamily="2" charset="-122"/>
-                <a:cs typeface="Times New Roman" panose="02020603050405020304" pitchFamily="18" charset="0"/>
-              </a:rPr>
-              <a:t>_</a:t>
-            </a:r>
-            <a:r>
-              <a:rPr lang="en-US" altLang="zh-CN" sz="1401" dirty="0" err="1">
-                <a:latin typeface="Times New Roman" panose="02020603050405020304" pitchFamily="18" charset="0"/>
-                <a:ea typeface="宋体" panose="02010600030101010101" pitchFamily="2" charset="-122"/>
-                <a:cs typeface="Times New Roman" panose="02020603050405020304" pitchFamily="18" charset="0"/>
-              </a:rPr>
-              <a:t>download_data</a:t>
-            </a:r>
-            <a:r>
-              <a:rPr lang="zh-CN" altLang="en-US" sz="1401" dirty="0">
-                <a:latin typeface="Times New Roman" panose="02020603050405020304" pitchFamily="18" charset="0"/>
-                <a:ea typeface="宋体" panose="02010600030101010101" pitchFamily="2" charset="-122"/>
-                <a:cs typeface="Times New Roman" panose="02020603050405020304" pitchFamily="18" charset="0"/>
-              </a:rPr>
-              <a:t>路径下寻找下载</a:t>
-            </a:r>
             <a:endParaRPr lang="en-US" altLang="zh-CN" sz="1401" dirty="0">
               <a:latin typeface="Times New Roman" panose="02020603050405020304" pitchFamily="18" charset="0"/>
               <a:ea typeface="宋体" panose="02010600030101010101" pitchFamily="2" charset="-122"/>
               <a:cs typeface="Times New Roman" panose="02020603050405020304" pitchFamily="18" charset="0"/>
             </a:endParaRPr>
-          </a:p>
-          <a:p>
-            <a:endParaRPr lang="en-US" altLang="zh-CN" sz="1401" dirty="0">
-              <a:latin typeface="Times New Roman" panose="02020603050405020304" pitchFamily="18" charset="0"/>
-              <a:ea typeface="宋体" panose="02010600030101010101" pitchFamily="2" charset="-122"/>
-              <a:cs typeface="Times New Roman" panose="02020603050405020304" pitchFamily="18" charset="0"/>
-            </a:endParaRPr>
-          </a:p>
-        </p:txBody>
-      </p:sp>
-      <p:sp>
-        <p:nvSpPr>
-          <p:cNvPr id="2" name="流程图: 磁盘 1">
-            <a:extLst>
-              <a:ext uri="{FF2B5EF4-FFF2-40B4-BE49-F238E27FC236}">
-                <a16:creationId xmlns:a16="http://schemas.microsoft.com/office/drawing/2014/main" id="{E3636533-1D94-4E72-20B0-C65AE3E7D2AA}"/>
-              </a:ext>
-            </a:extLst>
-          </p:cNvPr>
-          <p:cNvSpPr/>
-          <p:nvPr/>
-        </p:nvSpPr>
-        <p:spPr>
-          <a:xfrm>
-            <a:off x="619270" y="3811286"/>
-            <a:ext cx="1090245" cy="366050"/>
-          </a:xfrm>
-          <a:prstGeom prst="flowChartMagneticDisk">
-            <a:avLst/>
-          </a:prstGeom>
-          <a:solidFill>
-            <a:schemeClr val="accent3">
-              <a:lumMod val="20000"/>
-              <a:lumOff val="80000"/>
-            </a:schemeClr>
-          </a:solidFill>
-        </p:spPr>
-        <p:style>
-          <a:lnRef idx="2">
-            <a:schemeClr val="accent1">
-              <a:shade val="15000"/>
-            </a:schemeClr>
-          </a:lnRef>
-          <a:fillRef idx="1">
-            <a:schemeClr val="accent1"/>
-          </a:fillRef>
-          <a:effectRef idx="0">
-            <a:schemeClr val="accent1"/>
-          </a:effectRef>
-          <a:fontRef idx="minor">
-            <a:schemeClr val="lt1"/>
-          </a:fontRef>
-        </p:style>
-        <p:txBody>
-          <a:bodyPr rtlCol="0" anchor="ctr"/>
-          <a:lstStyle/>
-          <a:p>
-            <a:pPr algn="ctr"/>
-            <a:r>
-              <a:rPr lang="zh-CN" altLang="en-US" sz="1401" dirty="0">
-                <a:solidFill>
-                  <a:schemeClr val="tx1"/>
-                </a:solidFill>
-                <a:latin typeface="宋体" panose="02010600030101010101" pitchFamily="2" charset="-122"/>
-                <a:ea typeface="宋体" panose="02010600030101010101" pitchFamily="2" charset="-122"/>
-              </a:rPr>
-              <a:t>原始数据</a:t>
-            </a:r>
-          </a:p>
-        </p:txBody>
-      </p:sp>
-      <p:sp>
-        <p:nvSpPr>
-          <p:cNvPr id="3" name="流程图: 过程 2">
-            <a:extLst>
-              <a:ext uri="{FF2B5EF4-FFF2-40B4-BE49-F238E27FC236}">
-                <a16:creationId xmlns:a16="http://schemas.microsoft.com/office/drawing/2014/main" id="{B25098E8-DB45-0E26-1243-C847C1822CD2}"/>
-              </a:ext>
-            </a:extLst>
-          </p:cNvPr>
-          <p:cNvSpPr/>
-          <p:nvPr/>
-        </p:nvSpPr>
-        <p:spPr>
-          <a:xfrm>
-            <a:off x="2715724" y="3757531"/>
-            <a:ext cx="1023296" cy="473560"/>
-          </a:xfrm>
-          <a:prstGeom prst="flowChartProcess">
-            <a:avLst/>
-          </a:prstGeom>
-          <a:solidFill>
-            <a:schemeClr val="accent3">
-              <a:lumMod val="20000"/>
-              <a:lumOff val="80000"/>
-            </a:schemeClr>
-          </a:solidFill>
-          <a:ln>
-            <a:solidFill>
-              <a:schemeClr val="tx1"/>
-            </a:solidFill>
-          </a:ln>
-        </p:spPr>
-        <p:style>
-          <a:lnRef idx="2">
-            <a:schemeClr val="accent1">
-              <a:shade val="15000"/>
-            </a:schemeClr>
-          </a:lnRef>
-          <a:fillRef idx="1">
-            <a:schemeClr val="accent1"/>
-          </a:fillRef>
-          <a:effectRef idx="0">
-            <a:schemeClr val="accent1"/>
-          </a:effectRef>
-          <a:fontRef idx="minor">
-            <a:schemeClr val="lt1"/>
-          </a:fontRef>
-        </p:style>
-        <p:txBody>
-          <a:bodyPr rtlCol="0" anchor="ctr"/>
-          <a:lstStyle/>
-          <a:p>
-            <a:pPr algn="ctr"/>
-            <a:r>
-              <a:rPr lang="zh-CN" altLang="en-US" sz="1401" dirty="0">
-                <a:solidFill>
-                  <a:schemeClr val="tx1"/>
-                </a:solidFill>
-                <a:latin typeface="宋体" panose="02010600030101010101" pitchFamily="2" charset="-122"/>
-                <a:ea typeface="宋体" panose="02010600030101010101" pitchFamily="2" charset="-122"/>
-              </a:rPr>
-              <a:t>临时训练测试数据</a:t>
-            </a:r>
-          </a:p>
-        </p:txBody>
-      </p:sp>
-      <p:cxnSp>
-        <p:nvCxnSpPr>
-          <p:cNvPr id="6" name="直接箭头连接符 5">
-            <a:extLst>
-              <a:ext uri="{FF2B5EF4-FFF2-40B4-BE49-F238E27FC236}">
-                <a16:creationId xmlns:a16="http://schemas.microsoft.com/office/drawing/2014/main" id="{1E877034-6A26-D160-F1F0-C2B9426F7115}"/>
-              </a:ext>
-            </a:extLst>
-          </p:cNvPr>
-          <p:cNvCxnSpPr>
-            <a:cxnSpLocks/>
-            <a:stCxn id="2" idx="4"/>
-            <a:endCxn id="3" idx="1"/>
-          </p:cNvCxnSpPr>
-          <p:nvPr/>
-        </p:nvCxnSpPr>
-        <p:spPr>
-          <a:xfrm>
-            <a:off x="1709515" y="3994311"/>
-            <a:ext cx="1006211" cy="0"/>
-          </a:xfrm>
-          <a:prstGeom prst="straightConnector1">
-            <a:avLst/>
-          </a:prstGeom>
-          <a:ln>
-            <a:tailEnd type="triangle"/>
-          </a:ln>
-        </p:spPr>
-        <p:style>
-          <a:lnRef idx="1">
-            <a:schemeClr val="dk1"/>
-          </a:lnRef>
-          <a:fillRef idx="0">
-            <a:schemeClr val="dk1"/>
-          </a:fillRef>
-          <a:effectRef idx="0">
-            <a:schemeClr val="dk1"/>
-          </a:effectRef>
-          <a:fontRef idx="minor">
-            <a:schemeClr val="tx1"/>
-          </a:fontRef>
-        </p:style>
-      </p:cxnSp>
-      <p:sp>
-        <p:nvSpPr>
-          <p:cNvPr id="11" name="文本框 10">
-            <a:extLst>
-              <a:ext uri="{FF2B5EF4-FFF2-40B4-BE49-F238E27FC236}">
-                <a16:creationId xmlns:a16="http://schemas.microsoft.com/office/drawing/2014/main" id="{097B2B1D-B542-D77B-DF8F-7E5BFB16BF98}"/>
-              </a:ext>
-            </a:extLst>
-          </p:cNvPr>
-          <p:cNvSpPr txBox="1"/>
-          <p:nvPr/>
-        </p:nvSpPr>
-        <p:spPr>
-          <a:xfrm>
-            <a:off x="3322656" y="2456447"/>
-            <a:ext cx="1180453" cy="261610"/>
-          </a:xfrm>
-          <a:prstGeom prst="rect">
-            <a:avLst/>
-          </a:prstGeom>
-          <a:noFill/>
-        </p:spPr>
-        <p:txBody>
-          <a:bodyPr wrap="square">
-            <a:spAutoFit/>
-          </a:bodyPr>
-          <a:lstStyle/>
-          <a:p>
-            <a:r>
-              <a:rPr lang="en-US" altLang="zh-CN" sz="1050" dirty="0">
-                <a:solidFill>
-                  <a:srgbClr val="C00000"/>
-                </a:solidFill>
-                <a:latin typeface="Times New Roman" panose="02020603050405020304" pitchFamily="18" charset="0"/>
-                <a:ea typeface="宋体" panose="02010600030101010101" pitchFamily="2" charset="-122"/>
-                <a:cs typeface="Times New Roman" panose="02020603050405020304" pitchFamily="18" charset="0"/>
-              </a:rPr>
-              <a:t>prepare_data.cmd</a:t>
-            </a:r>
-            <a:endParaRPr lang="zh-CN" altLang="en-US" sz="1050" dirty="0">
-              <a:solidFill>
-                <a:srgbClr val="C00000"/>
-              </a:solidFill>
-              <a:latin typeface="Times New Roman" panose="02020603050405020304" pitchFamily="18" charset="0"/>
-              <a:ea typeface="宋体" panose="02010600030101010101" pitchFamily="2" charset="-122"/>
-              <a:cs typeface="Times New Roman" panose="02020603050405020304" pitchFamily="18" charset="0"/>
-            </a:endParaRPr>
-          </a:p>
-        </p:txBody>
-      </p:sp>
-      <p:sp>
-        <p:nvSpPr>
-          <p:cNvPr id="12" name="流程图: 过程 11">
-            <a:extLst>
-              <a:ext uri="{FF2B5EF4-FFF2-40B4-BE49-F238E27FC236}">
-                <a16:creationId xmlns:a16="http://schemas.microsoft.com/office/drawing/2014/main" id="{CD552499-AD93-6040-B66C-0AD1F2775816}"/>
-              </a:ext>
-            </a:extLst>
-          </p:cNvPr>
-          <p:cNvSpPr/>
-          <p:nvPr/>
-        </p:nvSpPr>
-        <p:spPr>
-          <a:xfrm>
-            <a:off x="4437521" y="3141261"/>
-            <a:ext cx="1288430" cy="370513"/>
-          </a:xfrm>
-          <a:prstGeom prst="flowChartProcess">
-            <a:avLst/>
-          </a:prstGeom>
-          <a:solidFill>
-            <a:schemeClr val="accent3">
-              <a:lumMod val="20000"/>
-              <a:lumOff val="80000"/>
-            </a:schemeClr>
-          </a:solidFill>
-          <a:ln>
-            <a:solidFill>
-              <a:schemeClr val="tx1"/>
-            </a:solidFill>
-          </a:ln>
-        </p:spPr>
-        <p:style>
-          <a:lnRef idx="2">
-            <a:schemeClr val="accent1">
-              <a:shade val="15000"/>
-            </a:schemeClr>
-          </a:lnRef>
-          <a:fillRef idx="1">
-            <a:schemeClr val="accent1"/>
-          </a:fillRef>
-          <a:effectRef idx="0">
-            <a:schemeClr val="accent1"/>
-          </a:effectRef>
-          <a:fontRef idx="minor">
-            <a:schemeClr val="lt1"/>
-          </a:fontRef>
-        </p:style>
-        <p:txBody>
-          <a:bodyPr rtlCol="0" anchor="ctr"/>
-          <a:lstStyle/>
-          <a:p>
-            <a:pPr algn="ctr"/>
-            <a:r>
-              <a:rPr lang="zh-CN" altLang="en-US" sz="1401" dirty="0">
-                <a:solidFill>
-                  <a:schemeClr val="tx1"/>
-                </a:solidFill>
-                <a:latin typeface="宋体" panose="02010600030101010101" pitchFamily="2" charset="-122"/>
-                <a:ea typeface="宋体" panose="02010600030101010101" pitchFamily="2" charset="-122"/>
-              </a:rPr>
-              <a:t>交互空间数据</a:t>
-            </a:r>
-          </a:p>
-        </p:txBody>
-      </p:sp>
-      <p:sp>
-        <p:nvSpPr>
-          <p:cNvPr id="13" name="流程图: 过程 12">
-            <a:extLst>
-              <a:ext uri="{FF2B5EF4-FFF2-40B4-BE49-F238E27FC236}">
-                <a16:creationId xmlns:a16="http://schemas.microsoft.com/office/drawing/2014/main" id="{8CDDB33F-3A98-8A7E-F2F3-5A6A10B9EE32}"/>
-              </a:ext>
-            </a:extLst>
-          </p:cNvPr>
-          <p:cNvSpPr/>
-          <p:nvPr/>
-        </p:nvSpPr>
-        <p:spPr>
-          <a:xfrm>
-            <a:off x="4437523" y="4499854"/>
-            <a:ext cx="1653567" cy="370513"/>
-          </a:xfrm>
-          <a:prstGeom prst="flowChartProcess">
-            <a:avLst/>
-          </a:prstGeom>
-          <a:solidFill>
-            <a:schemeClr val="accent3">
-              <a:lumMod val="20000"/>
-              <a:lumOff val="80000"/>
-            </a:schemeClr>
-          </a:solidFill>
-          <a:ln>
-            <a:solidFill>
-              <a:schemeClr val="tx1"/>
-            </a:solidFill>
-          </a:ln>
-        </p:spPr>
-        <p:style>
-          <a:lnRef idx="2">
-            <a:schemeClr val="accent1">
-              <a:shade val="15000"/>
-            </a:schemeClr>
-          </a:lnRef>
-          <a:fillRef idx="1">
-            <a:schemeClr val="accent1"/>
-          </a:fillRef>
-          <a:effectRef idx="0">
-            <a:schemeClr val="accent1"/>
-          </a:effectRef>
-          <a:fontRef idx="minor">
-            <a:schemeClr val="lt1"/>
-          </a:fontRef>
-        </p:style>
-        <p:txBody>
-          <a:bodyPr rtlCol="0" anchor="ctr"/>
-          <a:lstStyle/>
-          <a:p>
-            <a:pPr algn="ctr"/>
-            <a:r>
-              <a:rPr lang="zh-CN" altLang="en-US" sz="1401" dirty="0">
-                <a:solidFill>
-                  <a:schemeClr val="tx1"/>
-                </a:solidFill>
-                <a:latin typeface="宋体" panose="02010600030101010101" pitchFamily="2" charset="-122"/>
-                <a:ea typeface="宋体" panose="02010600030101010101" pitchFamily="2" charset="-122"/>
-              </a:rPr>
-              <a:t>系统长期备份数据</a:t>
-            </a:r>
-          </a:p>
-        </p:txBody>
-      </p:sp>
-      <p:cxnSp>
-        <p:nvCxnSpPr>
-          <p:cNvPr id="14" name="连接符: 肘形 13">
-            <a:extLst>
-              <a:ext uri="{FF2B5EF4-FFF2-40B4-BE49-F238E27FC236}">
-                <a16:creationId xmlns:a16="http://schemas.microsoft.com/office/drawing/2014/main" id="{887C9009-3F8F-C31C-AEC3-67DE88B6B9CB}"/>
-              </a:ext>
-            </a:extLst>
-          </p:cNvPr>
-          <p:cNvCxnSpPr>
-            <a:cxnSpLocks/>
-            <a:stCxn id="3" idx="3"/>
-            <a:endCxn id="12" idx="1"/>
-          </p:cNvCxnSpPr>
-          <p:nvPr/>
-        </p:nvCxnSpPr>
-        <p:spPr>
-          <a:xfrm flipV="1">
-            <a:off x="3739022" y="3326518"/>
-            <a:ext cx="698501" cy="667795"/>
-          </a:xfrm>
-          <a:prstGeom prst="bentConnector3">
-            <a:avLst>
-              <a:gd name="adj1" fmla="val 50000"/>
-            </a:avLst>
-          </a:prstGeom>
-          <a:ln>
-            <a:tailEnd type="triangle"/>
-          </a:ln>
-        </p:spPr>
-        <p:style>
-          <a:lnRef idx="1">
-            <a:schemeClr val="dk1"/>
-          </a:lnRef>
-          <a:fillRef idx="0">
-            <a:schemeClr val="dk1"/>
-          </a:fillRef>
-          <a:effectRef idx="0">
-            <a:schemeClr val="dk1"/>
-          </a:effectRef>
-          <a:fontRef idx="minor">
-            <a:schemeClr val="tx1"/>
-          </a:fontRef>
-        </p:style>
-      </p:cxnSp>
-      <p:cxnSp>
-        <p:nvCxnSpPr>
-          <p:cNvPr id="17" name="连接符: 肘形 16">
-            <a:extLst>
-              <a:ext uri="{FF2B5EF4-FFF2-40B4-BE49-F238E27FC236}">
-                <a16:creationId xmlns:a16="http://schemas.microsoft.com/office/drawing/2014/main" id="{A123BAEA-7CF6-85D0-0454-FD2145F6E314}"/>
-              </a:ext>
-            </a:extLst>
-          </p:cNvPr>
-          <p:cNvCxnSpPr>
-            <a:cxnSpLocks/>
-            <a:stCxn id="3" idx="3"/>
-            <a:endCxn id="13" idx="1"/>
-          </p:cNvCxnSpPr>
-          <p:nvPr/>
-        </p:nvCxnSpPr>
-        <p:spPr>
-          <a:xfrm>
-            <a:off x="3739022" y="3994311"/>
-            <a:ext cx="698501" cy="690798"/>
-          </a:xfrm>
-          <a:prstGeom prst="bentConnector3">
-            <a:avLst>
-              <a:gd name="adj1" fmla="val 50000"/>
-            </a:avLst>
-          </a:prstGeom>
-          <a:ln>
-            <a:tailEnd type="triangle"/>
-          </a:ln>
-        </p:spPr>
-        <p:style>
-          <a:lnRef idx="1">
-            <a:schemeClr val="dk1"/>
-          </a:lnRef>
-          <a:fillRef idx="0">
-            <a:schemeClr val="dk1"/>
-          </a:fillRef>
-          <a:effectRef idx="0">
-            <a:schemeClr val="dk1"/>
-          </a:effectRef>
-          <a:fontRef idx="minor">
-            <a:schemeClr val="tx1"/>
-          </a:fontRef>
-        </p:style>
-      </p:cxnSp>
-      <p:sp>
-        <p:nvSpPr>
-          <p:cNvPr id="22" name="文本框 21">
-            <a:extLst>
-              <a:ext uri="{FF2B5EF4-FFF2-40B4-BE49-F238E27FC236}">
-                <a16:creationId xmlns:a16="http://schemas.microsoft.com/office/drawing/2014/main" id="{2655F5DD-20C8-84A5-BB5D-86AB2EC2EF4E}"/>
-              </a:ext>
-            </a:extLst>
-          </p:cNvPr>
-          <p:cNvSpPr txBox="1"/>
-          <p:nvPr/>
-        </p:nvSpPr>
-        <p:spPr>
-          <a:xfrm>
-            <a:off x="4674079" y="3495921"/>
-            <a:ext cx="1180453" cy="261610"/>
-          </a:xfrm>
-          <a:prstGeom prst="rect">
-            <a:avLst/>
-          </a:prstGeom>
-          <a:noFill/>
-        </p:spPr>
-        <p:txBody>
-          <a:bodyPr wrap="square">
-            <a:spAutoFit/>
-          </a:bodyPr>
-          <a:lstStyle/>
-          <a:p>
-            <a:r>
-              <a:rPr lang="zh-CN" altLang="en-US" sz="1050" dirty="0">
-                <a:solidFill>
-                  <a:srgbClr val="C00000"/>
-                </a:solidFill>
-                <a:latin typeface="Times New Roman" panose="02020603050405020304" pitchFamily="18" charset="0"/>
-                <a:ea typeface="宋体" panose="02010600030101010101" pitchFamily="2" charset="-122"/>
-                <a:cs typeface="Times New Roman" panose="02020603050405020304" pitchFamily="18" charset="0"/>
-              </a:rPr>
-              <a:t>会自动销毁</a:t>
-            </a:r>
-          </a:p>
-        </p:txBody>
-      </p:sp>
-      <p:sp>
-        <p:nvSpPr>
-          <p:cNvPr id="23" name="文本框 22">
-            <a:extLst>
-              <a:ext uri="{FF2B5EF4-FFF2-40B4-BE49-F238E27FC236}">
-                <a16:creationId xmlns:a16="http://schemas.microsoft.com/office/drawing/2014/main" id="{6B4FDBA7-6C8C-D98A-46FF-4FABC2363060}"/>
-              </a:ext>
-            </a:extLst>
-          </p:cNvPr>
-          <p:cNvSpPr txBox="1"/>
-          <p:nvPr/>
-        </p:nvSpPr>
-        <p:spPr>
-          <a:xfrm>
-            <a:off x="4674077" y="4870365"/>
-            <a:ext cx="1260316" cy="253916"/>
-          </a:xfrm>
-          <a:prstGeom prst="rect">
-            <a:avLst/>
-          </a:prstGeom>
-          <a:noFill/>
-        </p:spPr>
-        <p:txBody>
-          <a:bodyPr wrap="square">
-            <a:spAutoFit/>
-          </a:bodyPr>
-          <a:lstStyle/>
-          <a:p>
-            <a:r>
-              <a:rPr lang="zh-CN" altLang="en-US" sz="1050" dirty="0">
-                <a:solidFill>
-                  <a:srgbClr val="C00000"/>
-                </a:solidFill>
-                <a:latin typeface="Times New Roman" panose="02020603050405020304" pitchFamily="18" charset="0"/>
-                <a:ea typeface="宋体" panose="02010600030101010101" pitchFamily="2" charset="-122"/>
-                <a:cs typeface="Times New Roman" panose="02020603050405020304" pitchFamily="18" charset="0"/>
-              </a:rPr>
-              <a:t>仅管理员手动销毁</a:t>
-            </a:r>
           </a:p>
         </p:txBody>
       </p:sp>
@@ -10423,104 +9946,6 @@
           <a:chExt cx="0" cy="0"/>
         </a:xfrm>
       </p:grpSpPr>
-      <p:sp>
-        <p:nvSpPr>
-          <p:cNvPr id="4" name="矩形 3">
-            <a:extLst>
-              <a:ext uri="{FF2B5EF4-FFF2-40B4-BE49-F238E27FC236}">
-                <a16:creationId xmlns:a16="http://schemas.microsoft.com/office/drawing/2014/main" id="{ED46B471-88E9-D916-A783-F7CF59FBA3D0}"/>
-              </a:ext>
-            </a:extLst>
-          </p:cNvPr>
-          <p:cNvSpPr/>
-          <p:nvPr/>
-        </p:nvSpPr>
-        <p:spPr>
-          <a:xfrm>
-            <a:off x="4722312" y="4841312"/>
-            <a:ext cx="1853852" cy="663878"/>
-          </a:xfrm>
-          <a:prstGeom prst="rect">
-            <a:avLst/>
-          </a:prstGeom>
-        </p:spPr>
-        <p:style>
-          <a:lnRef idx="2">
-            <a:schemeClr val="accent1">
-              <a:shade val="15000"/>
-            </a:schemeClr>
-          </a:lnRef>
-          <a:fillRef idx="1">
-            <a:schemeClr val="accent1"/>
-          </a:fillRef>
-          <a:effectRef idx="0">
-            <a:schemeClr val="accent1"/>
-          </a:effectRef>
-          <a:fontRef idx="minor">
-            <a:schemeClr val="lt1"/>
-          </a:fontRef>
-        </p:style>
-        <p:txBody>
-          <a:bodyPr rtlCol="0" anchor="ctr"/>
-          <a:lstStyle/>
-          <a:p>
-            <a:pPr algn="ctr"/>
-            <a:r>
-              <a:rPr lang="zh-CN" altLang="en-US" dirty="0"/>
-              <a:t>创建任务</a:t>
-            </a:r>
-          </a:p>
-        </p:txBody>
-      </p:sp>
-      <p:sp>
-        <p:nvSpPr>
-          <p:cNvPr id="5" name="矩形 4">
-            <a:extLst>
-              <a:ext uri="{FF2B5EF4-FFF2-40B4-BE49-F238E27FC236}">
-                <a16:creationId xmlns:a16="http://schemas.microsoft.com/office/drawing/2014/main" id="{8316316E-1422-0CFB-FDB5-C4F4F5061186}"/>
-              </a:ext>
-            </a:extLst>
-          </p:cNvPr>
-          <p:cNvSpPr/>
-          <p:nvPr/>
-        </p:nvSpPr>
-        <p:spPr>
-          <a:xfrm>
-            <a:off x="4722312" y="3709794"/>
-            <a:ext cx="1626296" cy="473900"/>
-          </a:xfrm>
-          <a:prstGeom prst="rect">
-            <a:avLst/>
-          </a:prstGeom>
-        </p:spPr>
-        <p:style>
-          <a:lnRef idx="2">
-            <a:schemeClr val="accent1">
-              <a:shade val="15000"/>
-            </a:schemeClr>
-          </a:lnRef>
-          <a:fillRef idx="1">
-            <a:schemeClr val="accent1"/>
-          </a:fillRef>
-          <a:effectRef idx="0">
-            <a:schemeClr val="accent1"/>
-          </a:effectRef>
-          <a:fontRef idx="minor">
-            <a:schemeClr val="lt1"/>
-          </a:fontRef>
-        </p:style>
-        <p:txBody>
-          <a:bodyPr rtlCol="0" anchor="ctr"/>
-          <a:lstStyle/>
-          <a:p>
-            <a:pPr algn="ctr"/>
-            <a:r>
-              <a:rPr lang="zh-CN" altLang="en-US" dirty="0"/>
-              <a:t>现有任务</a:t>
-            </a:r>
-          </a:p>
-        </p:txBody>
-      </p:sp>
     </p:spTree>
     <p:extLst>
       <p:ext uri="{BB962C8B-B14F-4D97-AF65-F5344CB8AC3E}">

--- a/功率预测模型校验系统.pptx
+++ b/功率预测模型校验系统.pptx
@@ -7275,9 +7275,9 @@
           <a:p>
             <a:pPr algn="ctr"/>
             <a:r>
-              <a:rPr lang="zh-CN" altLang="en-US" sz="1200" dirty="0">
+              <a:rPr lang="zh-CN" altLang="en-US" sz="1200" b="1" dirty="0">
                 <a:solidFill>
-                  <a:schemeClr val="tx1"/>
+                  <a:srgbClr val="7030A0"/>
                 </a:solidFill>
                 <a:latin typeface="宋体" panose="02010600030101010101" pitchFamily="2" charset="-122"/>
                 <a:ea typeface="宋体" panose="02010600030101010101" pitchFamily="2" charset="-122"/>
@@ -7285,9 +7285,9 @@
               <a:t>执行</a:t>
             </a:r>
             <a:r>
-              <a:rPr lang="en-US" altLang="zh-CN" sz="1200" dirty="0">
+              <a:rPr lang="en-US" altLang="zh-CN" sz="1200" b="1" dirty="0">
                 <a:solidFill>
-                  <a:schemeClr val="tx1"/>
+                  <a:srgbClr val="7030A0"/>
                 </a:solidFill>
                 <a:latin typeface="宋体" panose="02010600030101010101" pitchFamily="2" charset="-122"/>
                 <a:ea typeface="宋体" panose="02010600030101010101" pitchFamily="2" charset="-122"/>
@@ -7295,9 +7295,9 @@
               <a:t>prepare_data.py</a:t>
             </a:r>
             <a:r>
-              <a:rPr lang="zh-CN" altLang="en-US" sz="1200" dirty="0">
+              <a:rPr lang="zh-CN" altLang="en-US" sz="1200" b="1" dirty="0">
                 <a:solidFill>
-                  <a:schemeClr val="tx1"/>
+                  <a:srgbClr val="7030A0"/>
                 </a:solidFill>
                 <a:latin typeface="宋体" panose="02010600030101010101" pitchFamily="2" charset="-122"/>
                 <a:ea typeface="宋体" panose="02010600030101010101" pitchFamily="2" charset="-122"/>
@@ -8516,9 +8516,9 @@
           <a:p>
             <a:pPr algn="ctr"/>
             <a:r>
-              <a:rPr lang="zh-CN" altLang="en-US" sz="1200" dirty="0">
+              <a:rPr lang="zh-CN" altLang="en-US" sz="1200" b="1" dirty="0">
                 <a:solidFill>
-                  <a:schemeClr val="tx1"/>
+                  <a:srgbClr val="7030A0"/>
                 </a:solidFill>
                 <a:latin typeface="宋体" panose="02010600030101010101" pitchFamily="2" charset="-122"/>
                 <a:ea typeface="宋体" panose="02010600030101010101" pitchFamily="2" charset="-122"/>
@@ -8526,9 +8526,9 @@
               <a:t>执行</a:t>
             </a:r>
             <a:r>
-              <a:rPr lang="en-US" altLang="zh-CN" sz="1200" dirty="0">
+              <a:rPr lang="en-US" altLang="zh-CN" sz="1200" b="1" dirty="0">
                 <a:solidFill>
-                  <a:schemeClr val="tx1"/>
+                  <a:srgbClr val="7030A0"/>
                 </a:solidFill>
                 <a:latin typeface="宋体" panose="02010600030101010101" pitchFamily="2" charset="-122"/>
                 <a:ea typeface="宋体" panose="02010600030101010101" pitchFamily="2" charset="-122"/>
@@ -8536,9 +8536,9 @@
               <a:t>task_evaluate.py</a:t>
             </a:r>
             <a:r>
-              <a:rPr lang="zh-CN" altLang="en-US" sz="1200" dirty="0">
+              <a:rPr lang="zh-CN" altLang="en-US" sz="1200" b="1" dirty="0">
                 <a:solidFill>
-                  <a:schemeClr val="tx1"/>
+                  <a:srgbClr val="7030A0"/>
                 </a:solidFill>
                 <a:latin typeface="宋体" panose="02010600030101010101" pitchFamily="2" charset="-122"/>
                 <a:ea typeface="宋体" panose="02010600030101010101" pitchFamily="2" charset="-122"/>
@@ -9590,6 +9590,135 @@
           <a:xfrm flipV="1">
             <a:off x="9013238" y="4202502"/>
             <a:ext cx="0" cy="782796"/>
+          </a:xfrm>
+          <a:prstGeom prst="straightConnector1">
+            <a:avLst/>
+          </a:prstGeom>
+          <a:ln>
+            <a:tailEnd type="triangle"/>
+          </a:ln>
+        </p:spPr>
+        <p:style>
+          <a:lnRef idx="1">
+            <a:schemeClr val="accent1"/>
+          </a:lnRef>
+          <a:fillRef idx="0">
+            <a:schemeClr val="accent1"/>
+          </a:fillRef>
+          <a:effectRef idx="0">
+            <a:schemeClr val="accent1"/>
+          </a:effectRef>
+          <a:fontRef idx="minor">
+            <a:schemeClr val="tx1"/>
+          </a:fontRef>
+        </p:style>
+      </p:cxnSp>
+      <p:sp>
+        <p:nvSpPr>
+          <p:cNvPr id="6" name="流程图: 过程 5">
+            <a:extLst>
+              <a:ext uri="{FF2B5EF4-FFF2-40B4-BE49-F238E27FC236}">
+                <a16:creationId xmlns:a16="http://schemas.microsoft.com/office/drawing/2014/main" id="{E65C957B-1F1E-0BBA-617D-CCBDDC96DB71}"/>
+              </a:ext>
+            </a:extLst>
+          </p:cNvPr>
+          <p:cNvSpPr/>
+          <p:nvPr/>
+        </p:nvSpPr>
+        <p:spPr>
+          <a:xfrm>
+            <a:off x="7106781" y="2502026"/>
+            <a:ext cx="2051425" cy="369460"/>
+          </a:xfrm>
+          <a:prstGeom prst="flowChartProcess">
+            <a:avLst/>
+          </a:prstGeom>
+          <a:solidFill>
+            <a:schemeClr val="accent3">
+              <a:lumMod val="20000"/>
+              <a:lumOff val="80000"/>
+            </a:schemeClr>
+          </a:solidFill>
+          <a:ln>
+            <a:solidFill>
+              <a:schemeClr val="tx1"/>
+            </a:solidFill>
+          </a:ln>
+        </p:spPr>
+        <p:style>
+          <a:lnRef idx="2">
+            <a:schemeClr val="accent1">
+              <a:shade val="15000"/>
+            </a:schemeClr>
+          </a:lnRef>
+          <a:fillRef idx="1">
+            <a:schemeClr val="accent1"/>
+          </a:fillRef>
+          <a:effectRef idx="0">
+            <a:schemeClr val="accent1"/>
+          </a:effectRef>
+          <a:fontRef idx="minor">
+            <a:schemeClr val="lt1"/>
+          </a:fontRef>
+        </p:style>
+        <p:txBody>
+          <a:bodyPr rtlCol="0" anchor="ctr"/>
+          <a:lstStyle/>
+          <a:p>
+            <a:pPr algn="ctr"/>
+            <a:r>
+              <a:rPr lang="zh-CN" altLang="en-US" sz="1200" b="1" dirty="0">
+                <a:solidFill>
+                  <a:srgbClr val="7030A0"/>
+                </a:solidFill>
+                <a:latin typeface="宋体" panose="02010600030101010101" pitchFamily="2" charset="-122"/>
+                <a:ea typeface="宋体" panose="02010600030101010101" pitchFamily="2" charset="-122"/>
+              </a:rPr>
+              <a:t>执行</a:t>
+            </a:r>
+            <a:r>
+              <a:rPr lang="en-US" altLang="zh-CN" sz="1200" b="1" dirty="0">
+                <a:solidFill>
+                  <a:srgbClr val="7030A0"/>
+                </a:solidFill>
+                <a:latin typeface="宋体" panose="02010600030101010101" pitchFamily="2" charset="-122"/>
+                <a:ea typeface="宋体" panose="02010600030101010101" pitchFamily="2" charset="-122"/>
+              </a:rPr>
+              <a:t>post_process.py</a:t>
+            </a:r>
+            <a:r>
+              <a:rPr lang="zh-CN" altLang="en-US" sz="1200" b="1" dirty="0">
+                <a:solidFill>
+                  <a:srgbClr val="7030A0"/>
+                </a:solidFill>
+                <a:latin typeface="宋体" panose="02010600030101010101" pitchFamily="2" charset="-122"/>
+                <a:ea typeface="宋体" panose="02010600030101010101" pitchFamily="2" charset="-122"/>
+              </a:rPr>
+              <a:t>脚本</a:t>
+            </a:r>
+          </a:p>
+        </p:txBody>
+      </p:sp>
+      <p:cxnSp>
+        <p:nvCxnSpPr>
+          <p:cNvPr id="9" name="直接箭头连接符 8">
+            <a:extLst>
+              <a:ext uri="{FF2B5EF4-FFF2-40B4-BE49-F238E27FC236}">
+                <a16:creationId xmlns:a16="http://schemas.microsoft.com/office/drawing/2014/main" id="{0087A706-FEEE-2265-17E9-FCE4378A07F6}"/>
+              </a:ext>
+            </a:extLst>
+          </p:cNvPr>
+          <p:cNvCxnSpPr>
+            <a:cxnSpLocks/>
+            <a:stCxn id="82" idx="2"/>
+            <a:endCxn id="6" idx="0"/>
+          </p:cNvCxnSpPr>
+          <p:nvPr/>
+        </p:nvCxnSpPr>
+        <p:spPr>
+          <a:xfrm>
+            <a:off x="8127689" y="2105821"/>
+            <a:ext cx="4805" cy="396205"/>
           </a:xfrm>
           <a:prstGeom prst="straightConnector1">
             <a:avLst/>
